--- a/崇拜流程.pptx
+++ b/崇拜流程.pptx
@@ -233,7 +233,7 @@
             <a:fld id="{2F30D4D0-EAC7-4980-A92D-C26C9148BA0F}" type="datetimeFigureOut">
               <a:rPr lang="zh-TW" altLang="en-US" smtClean="0"/>
               <a:pPr/>
-              <a:t>2019/1/12</a:t>
+              <a:t>2018/6/30</a:t>
             </a:fld>
             <a:endParaRPr lang="zh-TW" altLang="en-US"/>
           </a:p>
@@ -531,12 +531,7 @@
             <p:ph type="sldImg"/>
           </p:nvPr>
         </p:nvSpPr>
-        <p:spPr>
-          <a:xfrm>
-            <a:off x="1143000" y="685800"/>
-            <a:ext cx="4572000" cy="3429000"/>
-          </a:xfrm>
-        </p:spPr>
+        <p:spPr/>
       </p:sp>
       <p:sp>
         <p:nvSpPr>
@@ -618,12 +613,7 @@
             <p:ph type="sldImg"/>
           </p:nvPr>
         </p:nvSpPr>
-        <p:spPr>
-          <a:xfrm>
-            <a:off x="1143000" y="685800"/>
-            <a:ext cx="4572000" cy="3429000"/>
-          </a:xfrm>
-        </p:spPr>
+        <p:spPr/>
       </p:sp>
       <p:sp>
         <p:nvSpPr>
@@ -705,12 +695,7 @@
             <p:ph type="sldImg"/>
           </p:nvPr>
         </p:nvSpPr>
-        <p:spPr>
-          <a:xfrm>
-            <a:off x="1143000" y="685800"/>
-            <a:ext cx="4572000" cy="3429000"/>
-          </a:xfrm>
-        </p:spPr>
+        <p:spPr/>
       </p:sp>
       <p:sp>
         <p:nvSpPr>
@@ -792,12 +777,7 @@
             <p:ph type="sldImg"/>
           </p:nvPr>
         </p:nvSpPr>
-        <p:spPr>
-          <a:xfrm>
-            <a:off x="1143000" y="685800"/>
-            <a:ext cx="4572000" cy="3429000"/>
-          </a:xfrm>
-        </p:spPr>
+        <p:spPr/>
       </p:sp>
       <p:sp>
         <p:nvSpPr>
@@ -879,12 +859,7 @@
             <p:ph type="sldImg"/>
           </p:nvPr>
         </p:nvSpPr>
-        <p:spPr>
-          <a:xfrm>
-            <a:off x="1143000" y="685800"/>
-            <a:ext cx="4572000" cy="3429000"/>
-          </a:xfrm>
-        </p:spPr>
+        <p:spPr/>
       </p:sp>
       <p:sp>
         <p:nvSpPr>
@@ -973,7 +948,7 @@
         </p:nvSpPr>
         <p:spPr>
           <a:xfrm>
-            <a:off x="685800" y="2130426"/>
+            <a:off x="685800" y="2130425"/>
             <a:ext cx="7772400" cy="1470025"/>
           </a:xfrm>
         </p:spPr>
@@ -1126,7 +1101,7 @@
             <a:fld id="{5BBEAD13-0566-4C6C-97E7-55F17F24B09F}" type="datetimeFigureOut">
               <a:rPr lang="zh-TW" altLang="en-US" smtClean="0"/>
               <a:pPr/>
-              <a:t>2019/1/12</a:t>
+              <a:t>2018/6/30</a:t>
             </a:fld>
             <a:endParaRPr lang="zh-TW" altLang="en-US"/>
           </a:p>
@@ -1293,7 +1268,7 @@
             <a:fld id="{5BBEAD13-0566-4C6C-97E7-55F17F24B09F}" type="datetimeFigureOut">
               <a:rPr lang="zh-TW" altLang="en-US" smtClean="0"/>
               <a:pPr/>
-              <a:t>2019/1/12</a:t>
+              <a:t>2018/6/30</a:t>
             </a:fld>
             <a:endParaRPr lang="zh-TW" altLang="en-US"/>
           </a:p>
@@ -1379,7 +1354,7 @@
         </p:nvSpPr>
         <p:spPr>
           <a:xfrm>
-            <a:off x="6629400" y="274639"/>
+            <a:off x="6629400" y="274638"/>
             <a:ext cx="2057400" cy="5851525"/>
           </a:xfrm>
         </p:spPr>
@@ -1407,7 +1382,7 @@
         </p:nvSpPr>
         <p:spPr>
           <a:xfrm>
-            <a:off x="457200" y="274639"/>
+            <a:off x="457200" y="274638"/>
             <a:ext cx="6019800" cy="5851525"/>
           </a:xfrm>
         </p:spPr>
@@ -1470,7 +1445,7 @@
             <a:fld id="{5BBEAD13-0566-4C6C-97E7-55F17F24B09F}" type="datetimeFigureOut">
               <a:rPr lang="zh-TW" altLang="en-US" smtClean="0"/>
               <a:pPr/>
-              <a:t>2019/1/12</a:t>
+              <a:t>2018/6/30</a:t>
             </a:fld>
             <a:endParaRPr lang="zh-TW" altLang="en-US"/>
           </a:p>
@@ -1637,7 +1612,7 @@
             <a:fld id="{5BBEAD13-0566-4C6C-97E7-55F17F24B09F}" type="datetimeFigureOut">
               <a:rPr lang="zh-TW" altLang="en-US" smtClean="0"/>
               <a:pPr/>
-              <a:t>2019/1/12</a:t>
+              <a:t>2018/6/30</a:t>
             </a:fld>
             <a:endParaRPr lang="zh-TW" altLang="en-US"/>
           </a:p>
@@ -1723,7 +1698,7 @@
         </p:nvSpPr>
         <p:spPr>
           <a:xfrm>
-            <a:off x="722313" y="4406901"/>
+            <a:off x="722313" y="4406900"/>
             <a:ext cx="7772400" cy="1362075"/>
           </a:xfrm>
         </p:spPr>
@@ -1880,7 +1855,7 @@
             <a:fld id="{5BBEAD13-0566-4C6C-97E7-55F17F24B09F}" type="datetimeFigureOut">
               <a:rPr lang="zh-TW" altLang="en-US" smtClean="0"/>
               <a:pPr/>
-              <a:t>2019/1/12</a:t>
+              <a:t>2018/6/30</a:t>
             </a:fld>
             <a:endParaRPr lang="zh-TW" altLang="en-US"/>
           </a:p>
@@ -1989,7 +1964,7 @@
         </p:nvSpPr>
         <p:spPr>
           <a:xfrm>
-            <a:off x="457200" y="1600201"/>
+            <a:off x="457200" y="1600200"/>
             <a:ext cx="4038600" cy="4525963"/>
           </a:xfrm>
         </p:spPr>
@@ -2074,7 +2049,7 @@
         </p:nvSpPr>
         <p:spPr>
           <a:xfrm>
-            <a:off x="4648200" y="1600201"/>
+            <a:off x="4648200" y="1600200"/>
             <a:ext cx="4038600" cy="4525963"/>
           </a:xfrm>
         </p:spPr>
@@ -2165,7 +2140,7 @@
             <a:fld id="{5BBEAD13-0566-4C6C-97E7-55F17F24B09F}" type="datetimeFigureOut">
               <a:rPr lang="zh-TW" altLang="en-US" smtClean="0"/>
               <a:pPr/>
-              <a:t>2019/1/12</a:t>
+              <a:t>2018/6/30</a:t>
             </a:fld>
             <a:endParaRPr lang="zh-TW" altLang="en-US"/>
           </a:p>
@@ -2279,7 +2254,7 @@
         <p:spPr>
           <a:xfrm>
             <a:off x="457200" y="1535113"/>
-            <a:ext cx="4040188" cy="639763"/>
+            <a:ext cx="4040188" cy="639762"/>
           </a:xfrm>
         </p:spPr>
         <p:txBody>
@@ -2428,8 +2403,8 @@
         </p:nvSpPr>
         <p:spPr>
           <a:xfrm>
-            <a:off x="4645027" y="1535113"/>
-            <a:ext cx="4041775" cy="639763"/>
+            <a:off x="4645025" y="1535113"/>
+            <a:ext cx="4041775" cy="639762"/>
           </a:xfrm>
         </p:spPr>
         <p:txBody>
@@ -2493,7 +2468,7 @@
         </p:nvSpPr>
         <p:spPr>
           <a:xfrm>
-            <a:off x="4645027" y="2174875"/>
+            <a:off x="4645025" y="2174875"/>
             <a:ext cx="4041775" cy="3951288"/>
           </a:xfrm>
         </p:spPr>
@@ -2584,7 +2559,7 @@
             <a:fld id="{5BBEAD13-0566-4C6C-97E7-55F17F24B09F}" type="datetimeFigureOut">
               <a:rPr lang="zh-TW" altLang="en-US" smtClean="0"/>
               <a:pPr/>
-              <a:t>2019/1/12</a:t>
+              <a:t>2018/6/30</a:t>
             </a:fld>
             <a:endParaRPr lang="zh-TW" altLang="en-US"/>
           </a:p>
@@ -2699,7 +2674,7 @@
             <a:fld id="{5BBEAD13-0566-4C6C-97E7-55F17F24B09F}" type="datetimeFigureOut">
               <a:rPr lang="zh-TW" altLang="en-US" smtClean="0"/>
               <a:pPr/>
-              <a:t>2019/1/12</a:t>
+              <a:t>2018/6/30</a:t>
             </a:fld>
             <a:endParaRPr lang="zh-TW" altLang="en-US"/>
           </a:p>
@@ -2791,7 +2766,7 @@
             <a:fld id="{5BBEAD13-0566-4C6C-97E7-55F17F24B09F}" type="datetimeFigureOut">
               <a:rPr lang="zh-TW" altLang="en-US" smtClean="0"/>
               <a:pPr/>
-              <a:t>2019/1/12</a:t>
+              <a:t>2018/6/30</a:t>
             </a:fld>
             <a:endParaRPr lang="zh-TW" altLang="en-US"/>
           </a:p>
@@ -2877,8 +2852,8 @@
         </p:nvSpPr>
         <p:spPr>
           <a:xfrm>
-            <a:off x="457202" y="273049"/>
-            <a:ext cx="3008313" cy="1162051"/>
+            <a:off x="457200" y="273050"/>
+            <a:ext cx="3008313" cy="1162050"/>
           </a:xfrm>
         </p:spPr>
         <p:txBody>
@@ -2909,7 +2884,7 @@
         </p:nvSpPr>
         <p:spPr>
           <a:xfrm>
-            <a:off x="3575050" y="273052"/>
+            <a:off x="3575050" y="273050"/>
             <a:ext cx="5111750" cy="5853113"/>
           </a:xfrm>
         </p:spPr>
@@ -2994,7 +2969,7 @@
         </p:nvSpPr>
         <p:spPr>
           <a:xfrm>
-            <a:off x="457202" y="1435102"/>
+            <a:off x="457200" y="1435100"/>
             <a:ext cx="3008313" cy="4691063"/>
           </a:xfrm>
         </p:spPr>
@@ -3065,7 +3040,7 @@
             <a:fld id="{5BBEAD13-0566-4C6C-97E7-55F17F24B09F}" type="datetimeFigureOut">
               <a:rPr lang="zh-TW" altLang="en-US" smtClean="0"/>
               <a:pPr/>
-              <a:t>2019/1/12</a:t>
+              <a:t>2018/6/30</a:t>
             </a:fld>
             <a:endParaRPr lang="zh-TW" altLang="en-US"/>
           </a:p>
@@ -3152,7 +3127,7 @@
         <p:spPr>
           <a:xfrm>
             <a:off x="1792288" y="4800600"/>
-            <a:ext cx="5486400" cy="566739"/>
+            <a:ext cx="5486400" cy="566738"/>
           </a:xfrm>
         </p:spPr>
         <p:txBody>
@@ -3249,7 +3224,7 @@
         <p:spPr>
           <a:xfrm>
             <a:off x="1792288" y="5367338"/>
-            <a:ext cx="5486400" cy="804863"/>
+            <a:ext cx="5486400" cy="804862"/>
           </a:xfrm>
         </p:spPr>
         <p:txBody>
@@ -3319,7 +3294,7 @@
             <a:fld id="{5BBEAD13-0566-4C6C-97E7-55F17F24B09F}" type="datetimeFigureOut">
               <a:rPr lang="zh-TW" altLang="en-US" smtClean="0"/>
               <a:pPr/>
-              <a:t>2019/1/12</a:t>
+              <a:t>2018/6/30</a:t>
             </a:fld>
             <a:endParaRPr lang="zh-TW" altLang="en-US"/>
           </a:p>
@@ -3415,7 +3390,7 @@
         </p:nvSpPr>
         <p:spPr>
           <a:xfrm>
-            <a:off x="457200" y="274637"/>
+            <a:off x="457200" y="274638"/>
             <a:ext cx="8229600" cy="1143000"/>
           </a:xfrm>
           <a:prstGeom prst="rect">
@@ -3448,7 +3423,7 @@
         </p:nvSpPr>
         <p:spPr>
           <a:xfrm>
-            <a:off x="457200" y="1600201"/>
+            <a:off x="457200" y="1600200"/>
             <a:ext cx="8229600" cy="4525963"/>
           </a:xfrm>
           <a:prstGeom prst="rect">
@@ -3510,7 +3485,7 @@
         </p:nvSpPr>
         <p:spPr>
           <a:xfrm>
-            <a:off x="457200" y="6356351"/>
+            <a:off x="457200" y="6356350"/>
             <a:ext cx="2133600" cy="365125"/>
           </a:xfrm>
           <a:prstGeom prst="rect">
@@ -3534,7 +3509,7 @@
             <a:fld id="{5BBEAD13-0566-4C6C-97E7-55F17F24B09F}" type="datetimeFigureOut">
               <a:rPr lang="zh-TW" altLang="en-US" smtClean="0"/>
               <a:pPr/>
-              <a:t>2019/1/12</a:t>
+              <a:t>2018/6/30</a:t>
             </a:fld>
             <a:endParaRPr lang="zh-TW" altLang="en-US"/>
           </a:p>
@@ -3552,7 +3527,7 @@
         </p:nvSpPr>
         <p:spPr>
           <a:xfrm>
-            <a:off x="3124200" y="6356351"/>
+            <a:off x="3124200" y="6356350"/>
             <a:ext cx="2895600" cy="365125"/>
           </a:xfrm>
           <a:prstGeom prst="rect">
@@ -3589,7 +3564,7 @@
         </p:nvSpPr>
         <p:spPr>
           <a:xfrm>
-            <a:off x="6553200" y="6356351"/>
+            <a:off x="6553200" y="6356350"/>
             <a:ext cx="2133600" cy="365125"/>
           </a:xfrm>
           <a:prstGeom prst="rect">
@@ -3929,7 +3904,7 @@
           <a:p>
             <a:pPr algn="ctr"/>
             <a:r>
-              <a:rPr lang="zh-CN" altLang="en-US" sz="8000" b="1" dirty="0" smtClean="0">
+              <a:rPr lang="zh-CN" altLang="en-US" sz="10000" b="1" dirty="0" smtClean="0">
                 <a:solidFill>
                   <a:srgbClr val="000066"/>
                 </a:solidFill>
@@ -3938,7 +3913,7 @@
               </a:rPr>
               <a:t>宣召</a:t>
             </a:r>
-            <a:endParaRPr lang="zh-TW" altLang="en-US" sz="8000" b="1" dirty="0">
+            <a:endParaRPr lang="zh-TW" altLang="en-US" sz="10000" b="1" dirty="0">
               <a:solidFill>
                 <a:srgbClr val="000066"/>
               </a:solidFill>
@@ -4004,7 +3979,7 @@
           <a:p>
             <a:pPr algn="ctr"/>
             <a:r>
-              <a:rPr lang="zh-CN" altLang="en-US" sz="9600" b="1" dirty="0" smtClean="0">
+              <a:rPr lang="zh-CN" altLang="en-US" sz="10000" b="1" dirty="0" smtClean="0">
                 <a:solidFill>
                   <a:srgbClr val="000066"/>
                 </a:solidFill>
@@ -4013,7 +3988,7 @@
               </a:rPr>
               <a:t>恭讀經訓</a:t>
             </a:r>
-            <a:endParaRPr lang="zh-TW" altLang="en-US" sz="9600" b="1" dirty="0">
+            <a:endParaRPr lang="zh-TW" altLang="en-US" sz="10000" b="1" dirty="0">
               <a:solidFill>
                 <a:srgbClr val="000066"/>
               </a:solidFill>
@@ -4033,7 +4008,7 @@
         </p:nvSpPr>
         <p:spPr>
           <a:xfrm>
-            <a:off x="0" y="3662371"/>
+            <a:off x="0" y="3662370"/>
             <a:ext cx="9144000" cy="838200"/>
           </a:xfrm>
           <a:prstGeom prst="rect">
@@ -4052,7 +4027,7 @@
               </a:spcBef>
             </a:pPr>
             <a:r>
-              <a:rPr lang="zh-TW" altLang="en-US" sz="4800" b="1" dirty="0" smtClean="0">
+              <a:rPr lang="zh-TW" altLang="en-US" sz="5400" b="1" dirty="0" smtClean="0">
                 <a:solidFill>
                   <a:srgbClr val="660033"/>
                 </a:solidFill>
@@ -4070,7 +4045,7 @@
               <a:t>徒一</a:t>
             </a:r>
             <a:r>
-              <a:rPr lang="en-US" altLang="en-US" sz="4800" b="1" dirty="0" smtClean="0">
+              <a:rPr lang="en-US" altLang="en-US" sz="5400" b="1" dirty="0" smtClean="0">
                 <a:solidFill>
                   <a:srgbClr val="660033"/>
                 </a:solidFill>
@@ -4087,7 +4062,7 @@
               </a:rPr>
               <a:t>8</a:t>
             </a:r>
-            <a:endParaRPr lang="zh-TW" altLang="en-US" sz="4800" b="1" dirty="0">
+            <a:endParaRPr lang="zh-TW" altLang="en-US" sz="5400" b="1" dirty="0">
               <a:solidFill>
                 <a:srgbClr val="660033"/>
               </a:solidFill>
@@ -4277,7 +4252,7 @@
         </p:nvSpPr>
         <p:spPr>
           <a:xfrm>
-            <a:off x="0" y="4786323"/>
+            <a:off x="0" y="4786322"/>
             <a:ext cx="9144000" cy="838200"/>
           </a:xfrm>
           <a:prstGeom prst="rect">
@@ -4341,7 +4316,7 @@
         </p:nvSpPr>
         <p:spPr>
           <a:xfrm>
-            <a:off x="0" y="2805115"/>
+            <a:off x="0" y="2805114"/>
             <a:ext cx="9144000" cy="838200"/>
           </a:xfrm>
           <a:prstGeom prst="rect">
@@ -4360,7 +4335,7 @@
               </a:spcBef>
             </a:pPr>
             <a:r>
-              <a:rPr lang="zh-CN" altLang="en-US" sz="7200" b="1" dirty="0" smtClean="0">
+              <a:rPr lang="zh-CN" altLang="en-US" sz="7200" b="1" smtClean="0">
                 <a:solidFill>
                   <a:srgbClr val="660033"/>
                 </a:solidFill>
@@ -4378,7 +4353,7 @@
               <a:t>主題：</a:t>
             </a:r>
             <a:r>
-              <a:rPr lang="zh-TW" altLang="en-US" sz="7200" b="1" dirty="0" smtClean="0">
+              <a:rPr lang="zh-TW" altLang="en-US" sz="7200" b="1" smtClean="0">
                 <a:solidFill>
                   <a:srgbClr val="660033"/>
                 </a:solidFill>
@@ -4469,7 +4444,7 @@
           <a:p>
             <a:pPr algn="ctr"/>
             <a:r>
-              <a:rPr lang="zh-CN" altLang="en-US" sz="9600" b="1" dirty="0" smtClean="0">
+              <a:rPr lang="zh-CN" altLang="en-US" sz="10000" b="1" dirty="0" smtClean="0">
                 <a:solidFill>
                   <a:srgbClr val="000066"/>
                 </a:solidFill>
@@ -4478,7 +4453,7 @@
               </a:rPr>
               <a:t>回應禱告</a:t>
             </a:r>
-            <a:endParaRPr lang="zh-TW" altLang="en-US" sz="9600" b="1" dirty="0">
+            <a:endParaRPr lang="zh-TW" altLang="en-US" sz="10000" b="1" dirty="0">
               <a:solidFill>
                 <a:srgbClr val="000066"/>
               </a:solidFill>
@@ -4544,7 +4519,7 @@
           <a:p>
             <a:pPr algn="ctr"/>
             <a:r>
-              <a:rPr lang="zh-CN" altLang="en-US" sz="9600" b="1" dirty="0" smtClean="0">
+              <a:rPr lang="zh-CN" altLang="en-US" sz="10000" b="1" dirty="0" smtClean="0">
                 <a:solidFill>
                   <a:srgbClr val="000066"/>
                 </a:solidFill>
@@ -4553,7 +4528,7 @@
               </a:rPr>
               <a:t>回應詩歌</a:t>
             </a:r>
-            <a:endParaRPr lang="zh-TW" altLang="en-US" sz="9600" b="1" dirty="0">
+            <a:endParaRPr lang="zh-TW" altLang="en-US" sz="10000" b="1" dirty="0">
               <a:solidFill>
                 <a:srgbClr val="000066"/>
               </a:solidFill>
@@ -4619,7 +4594,7 @@
           <a:p>
             <a:pPr algn="ctr"/>
             <a:r>
-              <a:rPr lang="zh-CN" altLang="en-US" sz="9600" b="1" dirty="0" smtClean="0">
+              <a:rPr lang="zh-CN" altLang="en-US" sz="10000" b="1" dirty="0" smtClean="0">
                 <a:solidFill>
                   <a:srgbClr val="000066"/>
                 </a:solidFill>
@@ -4628,7 +4603,7 @@
               </a:rPr>
               <a:t>聖餐禮</a:t>
             </a:r>
-            <a:endParaRPr lang="zh-TW" altLang="en-US" sz="9600" b="1" dirty="0">
+            <a:endParaRPr lang="zh-TW" altLang="en-US" sz="10000" b="1" dirty="0">
               <a:solidFill>
                 <a:srgbClr val="000066"/>
               </a:solidFill>
@@ -4694,27 +4669,17 @@
           <a:lstStyle/>
           <a:p>
             <a:r>
-              <a:rPr lang="zh-CN" altLang="en-US" sz="9600" b="1" dirty="0">
-                <a:solidFill>
-                  <a:srgbClr val="000066"/>
-                </a:solidFill>
-                <a:latin typeface="微軟正黑體" pitchFamily="34" charset="-120"/>
-                <a:ea typeface="微軟正黑體" pitchFamily="34" charset="-120"/>
-              </a:rPr>
-              <a:t>家事</a:t>
-            </a:r>
-            <a:r>
-              <a:rPr lang="zh-CN" altLang="en-US" sz="9600" b="1" dirty="0" smtClean="0">
-                <a:solidFill>
-                  <a:srgbClr val="000066"/>
-                </a:solidFill>
-                <a:latin typeface="微軟正黑體" pitchFamily="34" charset="-120"/>
-                <a:ea typeface="微軟正黑體" pitchFamily="34" charset="-120"/>
-              </a:rPr>
-              <a:t>分享</a:t>
-            </a:r>
-            <a:r>
-              <a:rPr lang="en-US" altLang="zh-CN" sz="9600" b="1" dirty="0" smtClean="0">
+              <a:rPr lang="zh-CN" altLang="en-US" sz="10000" b="1" dirty="0">
+                <a:solidFill>
+                  <a:srgbClr val="000066"/>
+                </a:solidFill>
+                <a:latin typeface="微軟正黑體" pitchFamily="34" charset="-120"/>
+                <a:ea typeface="微軟正黑體" pitchFamily="34" charset="-120"/>
+              </a:rPr>
+              <a:t>家事分享</a:t>
+            </a:r>
+            <a:r>
+              <a:rPr lang="en-US" altLang="zh-CN" sz="10000" b="1" dirty="0">
                 <a:solidFill>
                   <a:srgbClr val="000066"/>
                 </a:solidFill>
@@ -4724,7 +4689,7 @@
               <a:t/>
             </a:r>
             <a:br>
-              <a:rPr lang="en-US" altLang="zh-CN" sz="9600" b="1" dirty="0" smtClean="0">
+              <a:rPr lang="en-US" altLang="zh-CN" sz="10000" b="1" dirty="0">
                 <a:solidFill>
                   <a:srgbClr val="000066"/>
                 </a:solidFill>
@@ -4733,26 +4698,16 @@
               </a:rPr>
             </a:br>
             <a:r>
-              <a:rPr lang="zh-CN" altLang="en-US" sz="9600" b="1" dirty="0" smtClean="0">
-                <a:solidFill>
-                  <a:srgbClr val="000066"/>
-                </a:solidFill>
-                <a:latin typeface="微軟正黑體" pitchFamily="34" charset="-120"/>
-                <a:ea typeface="微軟正黑體" pitchFamily="34" charset="-120"/>
-              </a:rPr>
-              <a:t>代</a:t>
-            </a:r>
-            <a:r>
-              <a:rPr lang="zh-CN" altLang="en-US" sz="9600" b="1" dirty="0">
-                <a:solidFill>
-                  <a:srgbClr val="000066"/>
-                </a:solidFill>
-                <a:latin typeface="微軟正黑體" pitchFamily="34" charset="-120"/>
-                <a:ea typeface="微軟正黑體" pitchFamily="34" charset="-120"/>
-              </a:rPr>
-              <a:t>禱</a:t>
-            </a:r>
-            <a:endParaRPr lang="zh-TW" altLang="en-US" sz="9600" b="1" dirty="0">
+              <a:rPr lang="zh-CN" altLang="en-US" sz="10000" b="1" dirty="0">
+                <a:solidFill>
+                  <a:srgbClr val="000066"/>
+                </a:solidFill>
+                <a:latin typeface="微軟正黑體" pitchFamily="34" charset="-120"/>
+                <a:ea typeface="微軟正黑體" pitchFamily="34" charset="-120"/>
+              </a:rPr>
+              <a:t>代禱</a:t>
+            </a:r>
+            <a:endParaRPr lang="zh-TW" altLang="en-US" sz="10000" b="1" dirty="0">
               <a:solidFill>
                 <a:srgbClr val="000066"/>
               </a:solidFill>
@@ -4806,7 +4761,7 @@
         </p:nvSpPr>
         <p:spPr>
           <a:xfrm>
-            <a:off x="0" y="376223"/>
+            <a:off x="0" y="376222"/>
             <a:ext cx="8991600" cy="838200"/>
           </a:xfrm>
         </p:spPr>
@@ -4817,7 +4772,7 @@
           <a:lstStyle/>
           <a:p>
             <a:r>
-              <a:rPr lang="zh-CN" altLang="en-US" sz="4000" b="1" dirty="0" smtClean="0">
+              <a:rPr lang="zh-CN" altLang="en-US" sz="4400" b="1" dirty="0" smtClean="0">
                 <a:solidFill>
                   <a:srgbClr val="000066"/>
                 </a:solidFill>
@@ -4826,7 +4781,7 @@
               </a:rPr>
               <a:t>三一頌</a:t>
             </a:r>
-            <a:endParaRPr lang="zh-TW" altLang="en-US" sz="4000" b="1" dirty="0">
+            <a:endParaRPr lang="zh-TW" altLang="en-US" sz="4400" b="1" dirty="0">
               <a:solidFill>
                 <a:srgbClr val="000066"/>
               </a:solidFill>
@@ -4848,7 +4803,7 @@
         </p:nvSpPr>
         <p:spPr>
           <a:xfrm>
-            <a:off x="0" y="1600201"/>
+            <a:off x="0" y="1600200"/>
             <a:ext cx="9144000" cy="4525963"/>
           </a:xfrm>
         </p:spPr>
@@ -4862,7 +4817,7 @@
               <a:buNone/>
             </a:pPr>
             <a:r>
-              <a:rPr lang="zh-CN" altLang="en-US" sz="6600" b="1" dirty="0" smtClean="0">
+              <a:rPr lang="zh-CN" altLang="en-US" sz="6000" b="1" dirty="0" smtClean="0">
                 <a:solidFill>
                   <a:srgbClr val="000066"/>
                 </a:solidFill>
@@ -4879,7 +4834,7 @@
               </a:rPr>
               <a:t>讚美天父愛世慈仁</a:t>
             </a:r>
-            <a:endParaRPr lang="en-US" altLang="zh-CN" sz="6600" b="1" dirty="0" smtClean="0">
+            <a:endParaRPr lang="en-US" altLang="zh-CN" sz="6000" b="1" dirty="0" smtClean="0">
               <a:solidFill>
                 <a:srgbClr val="000066"/>
               </a:solidFill>
@@ -4900,7 +4855,7 @@
               <a:buNone/>
             </a:pPr>
             <a:r>
-              <a:rPr lang="zh-CN" altLang="en-US" sz="6600" b="1" dirty="0" smtClean="0">
+              <a:rPr lang="zh-CN" altLang="en-US" sz="6000" b="1" dirty="0" smtClean="0">
                 <a:solidFill>
                   <a:srgbClr val="000066"/>
                 </a:solidFill>
@@ -4917,7 +4872,7 @@
               </a:rPr>
               <a:t>讚美耶穌代贖洪恩</a:t>
             </a:r>
-            <a:endParaRPr lang="en-US" altLang="zh-CN" sz="6600" b="1" dirty="0" smtClean="0">
+            <a:endParaRPr lang="en-US" altLang="zh-CN" sz="6000" b="1" dirty="0" smtClean="0">
               <a:solidFill>
                 <a:srgbClr val="000066"/>
               </a:solidFill>
@@ -4938,7 +4893,7 @@
               <a:buNone/>
             </a:pPr>
             <a:r>
-              <a:rPr lang="zh-CN" altLang="en-US" sz="6600" b="1" dirty="0" smtClean="0">
+              <a:rPr lang="zh-CN" altLang="en-US" sz="6000" b="1" dirty="0" smtClean="0">
                 <a:solidFill>
                   <a:srgbClr val="000066"/>
                 </a:solidFill>
@@ -4955,7 +4910,7 @@
               </a:rPr>
               <a:t>讚美聖靈開我茅塞</a:t>
             </a:r>
-            <a:endParaRPr lang="en-US" altLang="zh-CN" sz="6600" b="1" dirty="0" smtClean="0">
+            <a:endParaRPr lang="en-US" altLang="zh-CN" sz="6000" b="1" dirty="0" smtClean="0">
               <a:solidFill>
                 <a:srgbClr val="000066"/>
               </a:solidFill>
@@ -4976,7 +4931,7 @@
               <a:buNone/>
             </a:pPr>
             <a:r>
-              <a:rPr lang="zh-CN" altLang="en-US" sz="6600" b="1" dirty="0" smtClean="0">
+              <a:rPr lang="zh-CN" altLang="en-US" sz="6000" b="1" dirty="0" smtClean="0">
                 <a:solidFill>
                   <a:srgbClr val="000066"/>
                 </a:solidFill>
@@ -4993,7 +4948,7 @@
               </a:rPr>
               <a:t>讚美三位合一真神</a:t>
             </a:r>
-            <a:endParaRPr lang="zh-TW" altLang="en-US" sz="6600" b="1" dirty="0">
+            <a:endParaRPr lang="zh-TW" altLang="en-US" sz="6000" b="1" dirty="0">
               <a:solidFill>
                 <a:srgbClr val="000066"/>
               </a:solidFill>
@@ -5066,7 +5021,7 @@
           <a:lstStyle/>
           <a:p>
             <a:r>
-              <a:rPr lang="zh-CN" altLang="en-US" sz="4000" b="1" dirty="0" smtClean="0">
+              <a:rPr lang="zh-CN" altLang="en-US" sz="4400" b="1" dirty="0" smtClean="0">
                 <a:solidFill>
                   <a:srgbClr val="000066"/>
                 </a:solidFill>
@@ -5075,7 +5030,7 @@
               </a:rPr>
               <a:t>公禱文</a:t>
             </a:r>
-            <a:endParaRPr lang="zh-TW" altLang="en-US" sz="4000" b="1" dirty="0">
+            <a:endParaRPr lang="zh-TW" altLang="en-US" sz="4400" b="1" dirty="0">
               <a:solidFill>
                 <a:srgbClr val="000066"/>
               </a:solidFill>
@@ -5097,8 +5052,8 @@
         </p:nvSpPr>
         <p:spPr>
           <a:xfrm>
-            <a:off x="0" y="1047733"/>
-            <a:ext cx="9144000" cy="5810291"/>
+            <a:off x="0" y="1214422"/>
+            <a:ext cx="9144000" cy="5643602"/>
           </a:xfrm>
         </p:spPr>
         <p:txBody>
@@ -5343,7 +5298,7 @@
           <a:lstStyle/>
           <a:p>
             <a:r>
-              <a:rPr lang="zh-CN" altLang="en-US" sz="4000" b="1" dirty="0" smtClean="0">
+              <a:rPr lang="zh-CN" altLang="en-US" sz="4400" b="1" dirty="0" smtClean="0">
                 <a:solidFill>
                   <a:srgbClr val="000066"/>
                 </a:solidFill>
@@ -5352,7 +5307,7 @@
               </a:rPr>
               <a:t>公禱文</a:t>
             </a:r>
-            <a:endParaRPr lang="zh-TW" altLang="en-US" sz="4000" b="1" dirty="0">
+            <a:endParaRPr lang="zh-TW" altLang="en-US" sz="4400" b="1" dirty="0">
               <a:solidFill>
                 <a:srgbClr val="000066"/>
               </a:solidFill>
@@ -5374,8 +5329,8 @@
         </p:nvSpPr>
         <p:spPr>
           <a:xfrm>
-            <a:off x="0" y="1214421"/>
-            <a:ext cx="9144000" cy="5643603"/>
+            <a:off x="0" y="1214422"/>
+            <a:ext cx="9144000" cy="5643602"/>
           </a:xfrm>
         </p:spPr>
         <p:txBody>
@@ -5585,27 +5540,17 @@
           <a:p>
             <a:pPr algn="ctr"/>
             <a:r>
-              <a:rPr lang="zh-CN" altLang="en-US" sz="9600" b="1" dirty="0" smtClean="0">
-                <a:solidFill>
-                  <a:srgbClr val="000066"/>
-                </a:solidFill>
-                <a:latin typeface="微軟正黑體" pitchFamily="34" charset="-120"/>
-                <a:ea typeface="微軟正黑體" pitchFamily="34" charset="-120"/>
-              </a:rPr>
-              <a:t>本堂</a:t>
-            </a:r>
-            <a:r>
-              <a:rPr lang="zh-CN" altLang="en-US" sz="9600" b="1" dirty="0" smtClean="0">
-                <a:solidFill>
-                  <a:srgbClr val="000066"/>
-                </a:solidFill>
-                <a:latin typeface="微軟正黑體" pitchFamily="34" charset="-120"/>
-                <a:ea typeface="微軟正黑體" pitchFamily="34" charset="-120"/>
-              </a:rPr>
-              <a:t>牧師</a:t>
-            </a:r>
-            <a:r>
-              <a:rPr lang="en-US" altLang="zh-CN" sz="9600" b="1" dirty="0" smtClean="0">
+              <a:rPr lang="zh-CN" altLang="en-US" sz="10000" b="1" dirty="0" smtClean="0">
+                <a:solidFill>
+                  <a:srgbClr val="000066"/>
+                </a:solidFill>
+                <a:latin typeface="微軟正黑體" pitchFamily="34" charset="-120"/>
+                <a:ea typeface="微軟正黑體" pitchFamily="34" charset="-120"/>
+              </a:rPr>
+              <a:t>本堂牧師</a:t>
+            </a:r>
+            <a:r>
+              <a:rPr lang="en-US" altLang="zh-CN" sz="10000" b="1" dirty="0" smtClean="0">
                 <a:solidFill>
                   <a:srgbClr val="000066"/>
                 </a:solidFill>
@@ -5615,7 +5560,7 @@
               <a:t/>
             </a:r>
             <a:br>
-              <a:rPr lang="en-US" altLang="zh-CN" sz="9600" b="1" dirty="0" smtClean="0">
+              <a:rPr lang="en-US" altLang="zh-CN" sz="10000" b="1" dirty="0" smtClean="0">
                 <a:solidFill>
                   <a:srgbClr val="000066"/>
                 </a:solidFill>
@@ -5624,26 +5569,16 @@
               </a:rPr>
             </a:br>
             <a:r>
-              <a:rPr lang="zh-CN" altLang="en-US" sz="9600" b="1" dirty="0" smtClean="0">
-                <a:solidFill>
-                  <a:srgbClr val="000066"/>
-                </a:solidFill>
-                <a:latin typeface="微軟正黑體" pitchFamily="34" charset="-120"/>
-                <a:ea typeface="微軟正黑體" pitchFamily="34" charset="-120"/>
-              </a:rPr>
-              <a:t>領</a:t>
-            </a:r>
-            <a:r>
-              <a:rPr lang="zh-CN" altLang="en-US" sz="9600" b="1" dirty="0" smtClean="0">
-                <a:solidFill>
-                  <a:srgbClr val="000066"/>
-                </a:solidFill>
-                <a:latin typeface="微軟正黑體" pitchFamily="34" charset="-120"/>
-                <a:ea typeface="微軟正黑體" pitchFamily="34" charset="-120"/>
-              </a:rPr>
-              <a:t>詩班進堂</a:t>
-            </a:r>
-            <a:endParaRPr lang="zh-TW" altLang="en-US" sz="9600" b="1" dirty="0">
+              <a:rPr lang="zh-CN" altLang="en-US" sz="10000" b="1" dirty="0" smtClean="0">
+                <a:solidFill>
+                  <a:srgbClr val="000066"/>
+                </a:solidFill>
+                <a:latin typeface="微軟正黑體" pitchFamily="34" charset="-120"/>
+                <a:ea typeface="微軟正黑體" pitchFamily="34" charset="-120"/>
+              </a:rPr>
+              <a:t>領詩班進堂</a:t>
+            </a:r>
+            <a:endParaRPr lang="zh-TW" altLang="en-US" sz="10000" b="1" dirty="0">
               <a:solidFill>
                 <a:srgbClr val="000066"/>
               </a:solidFill>
@@ -5708,7 +5643,7 @@
           <a:lstStyle/>
           <a:p>
             <a:r>
-              <a:rPr lang="zh-CN" altLang="en-US" sz="4000" b="1" dirty="0" smtClean="0">
+              <a:rPr lang="zh-CN" altLang="en-US" sz="4400" b="1" dirty="0" smtClean="0">
                 <a:solidFill>
                   <a:srgbClr val="000066"/>
                 </a:solidFill>
@@ -5717,7 +5652,7 @@
               </a:rPr>
               <a:t>公禱文</a:t>
             </a:r>
-            <a:endParaRPr lang="zh-TW" altLang="en-US" sz="4000" b="1" dirty="0">
+            <a:endParaRPr lang="zh-TW" altLang="en-US" sz="4400" b="1" dirty="0">
               <a:solidFill>
                 <a:srgbClr val="000066"/>
               </a:solidFill>
@@ -5739,8 +5674,8 @@
         </p:nvSpPr>
         <p:spPr>
           <a:xfrm>
-            <a:off x="0" y="1047733"/>
-            <a:ext cx="9144000" cy="5810291"/>
+            <a:off x="0" y="1214422"/>
+            <a:ext cx="9144000" cy="5643602"/>
           </a:xfrm>
         </p:spPr>
         <p:txBody>
@@ -5986,7 +5921,7 @@
           <a:p>
             <a:pPr algn="ctr"/>
             <a:r>
-              <a:rPr lang="zh-CN" altLang="en-US" sz="9600" b="1" dirty="0" smtClean="0">
+              <a:rPr lang="zh-CN" altLang="en-US" sz="10000" b="1" dirty="0" smtClean="0">
                 <a:solidFill>
                   <a:srgbClr val="000066"/>
                 </a:solidFill>
@@ -5995,7 +5930,7 @@
               </a:rPr>
               <a:t>祝福</a:t>
             </a:r>
-            <a:endParaRPr lang="zh-TW" altLang="en-US" sz="9600" b="1" dirty="0">
+            <a:endParaRPr lang="zh-TW" altLang="en-US" sz="10000" b="1" dirty="0">
               <a:solidFill>
                 <a:srgbClr val="000066"/>
               </a:solidFill>
@@ -6013,8 +5948,8 @@
         </p:nvSpPr>
         <p:spPr>
           <a:xfrm>
-            <a:off x="0" y="3214688"/>
-            <a:ext cx="9144000" cy="1200329"/>
+            <a:off x="0" y="3214686"/>
+            <a:ext cx="9144000" cy="1323439"/>
           </a:xfrm>
           <a:prstGeom prst="rect">
             <a:avLst/>
@@ -6028,7 +5963,7 @@
           <a:p>
             <a:pPr algn="ctr"/>
             <a:r>
-              <a:rPr lang="en-US" altLang="zh-CN" sz="7200" b="1" dirty="0" smtClean="0">
+              <a:rPr lang="en-US" altLang="zh-CN" sz="8000" b="1" dirty="0" smtClean="0">
                 <a:solidFill>
                   <a:srgbClr val="660033"/>
                 </a:solidFill>
@@ -6046,7 +5981,7 @@
               <a:t>(</a:t>
             </a:r>
             <a:r>
-              <a:rPr lang="zh-CN" altLang="en-US" sz="7200" b="1" dirty="0" smtClean="0">
+              <a:rPr lang="zh-CN" altLang="en-US" sz="8000" b="1" dirty="0" smtClean="0">
                 <a:solidFill>
                   <a:srgbClr val="660033"/>
                 </a:solidFill>
@@ -6064,7 +5999,7 @@
               <a:t>主禮牧師</a:t>
             </a:r>
             <a:r>
-              <a:rPr lang="en-US" altLang="zh-CN" sz="7200" b="1" dirty="0" smtClean="0">
+              <a:rPr lang="en-US" altLang="zh-CN" sz="8000" b="1" dirty="0" smtClean="0">
                 <a:solidFill>
                   <a:srgbClr val="660033"/>
                 </a:solidFill>
@@ -6081,7 +6016,7 @@
               </a:rPr>
               <a:t>)</a:t>
             </a:r>
-            <a:endParaRPr lang="zh-TW" altLang="en-US" sz="7200" b="1" dirty="0" smtClean="0">
+            <a:endParaRPr lang="zh-TW" altLang="en-US" sz="8000" b="1" dirty="0" smtClean="0">
               <a:solidFill>
                 <a:srgbClr val="660033"/>
               </a:solidFill>
@@ -6104,13 +6039,6 @@
   <p:clrMapOvr>
     <a:masterClrMapping/>
   </p:clrMapOvr>
-  <p:timing>
-    <p:tnLst>
-      <p:par>
-        <p:cTn id="1" dur="indefinite" restart="never" nodeType="tmRoot"/>
-      </p:par>
-    </p:tnLst>
-  </p:timing>
 </p:sld>
 </file>
 
@@ -6139,22 +6067,21 @@
         </p:nvSpPr>
         <p:spPr>
           <a:xfrm>
-            <a:off x="0" y="285729"/>
-            <a:ext cx="9144000" cy="1569660"/>
+            <a:off x="1500166" y="285728"/>
+            <a:ext cx="6604693" cy="1631216"/>
           </a:xfrm>
           <a:prstGeom prst="rect">
             <a:avLst/>
           </a:prstGeom>
         </p:spPr>
         <p:txBody>
-          <a:bodyPr wrap="square">
+          <a:bodyPr wrap="none">
             <a:spAutoFit/>
           </a:bodyPr>
           <a:lstStyle/>
           <a:p>
-            <a:pPr algn="ctr"/>
-            <a:r>
-              <a:rPr lang="zh-CN" altLang="en-US" sz="9600" b="1" dirty="0" smtClean="0">
+            <a:r>
+              <a:rPr lang="zh-CN" altLang="en-US" sz="10000" b="1" dirty="0" smtClean="0">
                 <a:solidFill>
                   <a:srgbClr val="000066"/>
                 </a:solidFill>
@@ -6171,7 +6098,7 @@
               </a:rPr>
               <a:t>聚會祝福歌</a:t>
             </a:r>
-            <a:endParaRPr lang="zh-TW" altLang="en-US" sz="9600" b="1" dirty="0" smtClean="0">
+            <a:endParaRPr lang="zh-TW" altLang="en-US" sz="10000" b="1" dirty="0" smtClean="0">
               <a:solidFill>
                 <a:srgbClr val="000066"/>
               </a:solidFill>
@@ -6199,7 +6126,7 @@
         </p:nvSpPr>
         <p:spPr>
           <a:xfrm>
-            <a:off x="0" y="2786070"/>
+            <a:off x="0" y="2786069"/>
             <a:ext cx="9144000" cy="1285873"/>
           </a:xfrm>
           <a:prstGeom prst="rect">
@@ -6230,7 +6157,7 @@
               <a:defRPr/>
             </a:pPr>
             <a:r>
-              <a:rPr kumimoji="0" lang="zh-CN" altLang="en-US" sz="8800" b="1" i="0" u="none" strike="noStrike" kern="1200" cap="none" spc="0" normalizeH="0" baseline="0" noProof="0" dirty="0" smtClean="0">
+              <a:rPr kumimoji="0" lang="en-US" altLang="zh-CN" sz="10000" b="1" i="0" u="none" strike="noStrike" kern="1200" cap="none" spc="0" normalizeH="0" baseline="0" noProof="0" dirty="0" smtClean="0">
                 <a:ln>
                   <a:noFill/>
                 </a:ln>
@@ -6250,10 +6177,10 @@
                 <a:ea typeface="微軟正黑體" pitchFamily="34" charset="-120"/>
                 <a:cs typeface="+mj-cs"/>
               </a:rPr>
-              <a:t>本堂</a:t>
-            </a:r>
-            <a:r>
-              <a:rPr kumimoji="0" lang="zh-CN" altLang="en-US" sz="8800" b="1" i="0" u="none" strike="noStrike" kern="1200" cap="none" spc="0" normalizeH="0" baseline="0" noProof="0" dirty="0" smtClean="0">
+              <a:t>(</a:t>
+            </a:r>
+            <a:r>
+              <a:rPr kumimoji="0" lang="zh-CN" altLang="en-US" sz="10000" b="1" i="0" u="none" strike="noStrike" kern="1200" cap="none" spc="0" normalizeH="0" baseline="0" noProof="0" smtClean="0">
                 <a:ln>
                   <a:noFill/>
                 </a:ln>
@@ -6273,49 +6200,10 @@
                 <a:ea typeface="微軟正黑體" pitchFamily="34" charset="-120"/>
                 <a:cs typeface="+mj-cs"/>
               </a:rPr>
-              <a:t>牧師</a:t>
-            </a:r>
-            <a:endParaRPr kumimoji="0" lang="en-US" altLang="zh-CN" sz="8800" b="1" i="0" u="none" strike="noStrike" kern="1200" cap="none" spc="0" normalizeH="0" baseline="0" noProof="0" dirty="0" smtClean="0">
-              <a:ln>
-                <a:noFill/>
-              </a:ln>
-              <a:solidFill>
-                <a:srgbClr val="660033"/>
-              </a:solidFill>
-              <a:effectLst>
-                <a:outerShdw blurRad="50000" dist="30000" dir="5400000" algn="tl" rotWithShape="0">
-                  <a:srgbClr val="000000">
-                    <a:alpha val="30000"/>
-                  </a:srgbClr>
-                </a:outerShdw>
-              </a:effectLst>
-              <a:uLnTx/>
-              <a:uFillTx/>
-              <a:latin typeface="微軟正黑體" pitchFamily="34" charset="-120"/>
-              <a:ea typeface="微軟正黑體" pitchFamily="34" charset="-120"/>
-              <a:cs typeface="+mj-cs"/>
-            </a:endParaRPr>
-          </a:p>
-          <a:p>
-            <a:pPr marL="0" marR="0" lvl="0" indent="0" algn="ctr" defTabSz="914400" rtl="0" eaLnBrk="1" fontAlgn="auto" latinLnBrk="0" hangingPunct="1">
-              <a:lnSpc>
-                <a:spcPct val="100000"/>
-              </a:lnSpc>
-              <a:spcBef>
-                <a:spcPct val="0"/>
-              </a:spcBef>
-              <a:spcAft>
-                <a:spcPts val="0"/>
-              </a:spcAft>
-              <a:buClrTx/>
-              <a:buSzTx/>
-              <a:buFontTx/>
-              <a:buNone/>
-              <a:tabLst/>
-              <a:defRPr/>
-            </a:pPr>
-            <a:r>
-              <a:rPr kumimoji="0" lang="zh-CN" altLang="en-US" sz="8800" b="1" i="0" u="none" strike="noStrike" kern="1200" cap="none" spc="0" normalizeH="0" baseline="0" noProof="0" dirty="0" smtClean="0">
+              <a:t>本堂牧師</a:t>
+            </a:r>
+            <a:r>
+              <a:rPr kumimoji="0" lang="en-US" altLang="zh-CN" sz="10000" b="1" i="0" u="none" strike="noStrike" kern="1200" cap="none" spc="0" normalizeH="0" baseline="0" noProof="0" dirty="0" smtClean="0">
                 <a:ln>
                   <a:noFill/>
                 </a:ln>
@@ -6335,10 +6223,10 @@
                 <a:ea typeface="微軟正黑體" pitchFamily="34" charset="-120"/>
                 <a:cs typeface="+mj-cs"/>
               </a:rPr>
-              <a:t>領</a:t>
-            </a:r>
-            <a:r>
-              <a:rPr kumimoji="0" lang="zh-CN" altLang="en-US" sz="8800" b="1" i="0" u="none" strike="noStrike" kern="1200" cap="none" spc="0" normalizeH="0" baseline="0" noProof="0" dirty="0" smtClean="0">
+              <a:t/>
+            </a:r>
+            <a:br>
+              <a:rPr kumimoji="0" lang="en-US" altLang="zh-CN" sz="10000" b="1" i="0" u="none" strike="noStrike" kern="1200" cap="none" spc="0" normalizeH="0" baseline="0" noProof="0" dirty="0" smtClean="0">
                 <a:ln>
                   <a:noFill/>
                 </a:ln>
@@ -6358,9 +6246,54 @@
                 <a:ea typeface="微軟正黑體" pitchFamily="34" charset="-120"/>
                 <a:cs typeface="+mj-cs"/>
               </a:rPr>
-              <a:t>詩班退堂</a:t>
-            </a:r>
-            <a:endParaRPr kumimoji="0" lang="zh-TW" altLang="en-US" sz="8800" b="1" i="0" u="none" strike="noStrike" kern="1200" cap="none" spc="0" normalizeH="0" baseline="0" noProof="0" dirty="0">
+            </a:br>
+            <a:r>
+              <a:rPr kumimoji="0" lang="zh-CN" altLang="en-US" sz="10000" b="1" i="0" u="none" strike="noStrike" kern="1200" cap="none" spc="0" normalizeH="0" baseline="0" noProof="0" dirty="0" smtClean="0">
+                <a:ln>
+                  <a:noFill/>
+                </a:ln>
+                <a:solidFill>
+                  <a:srgbClr val="660033"/>
+                </a:solidFill>
+                <a:effectLst>
+                  <a:outerShdw blurRad="50000" dist="30000" dir="5400000" algn="tl" rotWithShape="0">
+                    <a:srgbClr val="000000">
+                      <a:alpha val="30000"/>
+                    </a:srgbClr>
+                  </a:outerShdw>
+                </a:effectLst>
+                <a:uLnTx/>
+                <a:uFillTx/>
+                <a:latin typeface="微軟正黑體" pitchFamily="34" charset="-120"/>
+                <a:ea typeface="微軟正黑體" pitchFamily="34" charset="-120"/>
+                <a:cs typeface="+mj-cs"/>
+              </a:rPr>
+              <a:t>領詩班退堂</a:t>
+            </a:r>
+            <a:r>
+              <a:rPr kumimoji="0" lang="en-US" altLang="zh-CN" sz="10000" b="1" i="0" u="none" strike="noStrike" kern="1200" cap="none" spc="0" normalizeH="0" baseline="0" noProof="0" dirty="0" smtClean="0">
+                <a:ln>
+                  <a:noFill/>
+                </a:ln>
+                <a:solidFill>
+                  <a:srgbClr val="660033"/>
+                </a:solidFill>
+                <a:effectLst>
+                  <a:outerShdw blurRad="50000" dist="30000" dir="5400000" algn="tl" rotWithShape="0">
+                    <a:srgbClr val="000000">
+                      <a:alpha val="30000"/>
+                    </a:srgbClr>
+                  </a:outerShdw>
+                </a:effectLst>
+                <a:uLnTx/>
+                <a:uFillTx/>
+                <a:latin typeface="微軟正黑體" pitchFamily="34" charset="-120"/>
+                <a:ea typeface="微軟正黑體" pitchFamily="34" charset="-120"/>
+                <a:cs typeface="+mj-cs"/>
+              </a:rPr>
+              <a:t>)</a:t>
+            </a:r>
+            <a:endParaRPr kumimoji="0" lang="zh-TW" altLang="en-US" sz="10000" b="1" i="0" u="none" strike="noStrike" kern="1200" cap="none" spc="0" normalizeH="0" baseline="0" noProof="0" dirty="0">
               <a:ln>
                 <a:noFill/>
               </a:ln>
@@ -6420,7 +6353,7 @@
         </p:nvSpPr>
         <p:spPr>
           <a:xfrm>
-            <a:off x="0" y="376223"/>
+            <a:off x="0" y="376222"/>
             <a:ext cx="8991600" cy="838200"/>
           </a:xfrm>
         </p:spPr>
@@ -6431,7 +6364,7 @@
           <a:lstStyle/>
           <a:p>
             <a:r>
-              <a:rPr lang="zh-CN" altLang="en-US" sz="4800" b="1" dirty="0" smtClean="0">
+              <a:rPr lang="zh-CN" altLang="en-US" sz="4400" b="1" dirty="0" smtClean="0">
                 <a:solidFill>
                   <a:srgbClr val="660033"/>
                 </a:solidFill>
@@ -6440,7 +6373,7 @@
               </a:rPr>
               <a:t>主的愛</a:t>
             </a:r>
-            <a:endParaRPr lang="zh-TW" altLang="en-US" sz="4800" b="1" dirty="0">
+            <a:endParaRPr lang="zh-TW" altLang="en-US" sz="4400" b="1" dirty="0">
               <a:solidFill>
                 <a:srgbClr val="660033"/>
               </a:solidFill>
@@ -6611,7 +6544,7 @@
         </p:nvSpPr>
         <p:spPr>
           <a:xfrm>
-            <a:off x="0" y="376223"/>
+            <a:off x="0" y="376222"/>
             <a:ext cx="8991600" cy="838200"/>
           </a:xfrm>
         </p:spPr>
@@ -6622,7 +6555,7 @@
           <a:lstStyle/>
           <a:p>
             <a:r>
-              <a:rPr lang="zh-CN" altLang="en-US" sz="4800" b="1" dirty="0" smtClean="0">
+              <a:rPr lang="zh-CN" altLang="en-US" sz="4400" b="1" dirty="0" smtClean="0">
                 <a:solidFill>
                   <a:srgbClr val="660033"/>
                 </a:solidFill>
@@ -6631,7 +6564,7 @@
               </a:rPr>
               <a:t>主的愛</a:t>
             </a:r>
-            <a:endParaRPr lang="zh-TW" altLang="en-US" sz="4800" b="1" dirty="0">
+            <a:endParaRPr lang="zh-TW" altLang="en-US" sz="4400" b="1" dirty="0">
               <a:solidFill>
                 <a:srgbClr val="660033"/>
               </a:solidFill>
@@ -6802,7 +6735,7 @@
         </p:nvSpPr>
         <p:spPr>
           <a:xfrm>
-            <a:off x="0" y="376223"/>
+            <a:off x="0" y="376222"/>
             <a:ext cx="8991600" cy="838200"/>
           </a:xfrm>
         </p:spPr>
@@ -6813,7 +6746,7 @@
           <a:lstStyle/>
           <a:p>
             <a:r>
-              <a:rPr lang="zh-CN" altLang="en-US" sz="4800" b="1" dirty="0" smtClean="0">
+              <a:rPr lang="zh-CN" altLang="en-US" sz="4400" b="1" dirty="0" smtClean="0">
                 <a:solidFill>
                   <a:srgbClr val="660033"/>
                 </a:solidFill>
@@ -6822,7 +6755,7 @@
               </a:rPr>
               <a:t>主的愛</a:t>
             </a:r>
-            <a:endParaRPr lang="zh-TW" altLang="en-US" sz="4800" b="1" dirty="0">
+            <a:endParaRPr lang="zh-TW" altLang="en-US" sz="4400" b="1" dirty="0">
               <a:solidFill>
                 <a:srgbClr val="660033"/>
               </a:solidFill>
@@ -7005,7 +6938,7 @@
           <a:p>
             <a:pPr algn="ctr"/>
             <a:r>
-              <a:rPr lang="zh-CN" altLang="en-US" sz="9600" b="1" dirty="0" smtClean="0">
+              <a:rPr lang="zh-CN" altLang="en-US" sz="10000" b="1" dirty="0" smtClean="0">
                 <a:solidFill>
                   <a:srgbClr val="000066"/>
                 </a:solidFill>
@@ -7014,7 +6947,7 @@
               </a:rPr>
               <a:t>敬拜讚美神</a:t>
             </a:r>
-            <a:endParaRPr lang="zh-TW" altLang="en-US" sz="9600" b="1" dirty="0">
+            <a:endParaRPr lang="zh-TW" altLang="en-US" sz="10000" b="1" dirty="0">
               <a:solidFill>
                 <a:srgbClr val="000066"/>
               </a:solidFill>
@@ -7080,7 +7013,7 @@
           <a:p>
             <a:pPr algn="ctr"/>
             <a:r>
-              <a:rPr lang="zh-CN" altLang="en-US" sz="9600" b="1" dirty="0" smtClean="0">
+              <a:rPr lang="zh-CN" altLang="en-US" sz="10000" b="1" dirty="0" smtClean="0">
                 <a:solidFill>
                   <a:srgbClr val="000066"/>
                 </a:solidFill>
@@ -7089,7 +7022,7 @@
               </a:rPr>
               <a:t>始禮禱告</a:t>
             </a:r>
-            <a:endParaRPr lang="zh-TW" altLang="en-US" sz="9600" b="1" dirty="0">
+            <a:endParaRPr lang="zh-TW" altLang="en-US" sz="10000" b="1" dirty="0">
               <a:solidFill>
                 <a:srgbClr val="000066"/>
               </a:solidFill>
@@ -7107,8 +7040,8 @@
         </p:nvSpPr>
         <p:spPr>
           <a:xfrm>
-            <a:off x="0" y="3214688"/>
-            <a:ext cx="9144000" cy="1200329"/>
+            <a:off x="0" y="3214686"/>
+            <a:ext cx="9144000" cy="1323439"/>
           </a:xfrm>
           <a:prstGeom prst="rect">
             <a:avLst/>
@@ -7122,7 +7055,7 @@
           <a:p>
             <a:pPr algn="ctr"/>
             <a:r>
-              <a:rPr lang="en-US" altLang="zh-CN" sz="7200" b="1" dirty="0" smtClean="0">
+              <a:rPr lang="en-US" altLang="zh-CN" sz="8000" b="1" dirty="0" smtClean="0">
                 <a:solidFill>
                   <a:srgbClr val="660033"/>
                 </a:solidFill>
@@ -7139,7 +7072,7 @@
               <a:t>(</a:t>
             </a:r>
             <a:r>
-              <a:rPr lang="zh-CN" altLang="en-US" sz="7200" b="1" dirty="0" smtClean="0">
+              <a:rPr lang="zh-CN" altLang="en-US" sz="8000" b="1" dirty="0" smtClean="0">
                 <a:solidFill>
                   <a:srgbClr val="660033"/>
                 </a:solidFill>
@@ -7156,7 +7089,7 @@
               <a:t>主禮牧師</a:t>
             </a:r>
             <a:r>
-              <a:rPr lang="en-US" altLang="zh-CN" sz="7200" b="1" dirty="0" smtClean="0">
+              <a:rPr lang="en-US" altLang="zh-CN" sz="8000" b="1" dirty="0" smtClean="0">
                 <a:solidFill>
                   <a:srgbClr val="660033"/>
                 </a:solidFill>
@@ -7172,7 +7105,7 @@
               </a:rPr>
               <a:t>)</a:t>
             </a:r>
-            <a:endParaRPr lang="zh-TW" altLang="en-US" sz="7200" b="1" dirty="0" smtClean="0">
+            <a:endParaRPr lang="zh-TW" altLang="en-US" sz="8000" b="1" dirty="0" smtClean="0">
               <a:solidFill>
                 <a:srgbClr val="660033"/>
               </a:solidFill>
@@ -7245,7 +7178,7 @@
           <a:p>
             <a:pPr algn="ctr"/>
             <a:r>
-              <a:rPr lang="zh-CN" altLang="en-US" sz="9600" b="1" dirty="0" smtClean="0">
+              <a:rPr lang="zh-CN" altLang="en-US" sz="10000" b="1" dirty="0" smtClean="0">
                 <a:solidFill>
                   <a:srgbClr val="000066"/>
                 </a:solidFill>
@@ -7254,7 +7187,7 @@
               </a:rPr>
               <a:t>啟應經文</a:t>
             </a:r>
-            <a:endParaRPr lang="zh-TW" altLang="en-US" sz="9600" b="1" dirty="0">
+            <a:endParaRPr lang="zh-TW" altLang="en-US" sz="10000" b="1" dirty="0">
               <a:solidFill>
                 <a:srgbClr val="000066"/>
               </a:solidFill>
@@ -7293,7 +7226,7 @@
               </a:spcBef>
             </a:pPr>
             <a:r>
-              <a:rPr lang="en-US" altLang="zh-TW" sz="4800" b="1" dirty="0" smtClean="0">
+              <a:rPr lang="en-US" altLang="zh-TW" sz="5400" b="1" dirty="0" smtClean="0">
                 <a:solidFill>
                   <a:srgbClr val="660033"/>
                 </a:solidFill>
@@ -7311,7 +7244,7 @@
               <a:t>P.733 # 23“</a:t>
             </a:r>
             <a:r>
-              <a:rPr lang="zh-TW" altLang="en-US" sz="4800" b="1" dirty="0" smtClean="0">
+              <a:rPr lang="zh-TW" altLang="en-US" sz="5400" b="1" dirty="0" smtClean="0">
                 <a:solidFill>
                   <a:srgbClr val="660033"/>
                 </a:solidFill>
@@ -7329,7 +7262,7 @@
               <a:t>與神和好</a:t>
             </a:r>
             <a:r>
-              <a:rPr lang="en-US" altLang="zh-TW" sz="4800" b="1" dirty="0" smtClean="0">
+              <a:rPr lang="en-US" altLang="zh-TW" sz="5400" b="1" dirty="0" smtClean="0">
                 <a:solidFill>
                   <a:srgbClr val="660033"/>
                 </a:solidFill>
@@ -7346,7 +7279,7 @@
               </a:rPr>
               <a:t>”</a:t>
             </a:r>
-            <a:endParaRPr lang="zh-TW" altLang="en-US" sz="4800" b="1" dirty="0">
+            <a:endParaRPr lang="zh-TW" altLang="en-US" sz="5400" b="1" dirty="0">
               <a:solidFill>
                 <a:srgbClr val="660033"/>
               </a:solidFill>
@@ -7420,7 +7353,7 @@
           <a:p>
             <a:pPr algn="ctr"/>
             <a:r>
-              <a:rPr lang="zh-CN" altLang="en-US" sz="9600" b="1" dirty="0" smtClean="0">
+              <a:rPr lang="zh-CN" altLang="en-US" sz="10000" b="1" dirty="0" smtClean="0">
                 <a:solidFill>
                   <a:srgbClr val="000066"/>
                 </a:solidFill>
@@ -7429,7 +7362,7 @@
               </a:rPr>
               <a:t>詩班歌頌</a:t>
             </a:r>
-            <a:endParaRPr lang="zh-TW" altLang="en-US" sz="9600" b="1" dirty="0">
+            <a:endParaRPr lang="zh-TW" altLang="en-US" sz="10000" b="1" dirty="0">
               <a:solidFill>
                 <a:srgbClr val="000066"/>
               </a:solidFill>
@@ -7483,7 +7416,7 @@
         </p:nvSpPr>
         <p:spPr>
           <a:xfrm>
-            <a:off x="0" y="2305049"/>
+            <a:off x="0" y="2305050"/>
             <a:ext cx="9144000" cy="838200"/>
           </a:xfrm>
         </p:spPr>
@@ -7495,7 +7428,7 @@
           <a:p>
             <a:pPr algn="ctr"/>
             <a:r>
-              <a:rPr lang="zh-TW" altLang="en-US" sz="9600" b="1" dirty="0" smtClean="0">
+              <a:rPr lang="zh-TW" altLang="en-US" sz="10000" b="1" dirty="0" smtClean="0">
                 <a:solidFill>
                   <a:srgbClr val="000066"/>
                 </a:solidFill>
@@ -7504,7 +7437,7 @@
               </a:rPr>
               <a:t>使徒信經</a:t>
             </a:r>
-            <a:endParaRPr lang="zh-TW" altLang="en-US" sz="9600" b="1" dirty="0">
+            <a:endParaRPr lang="zh-TW" altLang="en-US" sz="10000" b="1" dirty="0">
               <a:solidFill>
                 <a:srgbClr val="000066"/>
               </a:solidFill>
@@ -7524,7 +7457,7 @@
         </p:nvSpPr>
         <p:spPr>
           <a:xfrm>
-            <a:off x="457200" y="2947991"/>
+            <a:off x="457200" y="2947990"/>
             <a:ext cx="8686800" cy="838200"/>
           </a:xfrm>
           <a:prstGeom prst="rect">
@@ -7542,7 +7475,7 @@
                 <a:spcPct val="0"/>
               </a:spcBef>
             </a:pPr>
-            <a:endParaRPr lang="zh-TW" altLang="en-US" sz="4800" b="1" dirty="0">
+            <a:endParaRPr lang="zh-TW" altLang="en-US" sz="4000" b="1" dirty="0">
               <a:solidFill>
                 <a:srgbClr val="000066"/>
               </a:solidFill>
@@ -7568,8 +7501,8 @@
         </p:nvSpPr>
         <p:spPr>
           <a:xfrm>
-            <a:off x="0" y="3583736"/>
-            <a:ext cx="9144000" cy="1569660"/>
+            <a:off x="0" y="3583734"/>
+            <a:ext cx="9144000" cy="1631216"/>
           </a:xfrm>
           <a:prstGeom prst="rect">
             <a:avLst/>
@@ -7583,7 +7516,7 @@
           <a:p>
             <a:pPr algn="ctr"/>
             <a:r>
-              <a:rPr lang="en-US" altLang="zh-CN" sz="9600" b="1" dirty="0" smtClean="0">
+              <a:rPr lang="en-US" altLang="zh-CN" sz="10000" b="1" dirty="0" smtClean="0">
                 <a:solidFill>
                   <a:srgbClr val="660033"/>
                 </a:solidFill>
@@ -7601,7 +7534,7 @@
               <a:t>(</a:t>
             </a:r>
             <a:r>
-              <a:rPr lang="zh-CN" altLang="en-US" sz="9600" b="1" dirty="0" smtClean="0">
+              <a:rPr lang="zh-CN" altLang="en-US" sz="10000" b="1" dirty="0" smtClean="0">
                 <a:solidFill>
                   <a:srgbClr val="660033"/>
                 </a:solidFill>
@@ -7619,7 +7552,7 @@
               <a:t>眾立</a:t>
             </a:r>
             <a:r>
-              <a:rPr lang="en-US" altLang="zh-CN" sz="9600" b="1" dirty="0" smtClean="0">
+              <a:rPr lang="en-US" altLang="zh-CN" sz="10000" b="1" dirty="0" smtClean="0">
                 <a:solidFill>
                   <a:srgbClr val="660033"/>
                 </a:solidFill>
@@ -7636,7 +7569,7 @@
               </a:rPr>
               <a:t>)</a:t>
             </a:r>
-            <a:endParaRPr lang="zh-TW" altLang="en-US" sz="9600" b="1" dirty="0" smtClean="0">
+            <a:endParaRPr lang="zh-TW" altLang="en-US" sz="10000" b="1" dirty="0" smtClean="0">
               <a:solidFill>
                 <a:srgbClr val="660033"/>
               </a:solidFill>
@@ -7664,7 +7597,7 @@
         </p:nvSpPr>
         <p:spPr>
           <a:xfrm>
-            <a:off x="0" y="804851"/>
+            <a:off x="0" y="804850"/>
             <a:ext cx="9144000" cy="838200"/>
           </a:xfrm>
           <a:prstGeom prst="rect">
@@ -7695,7 +7628,7 @@
               <a:defRPr/>
             </a:pPr>
             <a:r>
-              <a:rPr kumimoji="0" lang="zh-CN" altLang="en-US" sz="9600" b="1" i="0" u="none" strike="noStrike" kern="1200" cap="none" spc="0" normalizeH="0" baseline="0" noProof="0" dirty="0" smtClean="0">
+              <a:rPr kumimoji="0" lang="zh-CN" altLang="en-US" sz="10000" b="1" i="0" u="none" strike="noStrike" kern="1200" cap="none" spc="0" normalizeH="0" baseline="0" noProof="0" dirty="0" smtClean="0">
                 <a:ln>
                   <a:noFill/>
                 </a:ln>
@@ -7717,7 +7650,7 @@
               </a:rPr>
               <a:t>信仰宣告</a:t>
             </a:r>
-            <a:endParaRPr kumimoji="0" lang="zh-TW" altLang="en-US" sz="9600" b="1" i="0" u="none" strike="noStrike" kern="1200" cap="none" spc="0" normalizeH="0" baseline="0" noProof="0" dirty="0">
+            <a:endParaRPr kumimoji="0" lang="zh-TW" altLang="en-US" sz="10000" b="1" i="0" u="none" strike="noStrike" kern="1200" cap="none" spc="0" normalizeH="0" baseline="0" noProof="0" dirty="0">
               <a:ln>
                 <a:noFill/>
               </a:ln>

--- a/崇拜流程.pptx
+++ b/崇拜流程.pptx
@@ -8,9 +8,9 @@
     <p:notesMasterId r:id="rId27"/>
   </p:notesMasterIdLst>
   <p:sldIdLst>
-    <p:sldId id="280" r:id="rId2"/>
-    <p:sldId id="290" r:id="rId3"/>
-    <p:sldId id="258" r:id="rId4"/>
+    <p:sldId id="322" r:id="rId2"/>
+    <p:sldId id="323" r:id="rId3"/>
+    <p:sldId id="324" r:id="rId4"/>
     <p:sldId id="259" r:id="rId5"/>
     <p:sldId id="260" r:id="rId6"/>
     <p:sldId id="261" r:id="rId7"/>
@@ -133,7 +133,7 @@
   </p:defaultTextStyle>
   <p:extLst>
     <p:ext uri="{EFAFB233-063F-42B5-8137-9DF3F51BA10A}">
-      <p15:sldGuideLst xmlns:p15="http://schemas.microsoft.com/office/powerpoint/2012/main" xmlns="">
+      <p15:sldGuideLst xmlns="" xmlns:p15="http://schemas.microsoft.com/office/powerpoint/2012/main">
         <p15:guide id="1" orient="horz" pos="2160">
           <p15:clr>
             <a:srgbClr val="A4A3A4"/>
@@ -233,7 +233,7 @@
             <a:fld id="{2F30D4D0-EAC7-4980-A92D-C26C9148BA0F}" type="datetimeFigureOut">
               <a:rPr lang="zh-TW" altLang="en-US" smtClean="0"/>
               <a:pPr/>
-              <a:t>2019/1/12</a:t>
+              <a:t>2019/2/1</a:t>
             </a:fld>
             <a:endParaRPr lang="zh-TW" altLang="en-US"/>
           </a:p>
@@ -404,7 +404,7 @@
     </p:spTree>
     <p:extLst>
       <p:ext uri="{BB962C8B-B14F-4D97-AF65-F5344CB8AC3E}">
-        <p14:creationId xmlns:p14="http://schemas.microsoft.com/office/powerpoint/2010/main" xmlns="" val="2421614449"/>
+        <p14:creationId xmlns="" xmlns:p14="http://schemas.microsoft.com/office/powerpoint/2010/main" val="2421614449"/>
       </p:ext>
     </p:extLst>
   </p:cSld>
@@ -934,7 +934,7 @@
     </p:spTree>
     <p:extLst>
       <p:ext uri="{BB962C8B-B14F-4D97-AF65-F5344CB8AC3E}">
-        <p14:creationId xmlns:p14="http://schemas.microsoft.com/office/powerpoint/2010/main" xmlns="" val="3084450117"/>
+        <p14:creationId xmlns="" xmlns:p14="http://schemas.microsoft.com/office/powerpoint/2010/main" val="3084450117"/>
       </p:ext>
     </p:extLst>
   </p:cSld>
@@ -1126,7 +1126,7 @@
             <a:fld id="{5BBEAD13-0566-4C6C-97E7-55F17F24B09F}" type="datetimeFigureOut">
               <a:rPr lang="zh-TW" altLang="en-US" smtClean="0"/>
               <a:pPr/>
-              <a:t>2019/1/12</a:t>
+              <a:t>2019/2/1</a:t>
             </a:fld>
             <a:endParaRPr lang="zh-TW" altLang="en-US"/>
           </a:p>
@@ -1293,7 +1293,7 @@
             <a:fld id="{5BBEAD13-0566-4C6C-97E7-55F17F24B09F}" type="datetimeFigureOut">
               <a:rPr lang="zh-TW" altLang="en-US" smtClean="0"/>
               <a:pPr/>
-              <a:t>2019/1/12</a:t>
+              <a:t>2019/2/1</a:t>
             </a:fld>
             <a:endParaRPr lang="zh-TW" altLang="en-US"/>
           </a:p>
@@ -1470,7 +1470,7 @@
             <a:fld id="{5BBEAD13-0566-4C6C-97E7-55F17F24B09F}" type="datetimeFigureOut">
               <a:rPr lang="zh-TW" altLang="en-US" smtClean="0"/>
               <a:pPr/>
-              <a:t>2019/1/12</a:t>
+              <a:t>2019/2/1</a:t>
             </a:fld>
             <a:endParaRPr lang="zh-TW" altLang="en-US"/>
           </a:p>
@@ -1637,7 +1637,7 @@
             <a:fld id="{5BBEAD13-0566-4C6C-97E7-55F17F24B09F}" type="datetimeFigureOut">
               <a:rPr lang="zh-TW" altLang="en-US" smtClean="0"/>
               <a:pPr/>
-              <a:t>2019/1/12</a:t>
+              <a:t>2019/2/1</a:t>
             </a:fld>
             <a:endParaRPr lang="zh-TW" altLang="en-US"/>
           </a:p>
@@ -1880,7 +1880,7 @@
             <a:fld id="{5BBEAD13-0566-4C6C-97E7-55F17F24B09F}" type="datetimeFigureOut">
               <a:rPr lang="zh-TW" altLang="en-US" smtClean="0"/>
               <a:pPr/>
-              <a:t>2019/1/12</a:t>
+              <a:t>2019/2/1</a:t>
             </a:fld>
             <a:endParaRPr lang="zh-TW" altLang="en-US"/>
           </a:p>
@@ -2165,7 +2165,7 @@
             <a:fld id="{5BBEAD13-0566-4C6C-97E7-55F17F24B09F}" type="datetimeFigureOut">
               <a:rPr lang="zh-TW" altLang="en-US" smtClean="0"/>
               <a:pPr/>
-              <a:t>2019/1/12</a:t>
+              <a:t>2019/2/1</a:t>
             </a:fld>
             <a:endParaRPr lang="zh-TW" altLang="en-US"/>
           </a:p>
@@ -2584,7 +2584,7 @@
             <a:fld id="{5BBEAD13-0566-4C6C-97E7-55F17F24B09F}" type="datetimeFigureOut">
               <a:rPr lang="zh-TW" altLang="en-US" smtClean="0"/>
               <a:pPr/>
-              <a:t>2019/1/12</a:t>
+              <a:t>2019/2/1</a:t>
             </a:fld>
             <a:endParaRPr lang="zh-TW" altLang="en-US"/>
           </a:p>
@@ -2699,7 +2699,7 @@
             <a:fld id="{5BBEAD13-0566-4C6C-97E7-55F17F24B09F}" type="datetimeFigureOut">
               <a:rPr lang="zh-TW" altLang="en-US" smtClean="0"/>
               <a:pPr/>
-              <a:t>2019/1/12</a:t>
+              <a:t>2019/2/1</a:t>
             </a:fld>
             <a:endParaRPr lang="zh-TW" altLang="en-US"/>
           </a:p>
@@ -2791,7 +2791,7 @@
             <a:fld id="{5BBEAD13-0566-4C6C-97E7-55F17F24B09F}" type="datetimeFigureOut">
               <a:rPr lang="zh-TW" altLang="en-US" smtClean="0"/>
               <a:pPr/>
-              <a:t>2019/1/12</a:t>
+              <a:t>2019/2/1</a:t>
             </a:fld>
             <a:endParaRPr lang="zh-TW" altLang="en-US"/>
           </a:p>
@@ -3065,7 +3065,7 @@
             <a:fld id="{5BBEAD13-0566-4C6C-97E7-55F17F24B09F}" type="datetimeFigureOut">
               <a:rPr lang="zh-TW" altLang="en-US" smtClean="0"/>
               <a:pPr/>
-              <a:t>2019/1/12</a:t>
+              <a:t>2019/2/1</a:t>
             </a:fld>
             <a:endParaRPr lang="zh-TW" altLang="en-US"/>
           </a:p>
@@ -3319,7 +3319,7 @@
             <a:fld id="{5BBEAD13-0566-4C6C-97E7-55F17F24B09F}" type="datetimeFigureOut">
               <a:rPr lang="zh-TW" altLang="en-US" smtClean="0"/>
               <a:pPr/>
-              <a:t>2019/1/12</a:t>
+              <a:t>2019/2/1</a:t>
             </a:fld>
             <a:endParaRPr lang="zh-TW" altLang="en-US"/>
           </a:p>
@@ -3534,7 +3534,7 @@
             <a:fld id="{5BBEAD13-0566-4C6C-97E7-55F17F24B09F}" type="datetimeFigureOut">
               <a:rPr lang="zh-TW" altLang="en-US" smtClean="0"/>
               <a:pPr/>
-              <a:t>2019/1/12</a:t>
+              <a:t>2019/2/1</a:t>
             </a:fld>
             <a:endParaRPr lang="zh-TW" altLang="en-US"/>
           </a:p>
@@ -5592,17 +5592,7 @@
                 <a:latin typeface="微軟正黑體" pitchFamily="34" charset="-120"/>
                 <a:ea typeface="微軟正黑體" pitchFamily="34" charset="-120"/>
               </a:rPr>
-              <a:t>本堂</a:t>
-            </a:r>
-            <a:r>
-              <a:rPr lang="zh-CN" altLang="en-US" sz="9600" b="1" dirty="0" smtClean="0">
-                <a:solidFill>
-                  <a:srgbClr val="000066"/>
-                </a:solidFill>
-                <a:latin typeface="微軟正黑體" pitchFamily="34" charset="-120"/>
-                <a:ea typeface="微軟正黑體" pitchFamily="34" charset="-120"/>
-              </a:rPr>
-              <a:t>牧師</a:t>
+              <a:t>本堂牧師</a:t>
             </a:r>
             <a:r>
               <a:rPr lang="en-US" altLang="zh-CN" sz="9600" b="1" dirty="0" smtClean="0">
@@ -5631,17 +5621,7 @@
                 <a:latin typeface="微軟正黑體" pitchFamily="34" charset="-120"/>
                 <a:ea typeface="微軟正黑體" pitchFamily="34" charset="-120"/>
               </a:rPr>
-              <a:t>領</a:t>
-            </a:r>
-            <a:r>
-              <a:rPr lang="zh-CN" altLang="en-US" sz="9600" b="1" dirty="0" smtClean="0">
-                <a:solidFill>
-                  <a:srgbClr val="000066"/>
-                </a:solidFill>
-                <a:latin typeface="微軟正黑體" pitchFamily="34" charset="-120"/>
-                <a:ea typeface="微軟正黑體" pitchFamily="34" charset="-120"/>
-              </a:rPr>
-              <a:t>詩班進堂</a:t>
+              <a:t>領詩班進堂</a:t>
             </a:r>
             <a:endParaRPr lang="zh-TW" altLang="en-US" sz="9600" b="1" dirty="0">
               <a:solidFill>
@@ -6250,30 +6230,7 @@
                 <a:ea typeface="微軟正黑體" pitchFamily="34" charset="-120"/>
                 <a:cs typeface="+mj-cs"/>
               </a:rPr>
-              <a:t>本堂</a:t>
-            </a:r>
-            <a:r>
-              <a:rPr kumimoji="0" lang="zh-CN" altLang="en-US" sz="8800" b="1" i="0" u="none" strike="noStrike" kern="1200" cap="none" spc="0" normalizeH="0" baseline="0" noProof="0" dirty="0" smtClean="0">
-                <a:ln>
-                  <a:noFill/>
-                </a:ln>
-                <a:solidFill>
-                  <a:srgbClr val="660033"/>
-                </a:solidFill>
-                <a:effectLst>
-                  <a:outerShdw blurRad="50000" dist="30000" dir="5400000" algn="tl" rotWithShape="0">
-                    <a:srgbClr val="000000">
-                      <a:alpha val="30000"/>
-                    </a:srgbClr>
-                  </a:outerShdw>
-                </a:effectLst>
-                <a:uLnTx/>
-                <a:uFillTx/>
-                <a:latin typeface="微軟正黑體" pitchFamily="34" charset="-120"/>
-                <a:ea typeface="微軟正黑體" pitchFamily="34" charset="-120"/>
-                <a:cs typeface="+mj-cs"/>
-              </a:rPr>
-              <a:t>牧師</a:t>
+              <a:t>本堂牧師</a:t>
             </a:r>
             <a:endParaRPr kumimoji="0" lang="en-US" altLang="zh-CN" sz="8800" b="1" i="0" u="none" strike="noStrike" kern="1200" cap="none" spc="0" normalizeH="0" baseline="0" noProof="0" dirty="0" smtClean="0">
               <a:ln>
@@ -6335,30 +6292,7 @@
                 <a:ea typeface="微軟正黑體" pitchFamily="34" charset="-120"/>
                 <a:cs typeface="+mj-cs"/>
               </a:rPr>
-              <a:t>領</a:t>
-            </a:r>
-            <a:r>
-              <a:rPr kumimoji="0" lang="zh-CN" altLang="en-US" sz="8800" b="1" i="0" u="none" strike="noStrike" kern="1200" cap="none" spc="0" normalizeH="0" baseline="0" noProof="0" dirty="0" smtClean="0">
-                <a:ln>
-                  <a:noFill/>
-                </a:ln>
-                <a:solidFill>
-                  <a:srgbClr val="660033"/>
-                </a:solidFill>
-                <a:effectLst>
-                  <a:outerShdw blurRad="50000" dist="30000" dir="5400000" algn="tl" rotWithShape="0">
-                    <a:srgbClr val="000000">
-                      <a:alpha val="30000"/>
-                    </a:srgbClr>
-                  </a:outerShdw>
-                </a:effectLst>
-                <a:uLnTx/>
-                <a:uFillTx/>
-                <a:latin typeface="微軟正黑體" pitchFamily="34" charset="-120"/>
-                <a:ea typeface="微軟正黑體" pitchFamily="34" charset="-120"/>
-                <a:cs typeface="+mj-cs"/>
-              </a:rPr>
-              <a:t>詩班退堂</a:t>
+              <a:t>領詩班退堂</a:t>
             </a:r>
             <a:endParaRPr kumimoji="0" lang="zh-TW" altLang="en-US" sz="8800" b="1" i="0" u="none" strike="noStrike" kern="1200" cap="none" spc="0" normalizeH="0" baseline="0" noProof="0" dirty="0">
               <a:ln>
@@ -7293,7 +7227,7 @@
               </a:spcBef>
             </a:pPr>
             <a:r>
-              <a:rPr lang="en-US" altLang="zh-TW" sz="4800" b="1" dirty="0" smtClean="0">
+              <a:rPr lang="vi-VN" altLang="zh-TW" sz="4800" b="1" dirty="0" smtClean="0">
                 <a:solidFill>
                   <a:srgbClr val="660033"/>
                 </a:solidFill>
@@ -7308,10 +7242,10 @@
                 <a:ea typeface="微軟正黑體" pitchFamily="34" charset="-120"/>
                 <a:cs typeface="+mj-cs"/>
               </a:rPr>
-              <a:t>P.733 # 23“</a:t>
-            </a:r>
-            <a:r>
-              <a:rPr lang="zh-TW" altLang="en-US" sz="4800" b="1" dirty="0" smtClean="0">
+              <a:t>5</a:t>
+            </a:r>
+            <a:r>
+              <a:rPr lang="en-US" altLang="zh-TW" sz="4800" b="1" dirty="0" smtClean="0">
                 <a:solidFill>
                   <a:srgbClr val="660033"/>
                 </a:solidFill>
@@ -7326,7 +7260,25 @@
                 <a:ea typeface="微軟正黑體" pitchFamily="34" charset="-120"/>
                 <a:cs typeface="+mj-cs"/>
               </a:rPr>
-              <a:t>與神和好</a:t>
+              <a:t> “</a:t>
+            </a:r>
+            <a:r>
+              <a:rPr lang="zh-TW" altLang="en-US" sz="4800" b="1" dirty="0" smtClean="0">
+                <a:solidFill>
+                  <a:srgbClr val="660033"/>
+                </a:solidFill>
+                <a:effectLst>
+                  <a:outerShdw blurRad="50000" dist="30000" dir="5400000" algn="tl" rotWithShape="0">
+                    <a:srgbClr val="000000">
+                      <a:alpha val="30000"/>
+                    </a:srgbClr>
+                  </a:outerShdw>
+                </a:effectLst>
+                <a:latin typeface="微軟正黑體" pitchFamily="34" charset="-120"/>
+                <a:ea typeface="微軟正黑體" pitchFamily="34" charset="-120"/>
+                <a:cs typeface="+mj-cs"/>
+              </a:rPr>
+              <a:t>獨一真神</a:t>
             </a:r>
             <a:r>
               <a:rPr lang="en-US" altLang="zh-TW" sz="4800" b="1" dirty="0" smtClean="0">

--- a/崇拜流程.pptx
+++ b/崇拜流程.pptx
@@ -133,7 +133,7 @@
   </p:defaultTextStyle>
   <p:extLst>
     <p:ext uri="{EFAFB233-063F-42B5-8137-9DF3F51BA10A}">
-      <p15:sldGuideLst xmlns="" xmlns:p15="http://schemas.microsoft.com/office/powerpoint/2012/main">
+      <p15:sldGuideLst xmlns:p15="http://schemas.microsoft.com/office/powerpoint/2012/main" xmlns="">
         <p15:guide id="1" orient="horz" pos="2160">
           <p15:clr>
             <a:srgbClr val="A4A3A4"/>
@@ -233,7 +233,7 @@
             <a:fld id="{2F30D4D0-EAC7-4980-A92D-C26C9148BA0F}" type="datetimeFigureOut">
               <a:rPr lang="zh-TW" altLang="en-US" smtClean="0"/>
               <a:pPr/>
-              <a:t>2019/2/1</a:t>
+              <a:t>2019/6/1</a:t>
             </a:fld>
             <a:endParaRPr lang="zh-TW" altLang="en-US"/>
           </a:p>
@@ -404,7 +404,7 @@
     </p:spTree>
     <p:extLst>
       <p:ext uri="{BB962C8B-B14F-4D97-AF65-F5344CB8AC3E}">
-        <p14:creationId xmlns="" xmlns:p14="http://schemas.microsoft.com/office/powerpoint/2010/main" val="2421614449"/>
+        <p14:creationId xmlns:p14="http://schemas.microsoft.com/office/powerpoint/2010/main" val="2421614449"/>
       </p:ext>
     </p:extLst>
   </p:cSld>
@@ -934,7 +934,7 @@
     </p:spTree>
     <p:extLst>
       <p:ext uri="{BB962C8B-B14F-4D97-AF65-F5344CB8AC3E}">
-        <p14:creationId xmlns="" xmlns:p14="http://schemas.microsoft.com/office/powerpoint/2010/main" val="3084450117"/>
+        <p14:creationId xmlns:p14="http://schemas.microsoft.com/office/powerpoint/2010/main" val="3084450117"/>
       </p:ext>
     </p:extLst>
   </p:cSld>
@@ -1126,7 +1126,7 @@
             <a:fld id="{5BBEAD13-0566-4C6C-97E7-55F17F24B09F}" type="datetimeFigureOut">
               <a:rPr lang="zh-TW" altLang="en-US" smtClean="0"/>
               <a:pPr/>
-              <a:t>2019/2/1</a:t>
+              <a:t>2019/6/1</a:t>
             </a:fld>
             <a:endParaRPr lang="zh-TW" altLang="en-US"/>
           </a:p>
@@ -1293,7 +1293,7 @@
             <a:fld id="{5BBEAD13-0566-4C6C-97E7-55F17F24B09F}" type="datetimeFigureOut">
               <a:rPr lang="zh-TW" altLang="en-US" smtClean="0"/>
               <a:pPr/>
-              <a:t>2019/2/1</a:t>
+              <a:t>2019/6/1</a:t>
             </a:fld>
             <a:endParaRPr lang="zh-TW" altLang="en-US"/>
           </a:p>
@@ -1470,7 +1470,7 @@
             <a:fld id="{5BBEAD13-0566-4C6C-97E7-55F17F24B09F}" type="datetimeFigureOut">
               <a:rPr lang="zh-TW" altLang="en-US" smtClean="0"/>
               <a:pPr/>
-              <a:t>2019/2/1</a:t>
+              <a:t>2019/6/1</a:t>
             </a:fld>
             <a:endParaRPr lang="zh-TW" altLang="en-US"/>
           </a:p>
@@ -1637,7 +1637,7 @@
             <a:fld id="{5BBEAD13-0566-4C6C-97E7-55F17F24B09F}" type="datetimeFigureOut">
               <a:rPr lang="zh-TW" altLang="en-US" smtClean="0"/>
               <a:pPr/>
-              <a:t>2019/2/1</a:t>
+              <a:t>2019/6/1</a:t>
             </a:fld>
             <a:endParaRPr lang="zh-TW" altLang="en-US"/>
           </a:p>
@@ -1880,7 +1880,7 @@
             <a:fld id="{5BBEAD13-0566-4C6C-97E7-55F17F24B09F}" type="datetimeFigureOut">
               <a:rPr lang="zh-TW" altLang="en-US" smtClean="0"/>
               <a:pPr/>
-              <a:t>2019/2/1</a:t>
+              <a:t>2019/6/1</a:t>
             </a:fld>
             <a:endParaRPr lang="zh-TW" altLang="en-US"/>
           </a:p>
@@ -2165,7 +2165,7 @@
             <a:fld id="{5BBEAD13-0566-4C6C-97E7-55F17F24B09F}" type="datetimeFigureOut">
               <a:rPr lang="zh-TW" altLang="en-US" smtClean="0"/>
               <a:pPr/>
-              <a:t>2019/2/1</a:t>
+              <a:t>2019/6/1</a:t>
             </a:fld>
             <a:endParaRPr lang="zh-TW" altLang="en-US"/>
           </a:p>
@@ -2584,7 +2584,7 @@
             <a:fld id="{5BBEAD13-0566-4C6C-97E7-55F17F24B09F}" type="datetimeFigureOut">
               <a:rPr lang="zh-TW" altLang="en-US" smtClean="0"/>
               <a:pPr/>
-              <a:t>2019/2/1</a:t>
+              <a:t>2019/6/1</a:t>
             </a:fld>
             <a:endParaRPr lang="zh-TW" altLang="en-US"/>
           </a:p>
@@ -2699,7 +2699,7 @@
             <a:fld id="{5BBEAD13-0566-4C6C-97E7-55F17F24B09F}" type="datetimeFigureOut">
               <a:rPr lang="zh-TW" altLang="en-US" smtClean="0"/>
               <a:pPr/>
-              <a:t>2019/2/1</a:t>
+              <a:t>2019/6/1</a:t>
             </a:fld>
             <a:endParaRPr lang="zh-TW" altLang="en-US"/>
           </a:p>
@@ -2791,7 +2791,7 @@
             <a:fld id="{5BBEAD13-0566-4C6C-97E7-55F17F24B09F}" type="datetimeFigureOut">
               <a:rPr lang="zh-TW" altLang="en-US" smtClean="0"/>
               <a:pPr/>
-              <a:t>2019/2/1</a:t>
+              <a:t>2019/6/1</a:t>
             </a:fld>
             <a:endParaRPr lang="zh-TW" altLang="en-US"/>
           </a:p>
@@ -3065,7 +3065,7 @@
             <a:fld id="{5BBEAD13-0566-4C6C-97E7-55F17F24B09F}" type="datetimeFigureOut">
               <a:rPr lang="zh-TW" altLang="en-US" smtClean="0"/>
               <a:pPr/>
-              <a:t>2019/2/1</a:t>
+              <a:t>2019/6/1</a:t>
             </a:fld>
             <a:endParaRPr lang="zh-TW" altLang="en-US"/>
           </a:p>
@@ -3319,7 +3319,7 @@
             <a:fld id="{5BBEAD13-0566-4C6C-97E7-55F17F24B09F}" type="datetimeFigureOut">
               <a:rPr lang="zh-TW" altLang="en-US" smtClean="0"/>
               <a:pPr/>
-              <a:t>2019/2/1</a:t>
+              <a:t>2019/6/1</a:t>
             </a:fld>
             <a:endParaRPr lang="zh-TW" altLang="en-US"/>
           </a:p>
@@ -3534,7 +3534,7 @@
             <a:fld id="{5BBEAD13-0566-4C6C-97E7-55F17F24B09F}" type="datetimeFigureOut">
               <a:rPr lang="zh-TW" altLang="en-US" smtClean="0"/>
               <a:pPr/>
-              <a:t>2019/2/1</a:t>
+              <a:t>2019/6/1</a:t>
             </a:fld>
             <a:endParaRPr lang="zh-TW" altLang="en-US"/>
           </a:p>
@@ -3929,19 +3929,33 @@
           <a:p>
             <a:pPr algn="ctr"/>
             <a:r>
-              <a:rPr lang="zh-CN" altLang="en-US" sz="8000" b="1" dirty="0" smtClean="0">
+              <a:rPr lang="zh-CN" altLang="en-US" sz="9600" b="1" dirty="0">
                 <a:solidFill>
                   <a:srgbClr val="000066"/>
                 </a:solidFill>
+                <a:effectLst>
+                  <a:outerShdw blurRad="38100" dist="38100" dir="2700000" algn="tl">
+                    <a:srgbClr val="000000">
+                      <a:alpha val="43137"/>
+                    </a:srgbClr>
+                  </a:outerShdw>
+                </a:effectLst>
                 <a:latin typeface="微軟正黑體" pitchFamily="34" charset="-120"/>
                 <a:ea typeface="微軟正黑體" pitchFamily="34" charset="-120"/>
               </a:rPr>
               <a:t>宣召</a:t>
             </a:r>
-            <a:endParaRPr lang="zh-TW" altLang="en-US" sz="8000" b="1" dirty="0">
+            <a:endParaRPr lang="zh-TW" altLang="en-US" sz="9600" b="1" dirty="0">
               <a:solidFill>
                 <a:srgbClr val="000066"/>
               </a:solidFill>
+              <a:effectLst>
+                <a:outerShdw blurRad="38100" dist="38100" dir="2700000" algn="tl">
+                  <a:srgbClr val="000000">
+                    <a:alpha val="43137"/>
+                  </a:srgbClr>
+                </a:outerShdw>
+              </a:effectLst>
               <a:latin typeface="微軟正黑體" pitchFamily="34" charset="-120"/>
               <a:ea typeface="微軟正黑體" pitchFamily="34" charset="-120"/>
             </a:endParaRPr>
@@ -4008,6 +4022,13 @@
                 <a:solidFill>
                   <a:srgbClr val="000066"/>
                 </a:solidFill>
+                <a:effectLst>
+                  <a:outerShdw blurRad="38100" dist="38100" dir="2700000" algn="tl">
+                    <a:srgbClr val="000000">
+                      <a:alpha val="43137"/>
+                    </a:srgbClr>
+                  </a:outerShdw>
+                </a:effectLst>
                 <a:latin typeface="微軟正黑體" pitchFamily="34" charset="-120"/>
                 <a:ea typeface="微軟正黑體" pitchFamily="34" charset="-120"/>
               </a:rPr>
@@ -4017,6 +4038,13 @@
               <a:solidFill>
                 <a:srgbClr val="000066"/>
               </a:solidFill>
+              <a:effectLst>
+                <a:outerShdw blurRad="38100" dist="38100" dir="2700000" algn="tl">
+                  <a:srgbClr val="000000">
+                    <a:alpha val="43137"/>
+                  </a:srgbClr>
+                </a:outerShdw>
+              </a:effectLst>
               <a:latin typeface="微軟正黑體" pitchFamily="34" charset="-120"/>
               <a:ea typeface="微軟正黑體" pitchFamily="34" charset="-120"/>
             </a:endParaRPr>
@@ -4057,9 +4085,9 @@
                   <a:srgbClr val="660033"/>
                 </a:solidFill>
                 <a:effectLst>
-                  <a:outerShdw blurRad="50000" dist="30000" dir="5400000" algn="tl" rotWithShape="0">
+                  <a:outerShdw blurRad="38100" dist="38100" dir="2700000" algn="tl">
                     <a:srgbClr val="000000">
-                      <a:alpha val="30000"/>
+                      <a:alpha val="43137"/>
                     </a:srgbClr>
                   </a:outerShdw>
                 </a:effectLst>
@@ -4075,9 +4103,9 @@
                   <a:srgbClr val="660033"/>
                 </a:solidFill>
                 <a:effectLst>
-                  <a:outerShdw blurRad="50000" dist="30000" dir="5400000" algn="tl" rotWithShape="0">
+                  <a:outerShdw blurRad="38100" dist="38100" dir="2700000" algn="tl">
                     <a:srgbClr val="000000">
-                      <a:alpha val="30000"/>
+                      <a:alpha val="43137"/>
                     </a:srgbClr>
                   </a:outerShdw>
                 </a:effectLst>
@@ -4092,9 +4120,9 @@
                 <a:srgbClr val="660033"/>
               </a:solidFill>
               <a:effectLst>
-                <a:outerShdw blurRad="50000" dist="30000" dir="5400000" algn="tl" rotWithShape="0">
+                <a:outerShdw blurRad="38100" dist="38100" dir="2700000" algn="tl">
                   <a:srgbClr val="000000">
-                    <a:alpha val="30000"/>
+                    <a:alpha val="43137"/>
                   </a:srgbClr>
                 </a:outerShdw>
               </a:effectLst>
@@ -4252,6 +4280,13 @@
                 <a:solidFill>
                   <a:srgbClr val="000066"/>
                 </a:solidFill>
+                <a:effectLst>
+                  <a:outerShdw blurRad="38100" dist="38100" dir="2700000" algn="tl">
+                    <a:srgbClr val="000000">
+                      <a:alpha val="43137"/>
+                    </a:srgbClr>
+                  </a:outerShdw>
+                </a:effectLst>
                 <a:latin typeface="微軟正黑體" pitchFamily="34" charset="-120"/>
                 <a:ea typeface="微軟正黑體" pitchFamily="34" charset="-120"/>
               </a:rPr>
@@ -4261,6 +4296,13 @@
               <a:solidFill>
                 <a:srgbClr val="000066"/>
               </a:solidFill>
+              <a:effectLst>
+                <a:outerShdw blurRad="38100" dist="38100" dir="2700000" algn="tl">
+                  <a:srgbClr val="000000">
+                    <a:alpha val="43137"/>
+                  </a:srgbClr>
+                </a:outerShdw>
+              </a:effectLst>
               <a:latin typeface="微軟正黑體" pitchFamily="34" charset="-120"/>
               <a:ea typeface="微軟正黑體" pitchFamily="34" charset="-120"/>
             </a:endParaRPr>
@@ -4301,9 +4343,9 @@
                   <a:srgbClr val="000066"/>
                 </a:solidFill>
                 <a:effectLst>
-                  <a:outerShdw blurRad="50000" dist="30000" dir="5400000" algn="tl" rotWithShape="0">
+                  <a:outerShdw blurRad="38100" dist="38100" dir="2700000" algn="tl">
                     <a:srgbClr val="000000">
-                      <a:alpha val="30000"/>
+                      <a:alpha val="43137"/>
                     </a:srgbClr>
                   </a:outerShdw>
                 </a:effectLst>
@@ -4318,9 +4360,9 @@
                 <a:srgbClr val="000066"/>
               </a:solidFill>
               <a:effectLst>
-                <a:outerShdw blurRad="50000" dist="30000" dir="5400000" algn="tl" rotWithShape="0">
+                <a:outerShdw blurRad="38100" dist="38100" dir="2700000" algn="tl">
                   <a:srgbClr val="000000">
-                    <a:alpha val="30000"/>
+                    <a:alpha val="43137"/>
                   </a:srgbClr>
                 </a:outerShdw>
               </a:effectLst>
@@ -4365,9 +4407,9 @@
                   <a:srgbClr val="660033"/>
                 </a:solidFill>
                 <a:effectLst>
-                  <a:outerShdw blurRad="50000" dist="30000" dir="5400000" algn="tl" rotWithShape="0">
+                  <a:outerShdw blurRad="38100" dist="38100" dir="2700000" algn="tl">
                     <a:srgbClr val="000000">
-                      <a:alpha val="30000"/>
+                      <a:alpha val="43137"/>
                     </a:srgbClr>
                   </a:outerShdw>
                 </a:effectLst>
@@ -4383,9 +4425,9 @@
                   <a:srgbClr val="660033"/>
                 </a:solidFill>
                 <a:effectLst>
-                  <a:outerShdw blurRad="50000" dist="30000" dir="5400000" algn="tl" rotWithShape="0">
+                  <a:outerShdw blurRad="38100" dist="38100" dir="2700000" algn="tl">
                     <a:srgbClr val="000000">
-                      <a:alpha val="30000"/>
+                      <a:alpha val="43137"/>
                     </a:srgbClr>
                   </a:outerShdw>
                 </a:effectLst>
@@ -4400,9 +4442,9 @@
                 <a:srgbClr val="660033"/>
               </a:solidFill>
               <a:effectLst>
-                <a:outerShdw blurRad="50000" dist="30000" dir="5400000" algn="tl" rotWithShape="0">
+                <a:outerShdw blurRad="38100" dist="38100" dir="2700000" algn="tl">
                   <a:srgbClr val="000000">
-                    <a:alpha val="30000"/>
+                    <a:alpha val="43137"/>
                   </a:srgbClr>
                 </a:outerShdw>
               </a:effectLst>
@@ -4473,6 +4515,13 @@
                 <a:solidFill>
                   <a:srgbClr val="000066"/>
                 </a:solidFill>
+                <a:effectLst>
+                  <a:outerShdw blurRad="38100" dist="38100" dir="2700000" algn="tl">
+                    <a:srgbClr val="000000">
+                      <a:alpha val="43137"/>
+                    </a:srgbClr>
+                  </a:outerShdw>
+                </a:effectLst>
                 <a:latin typeface="微軟正黑體" pitchFamily="34" charset="-120"/>
                 <a:ea typeface="微軟正黑體" pitchFamily="34" charset="-120"/>
               </a:rPr>
@@ -4482,6 +4531,13 @@
               <a:solidFill>
                 <a:srgbClr val="000066"/>
               </a:solidFill>
+              <a:effectLst>
+                <a:outerShdw blurRad="38100" dist="38100" dir="2700000" algn="tl">
+                  <a:srgbClr val="000000">
+                    <a:alpha val="43137"/>
+                  </a:srgbClr>
+                </a:outerShdw>
+              </a:effectLst>
               <a:latin typeface="微軟正黑體" pitchFamily="34" charset="-120"/>
               <a:ea typeface="微軟正黑體" pitchFamily="34" charset="-120"/>
             </a:endParaRPr>
@@ -4544,10 +4600,17 @@
           <a:p>
             <a:pPr algn="ctr"/>
             <a:r>
-              <a:rPr lang="zh-CN" altLang="en-US" sz="9600" b="1" dirty="0" smtClean="0">
+              <a:rPr lang="zh-CN" altLang="en-US" sz="9600" b="1" dirty="0">
                 <a:solidFill>
                   <a:srgbClr val="000066"/>
                 </a:solidFill>
+                <a:effectLst>
+                  <a:outerShdw blurRad="38100" dist="38100" dir="2700000" algn="tl">
+                    <a:srgbClr val="000000">
+                      <a:alpha val="43137"/>
+                    </a:srgbClr>
+                  </a:outerShdw>
+                </a:effectLst>
                 <a:latin typeface="微軟正黑體" pitchFamily="34" charset="-120"/>
                 <a:ea typeface="微軟正黑體" pitchFamily="34" charset="-120"/>
               </a:rPr>
@@ -4557,6 +4620,13 @@
               <a:solidFill>
                 <a:srgbClr val="000066"/>
               </a:solidFill>
+              <a:effectLst>
+                <a:outerShdw blurRad="38100" dist="38100" dir="2700000" algn="tl">
+                  <a:srgbClr val="000000">
+                    <a:alpha val="43137"/>
+                  </a:srgbClr>
+                </a:outerShdw>
+              </a:effectLst>
               <a:latin typeface="微軟正黑體" pitchFamily="34" charset="-120"/>
               <a:ea typeface="微軟正黑體" pitchFamily="34" charset="-120"/>
             </a:endParaRPr>
@@ -4617,12 +4687,18 @@
           </a:bodyPr>
           <a:lstStyle/>
           <a:p>
-            <a:pPr algn="ctr"/>
-            <a:r>
-              <a:rPr lang="zh-CN" altLang="en-US" sz="9600" b="1" dirty="0" smtClean="0">
+            <a:r>
+              <a:rPr lang="zh-CN" altLang="en-US" sz="9600" b="1" dirty="0">
                 <a:solidFill>
                   <a:srgbClr val="000066"/>
                 </a:solidFill>
+                <a:effectLst>
+                  <a:outerShdw blurRad="38100" dist="38100" dir="2700000" algn="tl">
+                    <a:srgbClr val="000000">
+                      <a:alpha val="43137"/>
+                    </a:srgbClr>
+                  </a:outerShdw>
+                </a:effectLst>
                 <a:latin typeface="微軟正黑體" pitchFamily="34" charset="-120"/>
                 <a:ea typeface="微軟正黑體" pitchFamily="34" charset="-120"/>
               </a:rPr>
@@ -4632,6 +4708,13 @@
               <a:solidFill>
                 <a:srgbClr val="000066"/>
               </a:solidFill>
+              <a:effectLst>
+                <a:outerShdw blurRad="38100" dist="38100" dir="2700000" algn="tl">
+                  <a:srgbClr val="000000">
+                    <a:alpha val="43137"/>
+                  </a:srgbClr>
+                </a:outerShdw>
+              </a:effectLst>
               <a:latin typeface="微軟正黑體" pitchFamily="34" charset="-120"/>
               <a:ea typeface="微軟正黑體" pitchFamily="34" charset="-120"/>
             </a:endParaRPr>
@@ -4698,45 +4781,80 @@
                 <a:solidFill>
                   <a:srgbClr val="000066"/>
                 </a:solidFill>
+                <a:effectLst>
+                  <a:outerShdw blurRad="38100" dist="38100" dir="2700000" algn="tl">
+                    <a:srgbClr val="000000">
+                      <a:alpha val="43137"/>
+                    </a:srgbClr>
+                  </a:outerShdw>
+                </a:effectLst>
                 <a:latin typeface="微軟正黑體" pitchFamily="34" charset="-120"/>
                 <a:ea typeface="微軟正黑體" pitchFamily="34" charset="-120"/>
               </a:rPr>
               <a:t>家事</a:t>
             </a:r>
             <a:r>
-              <a:rPr lang="zh-CN" altLang="en-US" sz="9600" b="1" dirty="0" smtClean="0">
+              <a:rPr lang="zh-CN" altLang="en-US" sz="9600" b="1" dirty="0">
                 <a:solidFill>
                   <a:srgbClr val="000066"/>
                 </a:solidFill>
+                <a:effectLst>
+                  <a:outerShdw blurRad="38100" dist="38100" dir="2700000" algn="tl">
+                    <a:srgbClr val="000000">
+                      <a:alpha val="43137"/>
+                    </a:srgbClr>
+                  </a:outerShdw>
+                </a:effectLst>
                 <a:latin typeface="微軟正黑體" pitchFamily="34" charset="-120"/>
                 <a:ea typeface="微軟正黑體" pitchFamily="34" charset="-120"/>
               </a:rPr>
               <a:t>分享</a:t>
             </a:r>
             <a:r>
-              <a:rPr lang="en-US" altLang="zh-CN" sz="9600" b="1" dirty="0" smtClean="0">
+              <a:rPr lang="en-US" altLang="zh-CN" sz="9600" b="1" dirty="0">
                 <a:solidFill>
                   <a:srgbClr val="000066"/>
                 </a:solidFill>
+                <a:effectLst>
+                  <a:outerShdw blurRad="38100" dist="38100" dir="2700000" algn="tl">
+                    <a:srgbClr val="000000">
+                      <a:alpha val="43137"/>
+                    </a:srgbClr>
+                  </a:outerShdw>
+                </a:effectLst>
                 <a:latin typeface="微軟正黑體" pitchFamily="34" charset="-120"/>
                 <a:ea typeface="微軟正黑體" pitchFamily="34" charset="-120"/>
               </a:rPr>
               <a:t/>
             </a:r>
             <a:br>
-              <a:rPr lang="en-US" altLang="zh-CN" sz="9600" b="1" dirty="0" smtClean="0">
+              <a:rPr lang="en-US" altLang="zh-CN" sz="9600" b="1" dirty="0">
                 <a:solidFill>
                   <a:srgbClr val="000066"/>
                 </a:solidFill>
+                <a:effectLst>
+                  <a:outerShdw blurRad="38100" dist="38100" dir="2700000" algn="tl">
+                    <a:srgbClr val="000000">
+                      <a:alpha val="43137"/>
+                    </a:srgbClr>
+                  </a:outerShdw>
+                </a:effectLst>
                 <a:latin typeface="微軟正黑體" pitchFamily="34" charset="-120"/>
                 <a:ea typeface="微軟正黑體" pitchFamily="34" charset="-120"/>
               </a:rPr>
             </a:br>
             <a:r>
-              <a:rPr lang="zh-CN" altLang="en-US" sz="9600" b="1" dirty="0" smtClean="0">
+              <a:rPr lang="zh-CN" altLang="en-US" sz="9600" b="1" dirty="0">
                 <a:solidFill>
                   <a:srgbClr val="000066"/>
                 </a:solidFill>
+                <a:effectLst>
+                  <a:outerShdw blurRad="38100" dist="38100" dir="2700000" algn="tl">
+                    <a:srgbClr val="000000">
+                      <a:alpha val="43137"/>
+                    </a:srgbClr>
+                  </a:outerShdw>
+                </a:effectLst>
                 <a:latin typeface="微軟正黑體" pitchFamily="34" charset="-120"/>
                 <a:ea typeface="微軟正黑體" pitchFamily="34" charset="-120"/>
               </a:rPr>
@@ -4747,6 +4865,13 @@
                 <a:solidFill>
                   <a:srgbClr val="000066"/>
                 </a:solidFill>
+                <a:effectLst>
+                  <a:outerShdw blurRad="38100" dist="38100" dir="2700000" algn="tl">
+                    <a:srgbClr val="000000">
+                      <a:alpha val="43137"/>
+                    </a:srgbClr>
+                  </a:outerShdw>
+                </a:effectLst>
                 <a:latin typeface="微軟正黑體" pitchFamily="34" charset="-120"/>
                 <a:ea typeface="微軟正黑體" pitchFamily="34" charset="-120"/>
               </a:rPr>
@@ -4756,6 +4881,13 @@
               <a:solidFill>
                 <a:srgbClr val="000066"/>
               </a:solidFill>
+              <a:effectLst>
+                <a:outerShdw blurRad="38100" dist="38100" dir="2700000" algn="tl">
+                  <a:srgbClr val="000000">
+                    <a:alpha val="43137"/>
+                  </a:srgbClr>
+                </a:outerShdw>
+              </a:effectLst>
               <a:latin typeface="微軟正黑體" pitchFamily="34" charset="-120"/>
               <a:ea typeface="微軟正黑體" pitchFamily="34" charset="-120"/>
             </a:endParaRPr>
@@ -5583,41 +5715,68 @@
           </a:bodyPr>
           <a:lstStyle/>
           <a:p>
-            <a:pPr algn="ctr"/>
-            <a:r>
-              <a:rPr lang="zh-CN" altLang="en-US" sz="9600" b="1" dirty="0" smtClean="0">
+            <a:r>
+              <a:rPr lang="zh-CN" altLang="en-US" sz="9600" b="1" dirty="0">
                 <a:solidFill>
                   <a:srgbClr val="000066"/>
                 </a:solidFill>
+                <a:effectLst>
+                  <a:outerShdw blurRad="38100" dist="38100" dir="2700000" algn="tl">
+                    <a:srgbClr val="000000">
+                      <a:alpha val="43137"/>
+                    </a:srgbClr>
+                  </a:outerShdw>
+                </a:effectLst>
                 <a:latin typeface="微軟正黑體" pitchFamily="34" charset="-120"/>
                 <a:ea typeface="微軟正黑體" pitchFamily="34" charset="-120"/>
               </a:rPr>
               <a:t>本堂牧師</a:t>
             </a:r>
             <a:r>
-              <a:rPr lang="en-US" altLang="zh-CN" sz="9600" b="1" dirty="0" smtClean="0">
+              <a:rPr lang="en-US" altLang="zh-CN" sz="9600" b="1" dirty="0">
                 <a:solidFill>
                   <a:srgbClr val="000066"/>
                 </a:solidFill>
+                <a:effectLst>
+                  <a:outerShdw blurRad="38100" dist="38100" dir="2700000" algn="tl">
+                    <a:srgbClr val="000000">
+                      <a:alpha val="43137"/>
+                    </a:srgbClr>
+                  </a:outerShdw>
+                </a:effectLst>
                 <a:latin typeface="微軟正黑體" pitchFamily="34" charset="-120"/>
                 <a:ea typeface="微軟正黑體" pitchFamily="34" charset="-120"/>
               </a:rPr>
               <a:t/>
             </a:r>
             <a:br>
-              <a:rPr lang="en-US" altLang="zh-CN" sz="9600" b="1" dirty="0" smtClean="0">
+              <a:rPr lang="en-US" altLang="zh-CN" sz="9600" b="1" dirty="0">
                 <a:solidFill>
                   <a:srgbClr val="000066"/>
                 </a:solidFill>
+                <a:effectLst>
+                  <a:outerShdw blurRad="38100" dist="38100" dir="2700000" algn="tl">
+                    <a:srgbClr val="000000">
+                      <a:alpha val="43137"/>
+                    </a:srgbClr>
+                  </a:outerShdw>
+                </a:effectLst>
                 <a:latin typeface="微軟正黑體" pitchFamily="34" charset="-120"/>
                 <a:ea typeface="微軟正黑體" pitchFamily="34" charset="-120"/>
               </a:rPr>
             </a:br>
             <a:r>
-              <a:rPr lang="zh-CN" altLang="en-US" sz="9600" b="1" dirty="0" smtClean="0">
+              <a:rPr lang="zh-CN" altLang="en-US" sz="9600" b="1" dirty="0">
                 <a:solidFill>
                   <a:srgbClr val="000066"/>
                 </a:solidFill>
+                <a:effectLst>
+                  <a:outerShdw blurRad="38100" dist="38100" dir="2700000" algn="tl">
+                    <a:srgbClr val="000000">
+                      <a:alpha val="43137"/>
+                    </a:srgbClr>
+                  </a:outerShdw>
+                </a:effectLst>
                 <a:latin typeface="微軟正黑體" pitchFamily="34" charset="-120"/>
                 <a:ea typeface="微軟正黑體" pitchFamily="34" charset="-120"/>
               </a:rPr>
@@ -5627,6 +5786,13 @@
               <a:solidFill>
                 <a:srgbClr val="000066"/>
               </a:solidFill>
+              <a:effectLst>
+                <a:outerShdw blurRad="38100" dist="38100" dir="2700000" algn="tl">
+                  <a:srgbClr val="000000">
+                    <a:alpha val="43137"/>
+                  </a:srgbClr>
+                </a:outerShdw>
+              </a:effectLst>
               <a:latin typeface="微軟正黑體" pitchFamily="34" charset="-120"/>
               <a:ea typeface="微軟正黑體" pitchFamily="34" charset="-120"/>
             </a:endParaRPr>
@@ -5970,6 +6136,13 @@
                 <a:solidFill>
                   <a:srgbClr val="000066"/>
                 </a:solidFill>
+                <a:effectLst>
+                  <a:outerShdw blurRad="38100" dist="38100" dir="2700000" algn="tl">
+                    <a:srgbClr val="000000">
+                      <a:alpha val="43137"/>
+                    </a:srgbClr>
+                  </a:outerShdw>
+                </a:effectLst>
                 <a:latin typeface="微軟正黑體" pitchFamily="34" charset="-120"/>
                 <a:ea typeface="微軟正黑體" pitchFamily="34" charset="-120"/>
               </a:rPr>
@@ -5979,6 +6152,13 @@
               <a:solidFill>
                 <a:srgbClr val="000066"/>
               </a:solidFill>
+              <a:effectLst>
+                <a:outerShdw blurRad="38100" dist="38100" dir="2700000" algn="tl">
+                  <a:srgbClr val="000000">
+                    <a:alpha val="43137"/>
+                  </a:srgbClr>
+                </a:outerShdw>
+              </a:effectLst>
               <a:latin typeface="微軟正黑體" pitchFamily="34" charset="-120"/>
               <a:ea typeface="微軟正黑體" pitchFamily="34" charset="-120"/>
             </a:endParaRPr>
@@ -6013,9 +6193,9 @@
                   <a:srgbClr val="660033"/>
                 </a:solidFill>
                 <a:effectLst>
-                  <a:outerShdw blurRad="50000" dist="30000" dir="5400000" algn="tl" rotWithShape="0">
+                  <a:outerShdw blurRad="38100" dist="38100" dir="2700000" algn="tl">
                     <a:srgbClr val="000000">
-                      <a:alpha val="30000"/>
+                      <a:alpha val="43137"/>
                     </a:srgbClr>
                   </a:outerShdw>
                 </a:effectLst>
@@ -6031,9 +6211,9 @@
                   <a:srgbClr val="660033"/>
                 </a:solidFill>
                 <a:effectLst>
-                  <a:outerShdw blurRad="50000" dist="30000" dir="5400000" algn="tl" rotWithShape="0">
+                  <a:outerShdw blurRad="38100" dist="38100" dir="2700000" algn="tl">
                     <a:srgbClr val="000000">
-                      <a:alpha val="30000"/>
+                      <a:alpha val="43137"/>
                     </a:srgbClr>
                   </a:outerShdw>
                 </a:effectLst>
@@ -6049,9 +6229,9 @@
                   <a:srgbClr val="660033"/>
                 </a:solidFill>
                 <a:effectLst>
-                  <a:outerShdw blurRad="50000" dist="30000" dir="5400000" algn="tl" rotWithShape="0">
+                  <a:outerShdw blurRad="38100" dist="38100" dir="2700000" algn="tl">
                     <a:srgbClr val="000000">
-                      <a:alpha val="30000"/>
+                      <a:alpha val="43137"/>
                     </a:srgbClr>
                   </a:outerShdw>
                 </a:effectLst>
@@ -6066,9 +6246,9 @@
                 <a:srgbClr val="660033"/>
               </a:solidFill>
               <a:effectLst>
-                <a:outerShdw blurRad="50000" dist="30000" dir="5400000" algn="tl" rotWithShape="0">
+                <a:outerShdw blurRad="38100" dist="38100" dir="2700000" algn="tl">
                   <a:srgbClr val="000000">
-                    <a:alpha val="30000"/>
+                    <a:alpha val="43137"/>
                   </a:srgbClr>
                 </a:outerShdw>
               </a:effectLst>
@@ -6937,12 +7117,18 @@
           </a:bodyPr>
           <a:lstStyle/>
           <a:p>
-            <a:pPr algn="ctr"/>
-            <a:r>
-              <a:rPr lang="zh-CN" altLang="en-US" sz="9600" b="1" dirty="0" smtClean="0">
+            <a:r>
+              <a:rPr lang="zh-CN" altLang="en-US" sz="9600" b="1" dirty="0">
                 <a:solidFill>
                   <a:srgbClr val="000066"/>
                 </a:solidFill>
+                <a:effectLst>
+                  <a:outerShdw blurRad="38100" dist="38100" dir="2700000" algn="tl">
+                    <a:srgbClr val="000000">
+                      <a:alpha val="43137"/>
+                    </a:srgbClr>
+                  </a:outerShdw>
+                </a:effectLst>
                 <a:latin typeface="微軟正黑體" pitchFamily="34" charset="-120"/>
                 <a:ea typeface="微軟正黑體" pitchFamily="34" charset="-120"/>
               </a:rPr>
@@ -6952,6 +7138,13 @@
               <a:solidFill>
                 <a:srgbClr val="000066"/>
               </a:solidFill>
+              <a:effectLst>
+                <a:outerShdw blurRad="38100" dist="38100" dir="2700000" algn="tl">
+                  <a:srgbClr val="000000">
+                    <a:alpha val="43137"/>
+                  </a:srgbClr>
+                </a:outerShdw>
+              </a:effectLst>
               <a:latin typeface="微軟正黑體" pitchFamily="34" charset="-120"/>
               <a:ea typeface="微軟正黑體" pitchFamily="34" charset="-120"/>
             </a:endParaRPr>
@@ -7012,12 +7205,18 @@
           </a:bodyPr>
           <a:lstStyle/>
           <a:p>
-            <a:pPr algn="ctr"/>
-            <a:r>
-              <a:rPr lang="zh-CN" altLang="en-US" sz="9600" b="1" dirty="0" smtClean="0">
+            <a:r>
+              <a:rPr lang="zh-CN" altLang="en-US" sz="9600" b="1" dirty="0">
                 <a:solidFill>
                   <a:srgbClr val="000066"/>
                 </a:solidFill>
+                <a:effectLst>
+                  <a:outerShdw blurRad="38100" dist="38100" dir="2700000" algn="tl">
+                    <a:srgbClr val="000000">
+                      <a:alpha val="43137"/>
+                    </a:srgbClr>
+                  </a:outerShdw>
+                </a:effectLst>
                 <a:latin typeface="微軟正黑體" pitchFamily="34" charset="-120"/>
                 <a:ea typeface="微軟正黑體" pitchFamily="34" charset="-120"/>
               </a:rPr>
@@ -7027,6 +7226,13 @@
               <a:solidFill>
                 <a:srgbClr val="000066"/>
               </a:solidFill>
+              <a:effectLst>
+                <a:outerShdw blurRad="38100" dist="38100" dir="2700000" algn="tl">
+                  <a:srgbClr val="000000">
+                    <a:alpha val="43137"/>
+                  </a:srgbClr>
+                </a:outerShdw>
+              </a:effectLst>
               <a:latin typeface="微軟正黑體" pitchFamily="34" charset="-120"/>
               <a:ea typeface="微軟正黑體" pitchFamily="34" charset="-120"/>
             </a:endParaRPr>
@@ -7183,6 +7389,13 @@
                 <a:solidFill>
                   <a:srgbClr val="000066"/>
                 </a:solidFill>
+                <a:effectLst>
+                  <a:outerShdw blurRad="38100" dist="38100" dir="2700000" algn="tl">
+                    <a:srgbClr val="000000">
+                      <a:alpha val="43137"/>
+                    </a:srgbClr>
+                  </a:outerShdw>
+                </a:effectLst>
                 <a:latin typeface="微軟正黑體" pitchFamily="34" charset="-120"/>
                 <a:ea typeface="微軟正黑體" pitchFamily="34" charset="-120"/>
               </a:rPr>
@@ -7192,6 +7405,13 @@
               <a:solidFill>
                 <a:srgbClr val="000066"/>
               </a:solidFill>
+              <a:effectLst>
+                <a:outerShdw blurRad="38100" dist="38100" dir="2700000" algn="tl">
+                  <a:srgbClr val="000000">
+                    <a:alpha val="43137"/>
+                  </a:srgbClr>
+                </a:outerShdw>
+              </a:effectLst>
               <a:latin typeface="微軟正黑體" pitchFamily="34" charset="-120"/>
               <a:ea typeface="微軟正黑體" pitchFamily="34" charset="-120"/>
             </a:endParaRPr>
@@ -7232,9 +7452,9 @@
                   <a:srgbClr val="660033"/>
                 </a:solidFill>
                 <a:effectLst>
-                  <a:outerShdw blurRad="50000" dist="30000" dir="5400000" algn="tl" rotWithShape="0">
+                  <a:outerShdw blurRad="38100" dist="38100" dir="2700000" algn="tl">
                     <a:srgbClr val="000000">
-                      <a:alpha val="30000"/>
+                      <a:alpha val="43137"/>
                     </a:srgbClr>
                   </a:outerShdw>
                 </a:effectLst>
@@ -7250,9 +7470,9 @@
                   <a:srgbClr val="660033"/>
                 </a:solidFill>
                 <a:effectLst>
-                  <a:outerShdw blurRad="50000" dist="30000" dir="5400000" algn="tl" rotWithShape="0">
+                  <a:outerShdw blurRad="38100" dist="38100" dir="2700000" algn="tl">
                     <a:srgbClr val="000000">
-                      <a:alpha val="30000"/>
+                      <a:alpha val="43137"/>
                     </a:srgbClr>
                   </a:outerShdw>
                 </a:effectLst>
@@ -7268,9 +7488,9 @@
                   <a:srgbClr val="660033"/>
                 </a:solidFill>
                 <a:effectLst>
-                  <a:outerShdw blurRad="50000" dist="30000" dir="5400000" algn="tl" rotWithShape="0">
+                  <a:outerShdw blurRad="38100" dist="38100" dir="2700000" algn="tl">
                     <a:srgbClr val="000000">
-                      <a:alpha val="30000"/>
+                      <a:alpha val="43137"/>
                     </a:srgbClr>
                   </a:outerShdw>
                 </a:effectLst>
@@ -7286,9 +7506,9 @@
                   <a:srgbClr val="660033"/>
                 </a:solidFill>
                 <a:effectLst>
-                  <a:outerShdw blurRad="50000" dist="30000" dir="5400000" algn="tl" rotWithShape="0">
+                  <a:outerShdw blurRad="38100" dist="38100" dir="2700000" algn="tl">
                     <a:srgbClr val="000000">
-                      <a:alpha val="30000"/>
+                      <a:alpha val="43137"/>
                     </a:srgbClr>
                   </a:outerShdw>
                 </a:effectLst>
@@ -7303,9 +7523,9 @@
                 <a:srgbClr val="660033"/>
               </a:solidFill>
               <a:effectLst>
-                <a:outerShdw blurRad="50000" dist="30000" dir="5400000" algn="tl" rotWithShape="0">
+                <a:outerShdw blurRad="38100" dist="38100" dir="2700000" algn="tl">
                   <a:srgbClr val="000000">
-                    <a:alpha val="30000"/>
+                    <a:alpha val="43137"/>
                   </a:srgbClr>
                 </a:outerShdw>
               </a:effectLst>
@@ -7376,6 +7596,13 @@
                 <a:solidFill>
                   <a:srgbClr val="000066"/>
                 </a:solidFill>
+                <a:effectLst>
+                  <a:outerShdw blurRad="38100" dist="38100" dir="2700000" algn="tl">
+                    <a:srgbClr val="000000">
+                      <a:alpha val="43137"/>
+                    </a:srgbClr>
+                  </a:outerShdw>
+                </a:effectLst>
                 <a:latin typeface="微軟正黑體" pitchFamily="34" charset="-120"/>
                 <a:ea typeface="微軟正黑體" pitchFamily="34" charset="-120"/>
               </a:rPr>
@@ -7385,6 +7612,13 @@
               <a:solidFill>
                 <a:srgbClr val="000066"/>
               </a:solidFill>
+              <a:effectLst>
+                <a:outerShdw blurRad="38100" dist="38100" dir="2700000" algn="tl">
+                  <a:srgbClr val="000000">
+                    <a:alpha val="43137"/>
+                  </a:srgbClr>
+                </a:outerShdw>
+              </a:effectLst>
               <a:latin typeface="微軟正黑體" pitchFamily="34" charset="-120"/>
               <a:ea typeface="微軟正黑體" pitchFamily="34" charset="-120"/>
             </a:endParaRPr>
@@ -7451,6 +7685,13 @@
                 <a:solidFill>
                   <a:srgbClr val="000066"/>
                 </a:solidFill>
+                <a:effectLst>
+                  <a:outerShdw blurRad="38100" dist="38100" dir="2700000" algn="tl">
+                    <a:srgbClr val="000000">
+                      <a:alpha val="43137"/>
+                    </a:srgbClr>
+                  </a:outerShdw>
+                </a:effectLst>
                 <a:latin typeface="微軟正黑體" pitchFamily="34" charset="-120"/>
                 <a:ea typeface="微軟正黑體" pitchFamily="34" charset="-120"/>
               </a:rPr>
@@ -7460,6 +7701,13 @@
               <a:solidFill>
                 <a:srgbClr val="000066"/>
               </a:solidFill>
+              <a:effectLst>
+                <a:outerShdw blurRad="38100" dist="38100" dir="2700000" algn="tl">
+                  <a:srgbClr val="000000">
+                    <a:alpha val="43137"/>
+                  </a:srgbClr>
+                </a:outerShdw>
+              </a:effectLst>
               <a:latin typeface="微軟正黑體" pitchFamily="34" charset="-120"/>
               <a:ea typeface="微軟正黑體" pitchFamily="34" charset="-120"/>
             </a:endParaRPr>
@@ -7499,9 +7747,9 @@
                 <a:srgbClr val="000066"/>
               </a:solidFill>
               <a:effectLst>
-                <a:outerShdw blurRad="50000" dist="30000" dir="5400000" algn="tl" rotWithShape="0">
+                <a:outerShdw blurRad="38100" dist="38100" dir="2700000" algn="tl">
                   <a:srgbClr val="000000">
-                    <a:alpha val="30000"/>
+                    <a:alpha val="43137"/>
                   </a:srgbClr>
                 </a:outerShdw>
               </a:effectLst>
@@ -7540,9 +7788,9 @@
                   <a:srgbClr val="660033"/>
                 </a:solidFill>
                 <a:effectLst>
-                  <a:outerShdw blurRad="50000" dist="30000" dir="5400000" algn="tl" rotWithShape="0">
+                  <a:outerShdw blurRad="38100" dist="38100" dir="2700000" algn="tl">
                     <a:srgbClr val="000000">
-                      <a:alpha val="30000"/>
+                      <a:alpha val="43137"/>
                     </a:srgbClr>
                   </a:outerShdw>
                 </a:effectLst>
@@ -7558,9 +7806,9 @@
                   <a:srgbClr val="660033"/>
                 </a:solidFill>
                 <a:effectLst>
-                  <a:outerShdw blurRad="50000" dist="30000" dir="5400000" algn="tl" rotWithShape="0">
+                  <a:outerShdw blurRad="38100" dist="38100" dir="2700000" algn="tl">
                     <a:srgbClr val="000000">
-                      <a:alpha val="30000"/>
+                      <a:alpha val="43137"/>
                     </a:srgbClr>
                   </a:outerShdw>
                 </a:effectLst>
@@ -7576,9 +7824,9 @@
                   <a:srgbClr val="660033"/>
                 </a:solidFill>
                 <a:effectLst>
-                  <a:outerShdw blurRad="50000" dist="30000" dir="5400000" algn="tl" rotWithShape="0">
+                  <a:outerShdw blurRad="38100" dist="38100" dir="2700000" algn="tl">
                     <a:srgbClr val="000000">
-                      <a:alpha val="30000"/>
+                      <a:alpha val="43137"/>
                     </a:srgbClr>
                   </a:outerShdw>
                 </a:effectLst>
@@ -7593,9 +7841,9 @@
                 <a:srgbClr val="660033"/>
               </a:solidFill>
               <a:effectLst>
-                <a:outerShdw blurRad="50000" dist="30000" dir="5400000" algn="tl" rotWithShape="0">
+                <a:outerShdw blurRad="38100" dist="38100" dir="2700000" algn="tl">
                   <a:srgbClr val="000000">
-                    <a:alpha val="30000"/>
+                    <a:alpha val="43137"/>
                   </a:srgbClr>
                 </a:outerShdw>
               </a:effectLst>
@@ -7655,9 +7903,9 @@
                   <a:srgbClr val="000066"/>
                 </a:solidFill>
                 <a:effectLst>
-                  <a:outerShdw blurRad="50000" dist="30000" dir="5400000" algn="tl" rotWithShape="0">
+                  <a:outerShdw blurRad="38100" dist="38100" dir="2700000" algn="tl">
                     <a:srgbClr val="000000">
-                      <a:alpha val="30000"/>
+                      <a:alpha val="43137"/>
                     </a:srgbClr>
                   </a:outerShdw>
                 </a:effectLst>
@@ -7677,9 +7925,9 @@
                 <a:srgbClr val="000066"/>
               </a:solidFill>
               <a:effectLst>
-                <a:outerShdw blurRad="50000" dist="30000" dir="5400000" algn="tl" rotWithShape="0">
+                <a:outerShdw blurRad="38100" dist="38100" dir="2700000" algn="tl">
                   <a:srgbClr val="000000">
-                    <a:alpha val="30000"/>
+                    <a:alpha val="43137"/>
                   </a:srgbClr>
                 </a:outerShdw>
               </a:effectLst>

--- a/崇拜流程.pptx
+++ b/崇拜流程.pptx
@@ -34,7 +34,7 @@
     <p:sldId id="287" r:id="rId25"/>
     <p:sldId id="288" r:id="rId26"/>
   </p:sldIdLst>
-  <p:sldSz cx="9144000" cy="6858000" type="screen4x3"/>
+  <p:sldSz cx="9144000" cy="5143500" type="screen16x9"/>
   <p:notesSz cx="6858000" cy="9144000"/>
   <p:defaultTextStyle>
     <a:defPPr>
@@ -133,7 +133,7 @@
   </p:defaultTextStyle>
   <p:extLst>
     <p:ext uri="{EFAFB233-063F-42B5-8137-9DF3F51BA10A}">
-      <p15:sldGuideLst xmlns:p15="http://schemas.microsoft.com/office/powerpoint/2012/main" xmlns="">
+      <p15:sldGuideLst xmlns="" xmlns:p15="http://schemas.microsoft.com/office/powerpoint/2012/main">
         <p15:guide id="1" orient="horz" pos="2160">
           <p15:clr>
             <a:srgbClr val="A4A3A4"/>
@@ -233,7 +233,7 @@
             <a:fld id="{2F30D4D0-EAC7-4980-A92D-C26C9148BA0F}" type="datetimeFigureOut">
               <a:rPr lang="zh-TW" altLang="en-US" smtClean="0"/>
               <a:pPr/>
-              <a:t>2019/6/1</a:t>
+              <a:t>2019/7/2</a:t>
             </a:fld>
             <a:endParaRPr lang="zh-TW" altLang="en-US"/>
           </a:p>
@@ -251,8 +251,8 @@
         </p:nvSpPr>
         <p:spPr>
           <a:xfrm>
-            <a:off x="1143000" y="685800"/>
-            <a:ext cx="4572000" cy="3429000"/>
+            <a:off x="381000" y="685800"/>
+            <a:ext cx="6096000" cy="3429000"/>
           </a:xfrm>
           <a:prstGeom prst="rect">
             <a:avLst/>
@@ -404,7 +404,7 @@
     </p:spTree>
     <p:extLst>
       <p:ext uri="{BB962C8B-B14F-4D97-AF65-F5344CB8AC3E}">
-        <p14:creationId xmlns:p14="http://schemas.microsoft.com/office/powerpoint/2010/main" val="2421614449"/>
+        <p14:creationId xmlns:p14="http://schemas.microsoft.com/office/powerpoint/2010/main" xmlns="" val="2421614449"/>
       </p:ext>
     </p:extLst>
   </p:cSld>
@@ -533,8 +533,8 @@
         </p:nvSpPr>
         <p:spPr>
           <a:xfrm>
-            <a:off x="1143000" y="685800"/>
-            <a:ext cx="4572000" cy="3429000"/>
+            <a:off x="381000" y="685800"/>
+            <a:ext cx="6096000" cy="3429000"/>
           </a:xfrm>
         </p:spPr>
       </p:sp>
@@ -620,8 +620,8 @@
         </p:nvSpPr>
         <p:spPr>
           <a:xfrm>
-            <a:off x="1143000" y="685800"/>
-            <a:ext cx="4572000" cy="3429000"/>
+            <a:off x="381000" y="685800"/>
+            <a:ext cx="6096000" cy="3429000"/>
           </a:xfrm>
         </p:spPr>
       </p:sp>
@@ -707,8 +707,8 @@
         </p:nvSpPr>
         <p:spPr>
           <a:xfrm>
-            <a:off x="1143000" y="685800"/>
-            <a:ext cx="4572000" cy="3429000"/>
+            <a:off x="381000" y="685800"/>
+            <a:ext cx="6096000" cy="3429000"/>
           </a:xfrm>
         </p:spPr>
       </p:sp>
@@ -794,8 +794,8 @@
         </p:nvSpPr>
         <p:spPr>
           <a:xfrm>
-            <a:off x="1143000" y="685800"/>
-            <a:ext cx="4572000" cy="3429000"/>
+            <a:off x="381000" y="685800"/>
+            <a:ext cx="6096000" cy="3429000"/>
           </a:xfrm>
         </p:spPr>
       </p:sp>
@@ -881,8 +881,8 @@
         </p:nvSpPr>
         <p:spPr>
           <a:xfrm>
-            <a:off x="1143000" y="685800"/>
-            <a:ext cx="4572000" cy="3429000"/>
+            <a:off x="381000" y="685800"/>
+            <a:ext cx="6096000" cy="3429000"/>
           </a:xfrm>
         </p:spPr>
       </p:sp>
@@ -934,7 +934,7 @@
     </p:spTree>
     <p:extLst>
       <p:ext uri="{BB962C8B-B14F-4D97-AF65-F5344CB8AC3E}">
-        <p14:creationId xmlns:p14="http://schemas.microsoft.com/office/powerpoint/2010/main" val="3084450117"/>
+        <p14:creationId xmlns:p14="http://schemas.microsoft.com/office/powerpoint/2010/main" xmlns="" val="3084450117"/>
       </p:ext>
     </p:extLst>
   </p:cSld>
@@ -973,8 +973,8 @@
         </p:nvSpPr>
         <p:spPr>
           <a:xfrm>
-            <a:off x="685800" y="2130426"/>
-            <a:ext cx="7772400" cy="1470025"/>
+            <a:off x="685800" y="1597820"/>
+            <a:ext cx="7772400" cy="1102519"/>
           </a:xfrm>
         </p:spPr>
         <p:txBody>
@@ -1001,8 +1001,8 @@
         </p:nvSpPr>
         <p:spPr>
           <a:xfrm>
-            <a:off x="1371600" y="3886200"/>
-            <a:ext cx="6400800" cy="1752600"/>
+            <a:off x="1371600" y="2914650"/>
+            <a:ext cx="6400800" cy="1314450"/>
           </a:xfrm>
         </p:spPr>
         <p:txBody>
@@ -1126,7 +1126,7 @@
             <a:fld id="{5BBEAD13-0566-4C6C-97E7-55F17F24B09F}" type="datetimeFigureOut">
               <a:rPr lang="zh-TW" altLang="en-US" smtClean="0"/>
               <a:pPr/>
-              <a:t>2019/6/1</a:t>
+              <a:t>2019/7/2</a:t>
             </a:fld>
             <a:endParaRPr lang="zh-TW" altLang="en-US"/>
           </a:p>
@@ -1293,7 +1293,7 @@
             <a:fld id="{5BBEAD13-0566-4C6C-97E7-55F17F24B09F}" type="datetimeFigureOut">
               <a:rPr lang="zh-TW" altLang="en-US" smtClean="0"/>
               <a:pPr/>
-              <a:t>2019/6/1</a:t>
+              <a:t>2019/7/2</a:t>
             </a:fld>
             <a:endParaRPr lang="zh-TW" altLang="en-US"/>
           </a:p>
@@ -1379,8 +1379,8 @@
         </p:nvSpPr>
         <p:spPr>
           <a:xfrm>
-            <a:off x="6629400" y="274639"/>
-            <a:ext cx="2057400" cy="5851525"/>
+            <a:off x="6629400" y="205979"/>
+            <a:ext cx="2057400" cy="4388644"/>
           </a:xfrm>
         </p:spPr>
         <p:txBody>
@@ -1407,8 +1407,8 @@
         </p:nvSpPr>
         <p:spPr>
           <a:xfrm>
-            <a:off x="457200" y="274639"/>
-            <a:ext cx="6019800" cy="5851525"/>
+            <a:off x="457200" y="205979"/>
+            <a:ext cx="6019800" cy="4388644"/>
           </a:xfrm>
         </p:spPr>
         <p:txBody>
@@ -1470,7 +1470,7 @@
             <a:fld id="{5BBEAD13-0566-4C6C-97E7-55F17F24B09F}" type="datetimeFigureOut">
               <a:rPr lang="zh-TW" altLang="en-US" smtClean="0"/>
               <a:pPr/>
-              <a:t>2019/6/1</a:t>
+              <a:t>2019/7/2</a:t>
             </a:fld>
             <a:endParaRPr lang="zh-TW" altLang="en-US"/>
           </a:p>
@@ -1637,7 +1637,7 @@
             <a:fld id="{5BBEAD13-0566-4C6C-97E7-55F17F24B09F}" type="datetimeFigureOut">
               <a:rPr lang="zh-TW" altLang="en-US" smtClean="0"/>
               <a:pPr/>
-              <a:t>2019/6/1</a:t>
+              <a:t>2019/7/2</a:t>
             </a:fld>
             <a:endParaRPr lang="zh-TW" altLang="en-US"/>
           </a:p>
@@ -1723,8 +1723,8 @@
         </p:nvSpPr>
         <p:spPr>
           <a:xfrm>
-            <a:off x="722313" y="4406901"/>
-            <a:ext cx="7772400" cy="1362075"/>
+            <a:off x="722313" y="3305176"/>
+            <a:ext cx="7772400" cy="1021556"/>
           </a:xfrm>
         </p:spPr>
         <p:txBody>
@@ -1755,8 +1755,8 @@
         </p:nvSpPr>
         <p:spPr>
           <a:xfrm>
-            <a:off x="722313" y="2906713"/>
-            <a:ext cx="7772400" cy="1500187"/>
+            <a:off x="722313" y="2180035"/>
+            <a:ext cx="7772400" cy="1125140"/>
           </a:xfrm>
         </p:spPr>
         <p:txBody>
@@ -1880,7 +1880,7 @@
             <a:fld id="{5BBEAD13-0566-4C6C-97E7-55F17F24B09F}" type="datetimeFigureOut">
               <a:rPr lang="zh-TW" altLang="en-US" smtClean="0"/>
               <a:pPr/>
-              <a:t>2019/6/1</a:t>
+              <a:t>2019/7/2</a:t>
             </a:fld>
             <a:endParaRPr lang="zh-TW" altLang="en-US"/>
           </a:p>
@@ -1989,8 +1989,8 @@
         </p:nvSpPr>
         <p:spPr>
           <a:xfrm>
-            <a:off x="457200" y="1600201"/>
-            <a:ext cx="4038600" cy="4525963"/>
+            <a:off x="457200" y="1200151"/>
+            <a:ext cx="4038600" cy="3394472"/>
           </a:xfrm>
         </p:spPr>
         <p:txBody>
@@ -2074,8 +2074,8 @@
         </p:nvSpPr>
         <p:spPr>
           <a:xfrm>
-            <a:off x="4648200" y="1600201"/>
-            <a:ext cx="4038600" cy="4525963"/>
+            <a:off x="4648200" y="1200151"/>
+            <a:ext cx="4038600" cy="3394472"/>
           </a:xfrm>
         </p:spPr>
         <p:txBody>
@@ -2165,7 +2165,7 @@
             <a:fld id="{5BBEAD13-0566-4C6C-97E7-55F17F24B09F}" type="datetimeFigureOut">
               <a:rPr lang="zh-TW" altLang="en-US" smtClean="0"/>
               <a:pPr/>
-              <a:t>2019/6/1</a:t>
+              <a:t>2019/7/2</a:t>
             </a:fld>
             <a:endParaRPr lang="zh-TW" altLang="en-US"/>
           </a:p>
@@ -2278,8 +2278,8 @@
         </p:nvSpPr>
         <p:spPr>
           <a:xfrm>
-            <a:off x="457200" y="1535113"/>
-            <a:ext cx="4040188" cy="639763"/>
+            <a:off x="457200" y="1151335"/>
+            <a:ext cx="4040188" cy="479822"/>
           </a:xfrm>
         </p:spPr>
         <p:txBody>
@@ -2343,8 +2343,8 @@
         </p:nvSpPr>
         <p:spPr>
           <a:xfrm>
-            <a:off x="457200" y="2174875"/>
-            <a:ext cx="4040188" cy="3951288"/>
+            <a:off x="457200" y="1631156"/>
+            <a:ext cx="4040188" cy="2963466"/>
           </a:xfrm>
         </p:spPr>
         <p:txBody>
@@ -2428,8 +2428,8 @@
         </p:nvSpPr>
         <p:spPr>
           <a:xfrm>
-            <a:off x="4645027" y="1535113"/>
-            <a:ext cx="4041775" cy="639763"/>
+            <a:off x="4645028" y="1151335"/>
+            <a:ext cx="4041775" cy="479822"/>
           </a:xfrm>
         </p:spPr>
         <p:txBody>
@@ -2493,8 +2493,8 @@
         </p:nvSpPr>
         <p:spPr>
           <a:xfrm>
-            <a:off x="4645027" y="2174875"/>
-            <a:ext cx="4041775" cy="3951288"/>
+            <a:off x="4645028" y="1631156"/>
+            <a:ext cx="4041775" cy="2963466"/>
           </a:xfrm>
         </p:spPr>
         <p:txBody>
@@ -2584,7 +2584,7 @@
             <a:fld id="{5BBEAD13-0566-4C6C-97E7-55F17F24B09F}" type="datetimeFigureOut">
               <a:rPr lang="zh-TW" altLang="en-US" smtClean="0"/>
               <a:pPr/>
-              <a:t>2019/6/1</a:t>
+              <a:t>2019/7/2</a:t>
             </a:fld>
             <a:endParaRPr lang="zh-TW" altLang="en-US"/>
           </a:p>
@@ -2699,7 +2699,7 @@
             <a:fld id="{5BBEAD13-0566-4C6C-97E7-55F17F24B09F}" type="datetimeFigureOut">
               <a:rPr lang="zh-TW" altLang="en-US" smtClean="0"/>
               <a:pPr/>
-              <a:t>2019/6/1</a:t>
+              <a:t>2019/7/2</a:t>
             </a:fld>
             <a:endParaRPr lang="zh-TW" altLang="en-US"/>
           </a:p>
@@ -2791,7 +2791,7 @@
             <a:fld id="{5BBEAD13-0566-4C6C-97E7-55F17F24B09F}" type="datetimeFigureOut">
               <a:rPr lang="zh-TW" altLang="en-US" smtClean="0"/>
               <a:pPr/>
-              <a:t>2019/6/1</a:t>
+              <a:t>2019/7/2</a:t>
             </a:fld>
             <a:endParaRPr lang="zh-TW" altLang="en-US"/>
           </a:p>
@@ -2877,8 +2877,8 @@
         </p:nvSpPr>
         <p:spPr>
           <a:xfrm>
-            <a:off x="457202" y="273049"/>
-            <a:ext cx="3008313" cy="1162051"/>
+            <a:off x="457202" y="204787"/>
+            <a:ext cx="3008313" cy="871538"/>
           </a:xfrm>
         </p:spPr>
         <p:txBody>
@@ -2909,8 +2909,8 @@
         </p:nvSpPr>
         <p:spPr>
           <a:xfrm>
-            <a:off x="3575050" y="273052"/>
-            <a:ext cx="5111750" cy="5853113"/>
+            <a:off x="3575050" y="204789"/>
+            <a:ext cx="5111750" cy="4389835"/>
           </a:xfrm>
         </p:spPr>
         <p:txBody>
@@ -2994,8 +2994,8 @@
         </p:nvSpPr>
         <p:spPr>
           <a:xfrm>
-            <a:off x="457202" y="1435102"/>
-            <a:ext cx="3008313" cy="4691063"/>
+            <a:off x="457202" y="1076327"/>
+            <a:ext cx="3008313" cy="3518297"/>
           </a:xfrm>
         </p:spPr>
         <p:txBody>
@@ -3065,7 +3065,7 @@
             <a:fld id="{5BBEAD13-0566-4C6C-97E7-55F17F24B09F}" type="datetimeFigureOut">
               <a:rPr lang="zh-TW" altLang="en-US" smtClean="0"/>
               <a:pPr/>
-              <a:t>2019/6/1</a:t>
+              <a:t>2019/7/2</a:t>
             </a:fld>
             <a:endParaRPr lang="zh-TW" altLang="en-US"/>
           </a:p>
@@ -3151,8 +3151,8 @@
         </p:nvSpPr>
         <p:spPr>
           <a:xfrm>
-            <a:off x="1792288" y="4800600"/>
-            <a:ext cx="5486400" cy="566739"/>
+            <a:off x="1792288" y="3600451"/>
+            <a:ext cx="5486400" cy="425054"/>
           </a:xfrm>
         </p:spPr>
         <p:txBody>
@@ -3183,8 +3183,8 @@
         </p:nvSpPr>
         <p:spPr>
           <a:xfrm>
-            <a:off x="1792288" y="612775"/>
-            <a:ext cx="5486400" cy="4114800"/>
+            <a:off x="1792288" y="459581"/>
+            <a:ext cx="5486400" cy="3086100"/>
           </a:xfrm>
         </p:spPr>
         <p:txBody>
@@ -3248,8 +3248,8 @@
         </p:nvSpPr>
         <p:spPr>
           <a:xfrm>
-            <a:off x="1792288" y="5367338"/>
-            <a:ext cx="5486400" cy="804863"/>
+            <a:off x="1792288" y="4025504"/>
+            <a:ext cx="5486400" cy="603647"/>
           </a:xfrm>
         </p:spPr>
         <p:txBody>
@@ -3319,7 +3319,7 @@
             <a:fld id="{5BBEAD13-0566-4C6C-97E7-55F17F24B09F}" type="datetimeFigureOut">
               <a:rPr lang="zh-TW" altLang="en-US" smtClean="0"/>
               <a:pPr/>
-              <a:t>2019/6/1</a:t>
+              <a:t>2019/7/2</a:t>
             </a:fld>
             <a:endParaRPr lang="zh-TW" altLang="en-US"/>
           </a:p>
@@ -3415,8 +3415,8 @@
         </p:nvSpPr>
         <p:spPr>
           <a:xfrm>
-            <a:off x="457200" y="274637"/>
-            <a:ext cx="8229600" cy="1143000"/>
+            <a:off x="457200" y="205978"/>
+            <a:ext cx="8229600" cy="857250"/>
           </a:xfrm>
           <a:prstGeom prst="rect">
             <a:avLst/>
@@ -3448,8 +3448,8 @@
         </p:nvSpPr>
         <p:spPr>
           <a:xfrm>
-            <a:off x="457200" y="1600201"/>
-            <a:ext cx="8229600" cy="4525963"/>
+            <a:off x="457200" y="1200151"/>
+            <a:ext cx="8229600" cy="3394472"/>
           </a:xfrm>
           <a:prstGeom prst="rect">
             <a:avLst/>
@@ -3510,8 +3510,8 @@
         </p:nvSpPr>
         <p:spPr>
           <a:xfrm>
-            <a:off x="457200" y="6356351"/>
-            <a:ext cx="2133600" cy="365125"/>
+            <a:off x="457200" y="4767264"/>
+            <a:ext cx="2133600" cy="273844"/>
           </a:xfrm>
           <a:prstGeom prst="rect">
             <a:avLst/>
@@ -3534,7 +3534,7 @@
             <a:fld id="{5BBEAD13-0566-4C6C-97E7-55F17F24B09F}" type="datetimeFigureOut">
               <a:rPr lang="zh-TW" altLang="en-US" smtClean="0"/>
               <a:pPr/>
-              <a:t>2019/6/1</a:t>
+              <a:t>2019/7/2</a:t>
             </a:fld>
             <a:endParaRPr lang="zh-TW" altLang="en-US"/>
           </a:p>
@@ -3552,8 +3552,8 @@
         </p:nvSpPr>
         <p:spPr>
           <a:xfrm>
-            <a:off x="3124200" y="6356351"/>
-            <a:ext cx="2895600" cy="365125"/>
+            <a:off x="3124200" y="4767264"/>
+            <a:ext cx="2895600" cy="273844"/>
           </a:xfrm>
           <a:prstGeom prst="rect">
             <a:avLst/>
@@ -3589,8 +3589,8 @@
         </p:nvSpPr>
         <p:spPr>
           <a:xfrm>
-            <a:off x="6553200" y="6356351"/>
-            <a:ext cx="2133600" cy="365125"/>
+            <a:off x="6553200" y="4767264"/>
+            <a:ext cx="2133600" cy="273844"/>
           </a:xfrm>
           <a:prstGeom prst="rect">
             <a:avLst/>
@@ -3917,8 +3917,8 @@
         </p:nvSpPr>
         <p:spPr>
           <a:xfrm>
-            <a:off x="0" y="1928813"/>
-            <a:ext cx="9144000" cy="1285875"/>
+            <a:off x="0" y="1446610"/>
+            <a:ext cx="9144000" cy="964406"/>
           </a:xfrm>
         </p:spPr>
         <p:txBody>
@@ -3929,7 +3929,7 @@
           <a:p>
             <a:pPr algn="ctr"/>
             <a:r>
-              <a:rPr lang="zh-CN" altLang="en-US" sz="9600" b="1" dirty="0">
+              <a:rPr lang="zh-CN" altLang="en-US" sz="8800" b="1" dirty="0">
                 <a:solidFill>
                   <a:srgbClr val="000066"/>
                 </a:solidFill>
@@ -3945,7 +3945,7 @@
               </a:rPr>
               <a:t>宣召</a:t>
             </a:r>
-            <a:endParaRPr lang="zh-TW" altLang="en-US" sz="9600" b="1" dirty="0">
+            <a:endParaRPr lang="zh-TW" altLang="en-US" sz="8800" b="1" dirty="0">
               <a:solidFill>
                 <a:srgbClr val="000066"/>
               </a:solidFill>
@@ -4006,8 +4006,8 @@
         </p:nvSpPr>
         <p:spPr>
           <a:xfrm>
-            <a:off x="0" y="1928813"/>
-            <a:ext cx="9144000" cy="838200"/>
+            <a:off x="0" y="1446610"/>
+            <a:ext cx="9144000" cy="628650"/>
           </a:xfrm>
         </p:spPr>
         <p:txBody>
@@ -4018,7 +4018,7 @@
           <a:p>
             <a:pPr algn="ctr"/>
             <a:r>
-              <a:rPr lang="zh-CN" altLang="en-US" sz="9600" b="1" dirty="0" smtClean="0">
+              <a:rPr lang="zh-CN" altLang="en-US" sz="8000" b="1" dirty="0" smtClean="0">
                 <a:solidFill>
                   <a:srgbClr val="000066"/>
                 </a:solidFill>
@@ -4034,7 +4034,7 @@
               </a:rPr>
               <a:t>恭讀經訓</a:t>
             </a:r>
-            <a:endParaRPr lang="zh-TW" altLang="en-US" sz="9600" b="1" dirty="0">
+            <a:endParaRPr lang="zh-TW" altLang="en-US" sz="8000" b="1" dirty="0">
               <a:solidFill>
                 <a:srgbClr val="000066"/>
               </a:solidFill>
@@ -4061,8 +4061,8 @@
         </p:nvSpPr>
         <p:spPr>
           <a:xfrm>
-            <a:off x="0" y="3662371"/>
-            <a:ext cx="9144000" cy="838200"/>
+            <a:off x="0" y="2746778"/>
+            <a:ext cx="9144000" cy="628650"/>
           </a:xfrm>
           <a:prstGeom prst="rect">
             <a:avLst/>
@@ -4178,7 +4178,7 @@
         <p:spPr>
           <a:xfrm>
             <a:off x="0" y="0"/>
-            <a:ext cx="9144000" cy="6858000"/>
+            <a:ext cx="9144000" cy="5143500"/>
           </a:xfrm>
         </p:spPr>
         <p:txBody>
@@ -4188,7 +4188,7 @@
           <a:lstStyle/>
           <a:p>
             <a:r>
-              <a:rPr lang="en-US" altLang="zh-TW" sz="6000" b="1" dirty="0" smtClean="0">
+              <a:rPr lang="en-US" altLang="zh-TW" sz="5400" b="1" dirty="0" smtClean="0">
                 <a:solidFill>
                   <a:srgbClr val="000066"/>
                 </a:solidFill>
@@ -4198,7 +4198,7 @@
               <a:t>Act 1:8  </a:t>
             </a:r>
             <a:r>
-              <a:rPr lang="zh-TW" altLang="en-US" sz="6000" b="1" dirty="0" smtClean="0">
+              <a:rPr lang="zh-TW" altLang="en-US" sz="5400" b="1" dirty="0" smtClean="0">
                 <a:solidFill>
                   <a:srgbClr val="000066"/>
                 </a:solidFill>
@@ -4208,7 +4208,7 @@
               <a:t>但聖靈降臨在你們身上，你們就必得著能力，並要在耶路撒冷、猶太全地，和撒瑪利亞，直到地極，作我的見證。」</a:t>
             </a:r>
             <a:r>
-              <a:rPr lang="en-US" altLang="zh-TW" sz="6000" b="1" dirty="0" smtClean="0">
+              <a:rPr lang="en-US" altLang="zh-TW" sz="5400" b="1" dirty="0" smtClean="0">
                 <a:solidFill>
                   <a:srgbClr val="000066"/>
                 </a:solidFill>
@@ -4264,8 +4264,8 @@
         </p:nvSpPr>
         <p:spPr>
           <a:xfrm>
-            <a:off x="0" y="733425"/>
-            <a:ext cx="9144000" cy="838200"/>
+            <a:off x="0" y="550069"/>
+            <a:ext cx="9144000" cy="628650"/>
           </a:xfrm>
         </p:spPr>
         <p:txBody>
@@ -4276,7 +4276,7 @@
           <a:p>
             <a:pPr algn="ctr"/>
             <a:r>
-              <a:rPr lang="zh-CN" altLang="en-US" sz="10000" b="1" dirty="0" smtClean="0">
+              <a:rPr lang="zh-CN" altLang="en-US" sz="8800" b="1" dirty="0" smtClean="0">
                 <a:solidFill>
                   <a:srgbClr val="000066"/>
                 </a:solidFill>
@@ -4292,7 +4292,7 @@
               </a:rPr>
               <a:t>證道</a:t>
             </a:r>
-            <a:endParaRPr lang="zh-TW" altLang="en-US" sz="10000" b="1" dirty="0">
+            <a:endParaRPr lang="zh-TW" altLang="en-US" sz="8800" b="1" dirty="0">
               <a:solidFill>
                 <a:srgbClr val="000066"/>
               </a:solidFill>
@@ -4319,8 +4319,8 @@
         </p:nvSpPr>
         <p:spPr>
           <a:xfrm>
-            <a:off x="0" y="4786323"/>
-            <a:ext cx="9144000" cy="838200"/>
+            <a:off x="0" y="3589742"/>
+            <a:ext cx="9144000" cy="628650"/>
           </a:xfrm>
           <a:prstGeom prst="rect">
             <a:avLst/>
@@ -4338,7 +4338,7 @@
               </a:spcBef>
             </a:pPr>
             <a:r>
-              <a:rPr lang="zh-TW" altLang="en-US" sz="6000" b="1" dirty="0" smtClean="0">
+              <a:rPr lang="zh-TW" altLang="en-US" sz="4800" b="1" dirty="0" smtClean="0">
                 <a:solidFill>
                   <a:srgbClr val="000066"/>
                 </a:solidFill>
@@ -4355,7 +4355,7 @@
               </a:rPr>
               <a:t>主任牧師</a:t>
             </a:r>
-            <a:endParaRPr lang="zh-TW" altLang="en-US" sz="6000" b="1" dirty="0">
+            <a:endParaRPr lang="zh-TW" altLang="en-US" sz="4800" b="1" dirty="0">
               <a:solidFill>
                 <a:srgbClr val="000066"/>
               </a:solidFill>
@@ -4383,8 +4383,8 @@
         </p:nvSpPr>
         <p:spPr>
           <a:xfrm>
-            <a:off x="0" y="2805115"/>
-            <a:ext cx="9144000" cy="838200"/>
+            <a:off x="0" y="2103836"/>
+            <a:ext cx="9144000" cy="628650"/>
           </a:xfrm>
           <a:prstGeom prst="rect">
             <a:avLst/>
@@ -4402,7 +4402,7 @@
               </a:spcBef>
             </a:pPr>
             <a:r>
-              <a:rPr lang="zh-CN" altLang="en-US" sz="7200" b="1" dirty="0" smtClean="0">
+              <a:rPr lang="zh-CN" altLang="en-US" sz="6000" b="1" dirty="0" smtClean="0">
                 <a:solidFill>
                   <a:srgbClr val="660033"/>
                 </a:solidFill>
@@ -4420,7 +4420,7 @@
               <a:t>主題：</a:t>
             </a:r>
             <a:r>
-              <a:rPr lang="zh-TW" altLang="en-US" sz="7200" b="1" dirty="0" smtClean="0">
+              <a:rPr lang="zh-TW" altLang="en-US" sz="6000" b="1" dirty="0" smtClean="0">
                 <a:solidFill>
                   <a:srgbClr val="660033"/>
                 </a:solidFill>
@@ -4437,7 +4437,7 @@
               </a:rPr>
               <a:t>為耶穌作見證</a:t>
             </a:r>
-            <a:endParaRPr lang="zh-TW" altLang="en-US" sz="7200" b="1" dirty="0">
+            <a:endParaRPr lang="zh-TW" altLang="en-US" sz="6000" b="1" dirty="0">
               <a:solidFill>
                 <a:srgbClr val="660033"/>
               </a:solidFill>
@@ -4499,8 +4499,8 @@
         </p:nvSpPr>
         <p:spPr>
           <a:xfrm>
-            <a:off x="0" y="1928813"/>
-            <a:ext cx="9144000" cy="838200"/>
+            <a:off x="0" y="1446610"/>
+            <a:ext cx="9144000" cy="628650"/>
           </a:xfrm>
         </p:spPr>
         <p:txBody>
@@ -4511,7 +4511,7 @@
           <a:p>
             <a:pPr algn="ctr"/>
             <a:r>
-              <a:rPr lang="zh-CN" altLang="en-US" sz="9600" b="1" dirty="0" smtClean="0">
+              <a:rPr lang="zh-CN" altLang="en-US" sz="8800" b="1" dirty="0" smtClean="0">
                 <a:solidFill>
                   <a:srgbClr val="000066"/>
                 </a:solidFill>
@@ -4527,7 +4527,7 @@
               </a:rPr>
               <a:t>回應禱告</a:t>
             </a:r>
-            <a:endParaRPr lang="zh-TW" altLang="en-US" sz="9600" b="1" dirty="0">
+            <a:endParaRPr lang="zh-TW" altLang="en-US" sz="8800" b="1" dirty="0">
               <a:solidFill>
                 <a:srgbClr val="000066"/>
               </a:solidFill>
@@ -4588,8 +4588,8 @@
         </p:nvSpPr>
         <p:spPr>
           <a:xfrm>
-            <a:off x="0" y="1928813"/>
-            <a:ext cx="9144000" cy="838200"/>
+            <a:off x="0" y="1446610"/>
+            <a:ext cx="9144000" cy="628650"/>
           </a:xfrm>
         </p:spPr>
         <p:txBody>
@@ -4600,7 +4600,7 @@
           <a:p>
             <a:pPr algn="ctr"/>
             <a:r>
-              <a:rPr lang="zh-CN" altLang="en-US" sz="9600" b="1" dirty="0">
+              <a:rPr lang="zh-CN" altLang="en-US" sz="8800" b="1" dirty="0">
                 <a:solidFill>
                   <a:srgbClr val="000066"/>
                 </a:solidFill>
@@ -4616,7 +4616,7 @@
               </a:rPr>
               <a:t>回應詩歌</a:t>
             </a:r>
-            <a:endParaRPr lang="zh-TW" altLang="en-US" sz="9600" b="1" dirty="0">
+            <a:endParaRPr lang="zh-TW" altLang="en-US" sz="8800" b="1" dirty="0">
               <a:solidFill>
                 <a:srgbClr val="000066"/>
               </a:solidFill>
@@ -4677,8 +4677,8 @@
         </p:nvSpPr>
         <p:spPr>
           <a:xfrm>
-            <a:off x="0" y="1928813"/>
-            <a:ext cx="9144000" cy="838200"/>
+            <a:off x="0" y="1446610"/>
+            <a:ext cx="9144000" cy="628650"/>
           </a:xfrm>
         </p:spPr>
         <p:txBody>
@@ -4688,7 +4688,7 @@
           <a:lstStyle/>
           <a:p>
             <a:r>
-              <a:rPr lang="zh-CN" altLang="en-US" sz="9600" b="1" dirty="0">
+              <a:rPr lang="zh-CN" altLang="en-US" sz="8800" b="1" dirty="0">
                 <a:solidFill>
                   <a:srgbClr val="000066"/>
                 </a:solidFill>
@@ -4704,7 +4704,7 @@
               </a:rPr>
               <a:t>聖餐禮</a:t>
             </a:r>
-            <a:endParaRPr lang="zh-TW" altLang="en-US" sz="9600" b="1" dirty="0">
+            <a:endParaRPr lang="zh-TW" altLang="en-US" sz="8800" b="1" dirty="0">
               <a:solidFill>
                 <a:srgbClr val="000066"/>
               </a:solidFill>
@@ -4766,8 +4766,8 @@
         </p:nvSpPr>
         <p:spPr>
           <a:xfrm>
-            <a:off x="0" y="1928813"/>
-            <a:ext cx="9144000" cy="838200"/>
+            <a:off x="0" y="1446610"/>
+            <a:ext cx="9144000" cy="628650"/>
           </a:xfrm>
         </p:spPr>
         <p:txBody>
@@ -4777,7 +4777,7 @@
           <a:lstStyle/>
           <a:p>
             <a:r>
-              <a:rPr lang="zh-CN" altLang="en-US" sz="9600" b="1" dirty="0">
+              <a:rPr lang="zh-CN" altLang="en-US" sz="8000" b="1" dirty="0">
                 <a:solidFill>
                   <a:srgbClr val="000066"/>
                 </a:solidFill>
@@ -4791,10 +4791,10 @@
                 <a:latin typeface="微軟正黑體" pitchFamily="34" charset="-120"/>
                 <a:ea typeface="微軟正黑體" pitchFamily="34" charset="-120"/>
               </a:rPr>
-              <a:t>家事</a:t>
-            </a:r>
-            <a:r>
-              <a:rPr lang="zh-CN" altLang="en-US" sz="9600" b="1" dirty="0">
+              <a:t>家事分享</a:t>
+            </a:r>
+            <a:r>
+              <a:rPr lang="en-US" altLang="zh-CN" sz="8000" b="1" dirty="0">
                 <a:solidFill>
                   <a:srgbClr val="000066"/>
                 </a:solidFill>
@@ -4808,10 +4808,10 @@
                 <a:latin typeface="微軟正黑體" pitchFamily="34" charset="-120"/>
                 <a:ea typeface="微軟正黑體" pitchFamily="34" charset="-120"/>
               </a:rPr>
-              <a:t>分享</a:t>
-            </a:r>
-            <a:r>
-              <a:rPr lang="en-US" altLang="zh-CN" sz="9600" b="1" dirty="0">
+              <a:t/>
+            </a:r>
+            <a:br>
+              <a:rPr lang="en-US" altLang="zh-CN" sz="8000" b="1" dirty="0">
                 <a:solidFill>
                   <a:srgbClr val="000066"/>
                 </a:solidFill>
@@ -4825,10 +4825,9 @@
                 <a:latin typeface="微軟正黑體" pitchFamily="34" charset="-120"/>
                 <a:ea typeface="微軟正黑體" pitchFamily="34" charset="-120"/>
               </a:rPr>
-              <a:t/>
-            </a:r>
-            <a:br>
-              <a:rPr lang="en-US" altLang="zh-CN" sz="9600" b="1" dirty="0">
+            </a:br>
+            <a:r>
+              <a:rPr lang="zh-CN" altLang="en-US" sz="8000" b="1" dirty="0">
                 <a:solidFill>
                   <a:srgbClr val="000066"/>
                 </a:solidFill>
@@ -4842,42 +4841,9 @@
                 <a:latin typeface="微軟正黑體" pitchFamily="34" charset="-120"/>
                 <a:ea typeface="微軟正黑體" pitchFamily="34" charset="-120"/>
               </a:rPr>
-            </a:br>
-            <a:r>
-              <a:rPr lang="zh-CN" altLang="en-US" sz="9600" b="1" dirty="0">
-                <a:solidFill>
-                  <a:srgbClr val="000066"/>
-                </a:solidFill>
-                <a:effectLst>
-                  <a:outerShdw blurRad="38100" dist="38100" dir="2700000" algn="tl">
-                    <a:srgbClr val="000000">
-                      <a:alpha val="43137"/>
-                    </a:srgbClr>
-                  </a:outerShdw>
-                </a:effectLst>
-                <a:latin typeface="微軟正黑體" pitchFamily="34" charset="-120"/>
-                <a:ea typeface="微軟正黑體" pitchFamily="34" charset="-120"/>
-              </a:rPr>
-              <a:t>代</a:t>
-            </a:r>
-            <a:r>
-              <a:rPr lang="zh-CN" altLang="en-US" sz="9600" b="1" dirty="0">
-                <a:solidFill>
-                  <a:srgbClr val="000066"/>
-                </a:solidFill>
-                <a:effectLst>
-                  <a:outerShdw blurRad="38100" dist="38100" dir="2700000" algn="tl">
-                    <a:srgbClr val="000000">
-                      <a:alpha val="43137"/>
-                    </a:srgbClr>
-                  </a:outerShdw>
-                </a:effectLst>
-                <a:latin typeface="微軟正黑體" pitchFamily="34" charset="-120"/>
-                <a:ea typeface="微軟正黑體" pitchFamily="34" charset="-120"/>
-              </a:rPr>
-              <a:t>禱</a:t>
-            </a:r>
-            <a:endParaRPr lang="zh-TW" altLang="en-US" sz="9600" b="1" dirty="0">
+              <a:t>代禱</a:t>
+            </a:r>
+            <a:endParaRPr lang="zh-TW" altLang="en-US" sz="8000" b="1" dirty="0">
               <a:solidFill>
                 <a:srgbClr val="000066"/>
               </a:solidFill>
@@ -4938,8 +4904,8 @@
         </p:nvSpPr>
         <p:spPr>
           <a:xfrm>
-            <a:off x="0" y="376223"/>
-            <a:ext cx="8991600" cy="838200"/>
+            <a:off x="0" y="300026"/>
+            <a:ext cx="8991600" cy="628650"/>
           </a:xfrm>
         </p:spPr>
         <p:txBody>
@@ -4980,8 +4946,8 @@
         </p:nvSpPr>
         <p:spPr>
           <a:xfrm>
-            <a:off x="0" y="1600201"/>
-            <a:ext cx="9144000" cy="4525963"/>
+            <a:off x="0" y="1285866"/>
+            <a:ext cx="9144000" cy="3857634"/>
           </a:xfrm>
         </p:spPr>
         <p:txBody>
@@ -4994,7 +4960,7 @@
               <a:buNone/>
             </a:pPr>
             <a:r>
-              <a:rPr lang="zh-CN" altLang="en-US" sz="6600" b="1" dirty="0" smtClean="0">
+              <a:rPr lang="zh-CN" altLang="en-US" sz="4800" b="1" dirty="0" smtClean="0">
                 <a:solidFill>
                   <a:srgbClr val="000066"/>
                 </a:solidFill>
@@ -5011,7 +4977,7 @@
               </a:rPr>
               <a:t>讚美天父愛世慈仁</a:t>
             </a:r>
-            <a:endParaRPr lang="en-US" altLang="zh-CN" sz="6600" b="1" dirty="0" smtClean="0">
+            <a:endParaRPr lang="en-US" altLang="zh-CN" sz="4800" b="1" dirty="0" smtClean="0">
               <a:solidFill>
                 <a:srgbClr val="000066"/>
               </a:solidFill>
@@ -5032,7 +4998,7 @@
               <a:buNone/>
             </a:pPr>
             <a:r>
-              <a:rPr lang="zh-CN" altLang="en-US" sz="6600" b="1" dirty="0" smtClean="0">
+              <a:rPr lang="zh-CN" altLang="en-US" sz="4800" b="1" dirty="0" smtClean="0">
                 <a:solidFill>
                   <a:srgbClr val="000066"/>
                 </a:solidFill>
@@ -5049,7 +5015,7 @@
               </a:rPr>
               <a:t>讚美耶穌代贖洪恩</a:t>
             </a:r>
-            <a:endParaRPr lang="en-US" altLang="zh-CN" sz="6600" b="1" dirty="0" smtClean="0">
+            <a:endParaRPr lang="en-US" altLang="zh-CN" sz="4800" b="1" dirty="0" smtClean="0">
               <a:solidFill>
                 <a:srgbClr val="000066"/>
               </a:solidFill>
@@ -5070,7 +5036,7 @@
               <a:buNone/>
             </a:pPr>
             <a:r>
-              <a:rPr lang="zh-CN" altLang="en-US" sz="6600" b="1" dirty="0" smtClean="0">
+              <a:rPr lang="zh-CN" altLang="en-US" sz="4800" b="1" dirty="0" smtClean="0">
                 <a:solidFill>
                   <a:srgbClr val="000066"/>
                 </a:solidFill>
@@ -5087,7 +5053,7 @@
               </a:rPr>
               <a:t>讚美聖靈開我茅塞</a:t>
             </a:r>
-            <a:endParaRPr lang="en-US" altLang="zh-CN" sz="6600" b="1" dirty="0" smtClean="0">
+            <a:endParaRPr lang="en-US" altLang="zh-CN" sz="4800" b="1" dirty="0" smtClean="0">
               <a:solidFill>
                 <a:srgbClr val="000066"/>
               </a:solidFill>
@@ -5108,7 +5074,7 @@
               <a:buNone/>
             </a:pPr>
             <a:r>
-              <a:rPr lang="zh-CN" altLang="en-US" sz="6600" b="1" dirty="0" smtClean="0">
+              <a:rPr lang="zh-CN" altLang="en-US" sz="4800" b="1" dirty="0" smtClean="0">
                 <a:solidFill>
                   <a:srgbClr val="000066"/>
                 </a:solidFill>
@@ -5125,7 +5091,7 @@
               </a:rPr>
               <a:t>讚美三位合一真神</a:t>
             </a:r>
-            <a:endParaRPr lang="zh-TW" altLang="en-US" sz="6600" b="1" dirty="0">
+            <a:endParaRPr lang="zh-TW" altLang="en-US" sz="4800" b="1" dirty="0">
               <a:solidFill>
                 <a:srgbClr val="000066"/>
               </a:solidFill>
@@ -5187,8 +5153,8 @@
         </p:nvSpPr>
         <p:spPr>
           <a:xfrm>
-            <a:off x="0" y="0"/>
-            <a:ext cx="8991600" cy="838200"/>
+            <a:off x="0" y="85712"/>
+            <a:ext cx="8991600" cy="628650"/>
           </a:xfrm>
         </p:spPr>
         <p:txBody>
@@ -5229,8 +5195,8 @@
         </p:nvSpPr>
         <p:spPr>
           <a:xfrm>
-            <a:off x="0" y="1047733"/>
-            <a:ext cx="9144000" cy="5810291"/>
+            <a:off x="0" y="785800"/>
+            <a:ext cx="9144000" cy="4357718"/>
           </a:xfrm>
         </p:spPr>
         <p:txBody>
@@ -5243,7 +5209,7 @@
               <a:buNone/>
             </a:pPr>
             <a:r>
-              <a:rPr lang="zh-CN" altLang="en-US" sz="6000" b="1" dirty="0" smtClean="0">
+              <a:rPr lang="zh-CN" altLang="en-US" sz="4800" b="1" dirty="0" smtClean="0">
                 <a:solidFill>
                   <a:srgbClr val="000066"/>
                 </a:solidFill>
@@ -5259,7 +5225,7 @@
               </a:rPr>
               <a:t>我們在天上的父</a:t>
             </a:r>
-            <a:endParaRPr lang="en-US" altLang="zh-CN" sz="6000" b="1" dirty="0" smtClean="0">
+            <a:endParaRPr lang="en-US" altLang="zh-CN" sz="4800" b="1" dirty="0" smtClean="0">
               <a:solidFill>
                 <a:srgbClr val="000066"/>
               </a:solidFill>
@@ -5279,7 +5245,7 @@
               <a:buNone/>
             </a:pPr>
             <a:r>
-              <a:rPr lang="zh-CN" altLang="en-US" sz="6000" b="1" dirty="0" smtClean="0">
+              <a:rPr lang="zh-CN" altLang="en-US" sz="4800" b="1" dirty="0" smtClean="0">
                 <a:solidFill>
                   <a:srgbClr val="000066"/>
                 </a:solidFill>
@@ -5295,7 +5261,7 @@
               </a:rPr>
               <a:t>願人都尊袮的名為聖</a:t>
             </a:r>
-            <a:endParaRPr lang="en-US" altLang="zh-CN" sz="6000" b="1" dirty="0" smtClean="0">
+            <a:endParaRPr lang="en-US" altLang="zh-CN" sz="4800" b="1" dirty="0" smtClean="0">
               <a:solidFill>
                 <a:srgbClr val="000066"/>
               </a:solidFill>
@@ -5315,7 +5281,7 @@
               <a:buNone/>
             </a:pPr>
             <a:r>
-              <a:rPr lang="zh-CN" altLang="en-US" sz="6000" b="1" dirty="0" smtClean="0">
+              <a:rPr lang="zh-CN" altLang="en-US" sz="4800" b="1" dirty="0" smtClean="0">
                 <a:solidFill>
                   <a:srgbClr val="000066"/>
                 </a:solidFill>
@@ -5331,7 +5297,7 @@
               </a:rPr>
               <a:t>願父的國降臨</a:t>
             </a:r>
-            <a:endParaRPr lang="en-US" altLang="zh-CN" sz="6000" b="1" dirty="0" smtClean="0">
+            <a:endParaRPr lang="en-US" altLang="zh-CN" sz="4800" b="1" dirty="0" smtClean="0">
               <a:solidFill>
                 <a:srgbClr val="000066"/>
               </a:solidFill>
@@ -5351,7 +5317,7 @@
               <a:buNone/>
             </a:pPr>
             <a:r>
-              <a:rPr lang="zh-CN" altLang="en-US" sz="6000" b="1" dirty="0" smtClean="0">
+              <a:rPr lang="zh-CN" altLang="en-US" sz="4800" b="1" dirty="0" smtClean="0">
                 <a:solidFill>
                   <a:srgbClr val="000066"/>
                 </a:solidFill>
@@ -5367,7 +5333,7 @@
               </a:rPr>
               <a:t>願父的旨意行在地上</a:t>
             </a:r>
-            <a:endParaRPr lang="en-US" altLang="zh-CN" sz="6000" b="1" dirty="0" smtClean="0">
+            <a:endParaRPr lang="en-US" altLang="zh-CN" sz="4800" b="1" dirty="0" smtClean="0">
               <a:solidFill>
                 <a:srgbClr val="000066"/>
               </a:solidFill>
@@ -5387,7 +5353,7 @@
               <a:buNone/>
             </a:pPr>
             <a:r>
-              <a:rPr lang="zh-CN" altLang="en-US" sz="6000" b="1" dirty="0" smtClean="0">
+              <a:rPr lang="zh-CN" altLang="en-US" sz="4800" b="1" dirty="0" smtClean="0">
                 <a:solidFill>
                   <a:srgbClr val="000066"/>
                 </a:solidFill>
@@ -5403,7 +5369,7 @@
               </a:rPr>
               <a:t>如同行在天上</a:t>
             </a:r>
-            <a:endParaRPr lang="zh-TW" altLang="en-US" sz="6000" b="1" dirty="0">
+            <a:endParaRPr lang="zh-TW" altLang="en-US" sz="4800" b="1" dirty="0">
               <a:solidFill>
                 <a:srgbClr val="000066"/>
               </a:solidFill>
@@ -5464,8 +5430,8 @@
         </p:nvSpPr>
         <p:spPr>
           <a:xfrm>
-            <a:off x="0" y="0"/>
-            <a:ext cx="8991600" cy="838200"/>
+            <a:off x="0" y="85712"/>
+            <a:ext cx="8991600" cy="628650"/>
           </a:xfrm>
         </p:spPr>
         <p:txBody>
@@ -5506,8 +5472,8 @@
         </p:nvSpPr>
         <p:spPr>
           <a:xfrm>
-            <a:off x="0" y="1214421"/>
-            <a:ext cx="9144000" cy="5643603"/>
+            <a:off x="0" y="1142990"/>
+            <a:ext cx="9144000" cy="4000528"/>
           </a:xfrm>
         </p:spPr>
         <p:txBody>
@@ -5520,7 +5486,7 @@
               <a:buNone/>
             </a:pPr>
             <a:r>
-              <a:rPr lang="zh-CN" altLang="en-US" sz="6000" b="1" dirty="0" smtClean="0">
+              <a:rPr lang="zh-CN" altLang="en-US" sz="4800" b="1" dirty="0" smtClean="0">
                 <a:solidFill>
                   <a:srgbClr val="000066"/>
                 </a:solidFill>
@@ -5536,7 +5502,7 @@
               </a:rPr>
               <a:t>我們日用的飲食</a:t>
             </a:r>
-            <a:endParaRPr lang="en-US" altLang="zh-CN" sz="6000" b="1" dirty="0" smtClean="0">
+            <a:endParaRPr lang="en-US" altLang="zh-CN" sz="4800" b="1" dirty="0" smtClean="0">
               <a:solidFill>
                 <a:srgbClr val="000066"/>
               </a:solidFill>
@@ -5556,7 +5522,7 @@
               <a:buNone/>
             </a:pPr>
             <a:r>
-              <a:rPr lang="zh-CN" altLang="en-US" sz="6000" b="1" dirty="0" smtClean="0">
+              <a:rPr lang="zh-CN" altLang="en-US" sz="4800" b="1" dirty="0" smtClean="0">
                 <a:solidFill>
                   <a:srgbClr val="000066"/>
                 </a:solidFill>
@@ -5572,7 +5538,7 @@
               </a:rPr>
               <a:t>今日賜給我們</a:t>
             </a:r>
-            <a:endParaRPr lang="en-US" altLang="zh-CN" sz="6000" b="1" dirty="0" smtClean="0">
+            <a:endParaRPr lang="en-US" altLang="zh-CN" sz="4800" b="1" dirty="0" smtClean="0">
               <a:solidFill>
                 <a:srgbClr val="000066"/>
               </a:solidFill>
@@ -5592,7 +5558,7 @@
               <a:buNone/>
             </a:pPr>
             <a:r>
-              <a:rPr lang="zh-CN" altLang="en-US" sz="6000" b="1" dirty="0" smtClean="0">
+              <a:rPr lang="zh-CN" altLang="en-US" sz="4800" b="1" dirty="0" smtClean="0">
                 <a:solidFill>
                   <a:srgbClr val="000066"/>
                 </a:solidFill>
@@ -5608,7 +5574,7 @@
               </a:rPr>
               <a:t>免我們的債</a:t>
             </a:r>
-            <a:endParaRPr lang="en-US" altLang="zh-CN" sz="6000" b="1" dirty="0" smtClean="0">
+            <a:endParaRPr lang="en-US" altLang="zh-CN" sz="4800" b="1" dirty="0" smtClean="0">
               <a:solidFill>
                 <a:srgbClr val="000066"/>
               </a:solidFill>
@@ -5628,7 +5594,7 @@
               <a:buNone/>
             </a:pPr>
             <a:r>
-              <a:rPr lang="zh-CN" altLang="en-US" sz="6000" b="1" dirty="0" smtClean="0">
+              <a:rPr lang="zh-CN" altLang="en-US" sz="4800" b="1" dirty="0" smtClean="0">
                 <a:solidFill>
                   <a:srgbClr val="000066"/>
                 </a:solidFill>
@@ -5644,7 +5610,7 @@
               </a:rPr>
               <a:t>如同我們免了人的債</a:t>
             </a:r>
-            <a:endParaRPr lang="zh-TW" altLang="en-US" sz="6000" b="1" dirty="0" smtClean="0">
+            <a:endParaRPr lang="zh-TW" altLang="en-US" sz="4800" b="1" dirty="0" smtClean="0">
               <a:solidFill>
                 <a:srgbClr val="000066"/>
               </a:solidFill>
@@ -5705,8 +5671,8 @@
         </p:nvSpPr>
         <p:spPr>
           <a:xfrm>
-            <a:off x="0" y="1928813"/>
-            <a:ext cx="9144000" cy="1285875"/>
+            <a:off x="0" y="1446610"/>
+            <a:ext cx="9144000" cy="964406"/>
           </a:xfrm>
         </p:spPr>
         <p:txBody>
@@ -5716,7 +5682,7 @@
           <a:lstStyle/>
           <a:p>
             <a:r>
-              <a:rPr lang="zh-CN" altLang="en-US" sz="9600" b="1" dirty="0">
+              <a:rPr lang="zh-CN" altLang="en-US" sz="7200" b="1" dirty="0">
                 <a:solidFill>
                   <a:srgbClr val="000066"/>
                 </a:solidFill>
@@ -5730,10 +5696,10 @@
                 <a:latin typeface="微軟正黑體" pitchFamily="34" charset="-120"/>
                 <a:ea typeface="微軟正黑體" pitchFamily="34" charset="-120"/>
               </a:rPr>
-              <a:t>本堂牧師</a:t>
-            </a:r>
-            <a:r>
-              <a:rPr lang="en-US" altLang="zh-CN" sz="9600" b="1" dirty="0">
+              <a:t>本堂</a:t>
+            </a:r>
+            <a:r>
+              <a:rPr lang="zh-CN" altLang="en-US" sz="7200" b="1" dirty="0" smtClean="0">
                 <a:solidFill>
                   <a:srgbClr val="000066"/>
                 </a:solidFill>
@@ -5747,10 +5713,10 @@
                 <a:latin typeface="微軟正黑體" pitchFamily="34" charset="-120"/>
                 <a:ea typeface="微軟正黑體" pitchFamily="34" charset="-120"/>
               </a:rPr>
-              <a:t/>
-            </a:r>
-            <a:br>
-              <a:rPr lang="en-US" altLang="zh-CN" sz="9600" b="1" dirty="0">
+              <a:t>牧師領</a:t>
+            </a:r>
+            <a:r>
+              <a:rPr lang="zh-CN" altLang="en-US" sz="7200" b="1" dirty="0">
                 <a:solidFill>
                   <a:srgbClr val="000066"/>
                 </a:solidFill>
@@ -5764,25 +5730,9 @@
                 <a:latin typeface="微軟正黑體" pitchFamily="34" charset="-120"/>
                 <a:ea typeface="微軟正黑體" pitchFamily="34" charset="-120"/>
               </a:rPr>
-            </a:br>
-            <a:r>
-              <a:rPr lang="zh-CN" altLang="en-US" sz="9600" b="1" dirty="0">
-                <a:solidFill>
-                  <a:srgbClr val="000066"/>
-                </a:solidFill>
-                <a:effectLst>
-                  <a:outerShdw blurRad="38100" dist="38100" dir="2700000" algn="tl">
-                    <a:srgbClr val="000000">
-                      <a:alpha val="43137"/>
-                    </a:srgbClr>
-                  </a:outerShdw>
-                </a:effectLst>
-                <a:latin typeface="微軟正黑體" pitchFamily="34" charset="-120"/>
-                <a:ea typeface="微軟正黑體" pitchFamily="34" charset="-120"/>
-              </a:rPr>
-              <a:t>領詩班進堂</a:t>
-            </a:r>
-            <a:endParaRPr lang="zh-TW" altLang="en-US" sz="9600" b="1" dirty="0">
+              <a:t>詩班進堂</a:t>
+            </a:r>
+            <a:endParaRPr lang="zh-TW" altLang="en-US" sz="7200" b="1" dirty="0">
               <a:solidFill>
                 <a:srgbClr val="000066"/>
               </a:solidFill>
@@ -5843,8 +5793,8 @@
         </p:nvSpPr>
         <p:spPr>
           <a:xfrm>
-            <a:off x="0" y="0"/>
-            <a:ext cx="8991600" cy="838200"/>
+            <a:off x="0" y="85712"/>
+            <a:ext cx="8991600" cy="628650"/>
           </a:xfrm>
         </p:spPr>
         <p:txBody>
@@ -5885,8 +5835,8 @@
         </p:nvSpPr>
         <p:spPr>
           <a:xfrm>
-            <a:off x="0" y="1047733"/>
-            <a:ext cx="9144000" cy="5810291"/>
+            <a:off x="0" y="1071552"/>
+            <a:ext cx="9144000" cy="4071966"/>
           </a:xfrm>
         </p:spPr>
         <p:txBody>
@@ -5899,7 +5849,7 @@
               <a:buNone/>
             </a:pPr>
             <a:r>
-              <a:rPr lang="zh-CN" altLang="en-US" sz="6000" b="1" dirty="0" smtClean="0">
+              <a:rPr lang="zh-CN" altLang="en-US" sz="4800" b="1" dirty="0" smtClean="0">
                 <a:solidFill>
                   <a:srgbClr val="000066"/>
                 </a:solidFill>
@@ -5915,7 +5865,7 @@
               </a:rPr>
               <a:t>不叫我們遇見試探</a:t>
             </a:r>
-            <a:endParaRPr lang="en-US" altLang="zh-CN" sz="6000" b="1" dirty="0" smtClean="0">
+            <a:endParaRPr lang="en-US" altLang="zh-CN" sz="4800" b="1" dirty="0" smtClean="0">
               <a:solidFill>
                 <a:srgbClr val="000066"/>
               </a:solidFill>
@@ -5935,7 +5885,7 @@
               <a:buNone/>
             </a:pPr>
             <a:r>
-              <a:rPr lang="zh-CN" altLang="en-US" sz="6000" b="1" dirty="0" smtClean="0">
+              <a:rPr lang="zh-CN" altLang="en-US" sz="4800" b="1" dirty="0" smtClean="0">
                 <a:solidFill>
                   <a:srgbClr val="000066"/>
                 </a:solidFill>
@@ -5951,7 +5901,7 @@
               </a:rPr>
               <a:t>救我們脫離兇惡</a:t>
             </a:r>
-            <a:endParaRPr lang="en-US" altLang="zh-CN" sz="6000" b="1" dirty="0" smtClean="0">
+            <a:endParaRPr lang="en-US" altLang="zh-CN" sz="4800" b="1" dirty="0" smtClean="0">
               <a:solidFill>
                 <a:srgbClr val="000066"/>
               </a:solidFill>
@@ -5971,7 +5921,7 @@
               <a:buNone/>
             </a:pPr>
             <a:r>
-              <a:rPr lang="zh-CN" altLang="en-US" sz="6000" b="1" dirty="0" smtClean="0">
+              <a:rPr lang="zh-CN" altLang="en-US" sz="4800" b="1" dirty="0" smtClean="0">
                 <a:solidFill>
                   <a:srgbClr val="000066"/>
                 </a:solidFill>
@@ -5987,7 +5937,7 @@
               </a:rPr>
               <a:t>因為國度 權柄 榮耀</a:t>
             </a:r>
-            <a:endParaRPr lang="en-US" altLang="zh-CN" sz="6000" b="1" dirty="0" smtClean="0">
+            <a:endParaRPr lang="en-US" altLang="zh-CN" sz="4800" b="1" dirty="0" smtClean="0">
               <a:solidFill>
                 <a:srgbClr val="000066"/>
               </a:solidFill>
@@ -6007,7 +5957,7 @@
               <a:buNone/>
             </a:pPr>
             <a:r>
-              <a:rPr lang="zh-CN" altLang="en-US" sz="6000" b="1" dirty="0" smtClean="0">
+              <a:rPr lang="zh-CN" altLang="en-US" sz="4800" b="1" dirty="0" smtClean="0">
                 <a:solidFill>
                   <a:srgbClr val="000066"/>
                 </a:solidFill>
@@ -6023,27 +5973,8 @@
               </a:rPr>
               <a:t>全是父的 直到永遠</a:t>
             </a:r>
-            <a:endParaRPr lang="en-US" altLang="zh-CN" sz="6000" b="1" dirty="0" smtClean="0">
-              <a:solidFill>
-                <a:srgbClr val="000066"/>
-              </a:solidFill>
-              <a:effectLst>
-                <a:outerShdw blurRad="50000" dist="30000" dir="5400000" algn="tl" rotWithShape="0">
-                  <a:srgbClr val="000000">
-                    <a:alpha val="30000"/>
-                  </a:srgbClr>
-                </a:outerShdw>
-              </a:effectLst>
-              <a:latin typeface="微軟正黑體" pitchFamily="34" charset="-120"/>
-              <a:ea typeface="微軟正黑體" pitchFamily="34" charset="-120"/>
-            </a:endParaRPr>
-          </a:p>
-          <a:p>
-            <a:pPr algn="ctr">
-              <a:buNone/>
-            </a:pPr>
-            <a:r>
-              <a:rPr lang="zh-CN" altLang="en-US" sz="6000" b="1" dirty="0" smtClean="0">
+            <a:r>
+              <a:rPr lang="en-US" altLang="zh-CN" sz="4800" b="1" dirty="0" smtClean="0">
                 <a:solidFill>
                   <a:srgbClr val="000066"/>
                 </a:solidFill>
@@ -6057,9 +5988,26 @@
                 <a:latin typeface="微軟正黑體" pitchFamily="34" charset="-120"/>
                 <a:ea typeface="微軟正黑體" pitchFamily="34" charset="-120"/>
               </a:rPr>
+              <a:t>  </a:t>
+            </a:r>
+            <a:r>
+              <a:rPr lang="zh-CN" altLang="en-US" sz="4800" b="1" dirty="0" smtClean="0">
+                <a:solidFill>
+                  <a:srgbClr val="000066"/>
+                </a:solidFill>
+                <a:effectLst>
+                  <a:outerShdw blurRad="50000" dist="30000" dir="5400000" algn="tl" rotWithShape="0">
+                    <a:srgbClr val="000000">
+                      <a:alpha val="30000"/>
+                    </a:srgbClr>
+                  </a:outerShdw>
+                </a:effectLst>
+                <a:latin typeface="微軟正黑體" pitchFamily="34" charset="-120"/>
+                <a:ea typeface="微軟正黑體" pitchFamily="34" charset="-120"/>
+              </a:rPr>
               <a:t>阿門</a:t>
             </a:r>
-            <a:endParaRPr lang="zh-TW" altLang="en-US" sz="6000" b="1" dirty="0" smtClean="0">
+            <a:endParaRPr lang="zh-TW" altLang="en-US" sz="4800" b="1" dirty="0" smtClean="0">
               <a:solidFill>
                 <a:srgbClr val="000066"/>
               </a:solidFill>
@@ -6120,8 +6068,8 @@
         </p:nvSpPr>
         <p:spPr>
           <a:xfrm>
-            <a:off x="0" y="1928813"/>
-            <a:ext cx="9144000" cy="838200"/>
+            <a:off x="0" y="1446610"/>
+            <a:ext cx="9144000" cy="628650"/>
           </a:xfrm>
         </p:spPr>
         <p:txBody>
@@ -6132,7 +6080,7 @@
           <a:p>
             <a:pPr algn="ctr"/>
             <a:r>
-              <a:rPr lang="zh-CN" altLang="en-US" sz="9600" b="1" dirty="0" smtClean="0">
+              <a:rPr lang="zh-CN" altLang="en-US" sz="8800" b="1" dirty="0" smtClean="0">
                 <a:solidFill>
                   <a:srgbClr val="000066"/>
                 </a:solidFill>
@@ -6148,7 +6096,7 @@
               </a:rPr>
               <a:t>祝福</a:t>
             </a:r>
-            <a:endParaRPr lang="zh-TW" altLang="en-US" sz="9600" b="1" dirty="0">
+            <a:endParaRPr lang="zh-TW" altLang="en-US" sz="8800" b="1" dirty="0">
               <a:solidFill>
                 <a:srgbClr val="000066"/>
               </a:solidFill>
@@ -6173,8 +6121,8 @@
         </p:nvSpPr>
         <p:spPr>
           <a:xfrm>
-            <a:off x="0" y="3214688"/>
-            <a:ext cx="9144000" cy="1200329"/>
+            <a:off x="0" y="2514429"/>
+            <a:ext cx="9144000" cy="1107996"/>
           </a:xfrm>
           <a:prstGeom prst="rect">
             <a:avLst/>
@@ -6188,7 +6136,7 @@
           <a:p>
             <a:pPr algn="ctr"/>
             <a:r>
-              <a:rPr lang="en-US" altLang="zh-CN" sz="7200" b="1" dirty="0" smtClean="0">
+              <a:rPr lang="en-US" altLang="zh-CN" sz="6600" b="1" dirty="0" smtClean="0">
                 <a:solidFill>
                   <a:srgbClr val="660033"/>
                 </a:solidFill>
@@ -6206,7 +6154,7 @@
               <a:t>(</a:t>
             </a:r>
             <a:r>
-              <a:rPr lang="zh-CN" altLang="en-US" sz="7200" b="1" dirty="0" smtClean="0">
+              <a:rPr lang="zh-CN" altLang="en-US" sz="6600" b="1" dirty="0" smtClean="0">
                 <a:solidFill>
                   <a:srgbClr val="660033"/>
                 </a:solidFill>
@@ -6224,7 +6172,7 @@
               <a:t>主禮牧師</a:t>
             </a:r>
             <a:r>
-              <a:rPr lang="en-US" altLang="zh-CN" sz="7200" b="1" dirty="0" smtClean="0">
+              <a:rPr lang="en-US" altLang="zh-CN" sz="6600" b="1" dirty="0" smtClean="0">
                 <a:solidFill>
                   <a:srgbClr val="660033"/>
                 </a:solidFill>
@@ -6241,7 +6189,7 @@
               </a:rPr>
               <a:t>)</a:t>
             </a:r>
-            <a:endParaRPr lang="zh-TW" altLang="en-US" sz="7200" b="1" dirty="0" smtClean="0">
+            <a:endParaRPr lang="zh-TW" altLang="en-US" sz="6600" b="1" dirty="0" smtClean="0">
               <a:solidFill>
                 <a:srgbClr val="660033"/>
               </a:solidFill>
@@ -6299,8 +6247,8 @@
         </p:nvSpPr>
         <p:spPr>
           <a:xfrm>
-            <a:off x="0" y="285729"/>
-            <a:ext cx="9144000" cy="1569660"/>
+            <a:off x="0" y="214297"/>
+            <a:ext cx="9144000" cy="1323439"/>
           </a:xfrm>
           <a:prstGeom prst="rect">
             <a:avLst/>
@@ -6314,7 +6262,7 @@
           <a:p>
             <a:pPr algn="ctr"/>
             <a:r>
-              <a:rPr lang="zh-CN" altLang="en-US" sz="9600" b="1" dirty="0" smtClean="0">
+              <a:rPr lang="zh-CN" altLang="en-US" sz="8000" b="1" dirty="0" smtClean="0">
                 <a:solidFill>
                   <a:srgbClr val="000066"/>
                 </a:solidFill>
@@ -6331,7 +6279,7 @@
               </a:rPr>
               <a:t>聚會祝福歌</a:t>
             </a:r>
-            <a:endParaRPr lang="zh-TW" altLang="en-US" sz="9600" b="1" dirty="0" smtClean="0">
+            <a:endParaRPr lang="zh-TW" altLang="en-US" sz="8000" b="1" dirty="0" smtClean="0">
               <a:solidFill>
                 <a:srgbClr val="000066"/>
               </a:solidFill>
@@ -6359,8 +6307,8 @@
         </p:nvSpPr>
         <p:spPr>
           <a:xfrm>
-            <a:off x="0" y="2786070"/>
-            <a:ext cx="9144000" cy="1285873"/>
+            <a:off x="0" y="2143122"/>
+            <a:ext cx="9144000" cy="964405"/>
           </a:xfrm>
           <a:prstGeom prst="rect">
             <a:avLst/>
@@ -6390,7 +6338,7 @@
               <a:defRPr/>
             </a:pPr>
             <a:r>
-              <a:rPr kumimoji="0" lang="zh-CN" altLang="en-US" sz="8800" b="1" i="0" u="none" strike="noStrike" kern="1200" cap="none" spc="0" normalizeH="0" baseline="0" noProof="0" dirty="0" smtClean="0">
+              <a:rPr kumimoji="0" lang="zh-CN" altLang="en-US" sz="7200" b="1" i="0" u="none" strike="noStrike" kern="1200" cap="none" spc="0" normalizeH="0" baseline="0" noProof="0" dirty="0" smtClean="0">
                 <a:ln>
                   <a:noFill/>
                 </a:ln>
@@ -6412,7 +6360,7 @@
               </a:rPr>
               <a:t>本堂牧師</a:t>
             </a:r>
-            <a:endParaRPr kumimoji="0" lang="en-US" altLang="zh-CN" sz="8800" b="1" i="0" u="none" strike="noStrike" kern="1200" cap="none" spc="0" normalizeH="0" baseline="0" noProof="0" dirty="0" smtClean="0">
+            <a:endParaRPr kumimoji="0" lang="en-US" altLang="zh-CN" sz="7200" b="1" i="0" u="none" strike="noStrike" kern="1200" cap="none" spc="0" normalizeH="0" baseline="0" noProof="0" dirty="0" smtClean="0">
               <a:ln>
                 <a:noFill/>
               </a:ln>
@@ -6452,7 +6400,7 @@
               <a:defRPr/>
             </a:pPr>
             <a:r>
-              <a:rPr kumimoji="0" lang="zh-CN" altLang="en-US" sz="8800" b="1" i="0" u="none" strike="noStrike" kern="1200" cap="none" spc="0" normalizeH="0" baseline="0" noProof="0" dirty="0" smtClean="0">
+              <a:rPr kumimoji="0" lang="zh-CN" altLang="en-US" sz="7200" b="1" i="0" u="none" strike="noStrike" kern="1200" cap="none" spc="0" normalizeH="0" baseline="0" noProof="0" dirty="0" smtClean="0">
                 <a:ln>
                   <a:noFill/>
                 </a:ln>
@@ -6474,7 +6422,7 @@
               </a:rPr>
               <a:t>領詩班退堂</a:t>
             </a:r>
-            <a:endParaRPr kumimoji="0" lang="zh-TW" altLang="en-US" sz="8800" b="1" i="0" u="none" strike="noStrike" kern="1200" cap="none" spc="0" normalizeH="0" baseline="0" noProof="0" dirty="0">
+            <a:endParaRPr kumimoji="0" lang="zh-TW" altLang="en-US" sz="7200" b="1" i="0" u="none" strike="noStrike" kern="1200" cap="none" spc="0" normalizeH="0" baseline="0" noProof="0" dirty="0">
               <a:ln>
                 <a:noFill/>
               </a:ln>
@@ -6502,6 +6450,13 @@
   <p:clrMapOvr>
     <a:masterClrMapping/>
   </p:clrMapOvr>
+  <p:timing>
+    <p:tnLst>
+      <p:par>
+        <p:cTn id="1" dur="indefinite" restart="never" nodeType="tmRoot"/>
+      </p:par>
+    </p:tnLst>
+  </p:timing>
 </p:sld>
 </file>
 
@@ -6534,8 +6489,8 @@
         </p:nvSpPr>
         <p:spPr>
           <a:xfrm>
-            <a:off x="0" y="376223"/>
-            <a:ext cx="8991600" cy="838200"/>
+            <a:off x="0" y="282167"/>
+            <a:ext cx="8991600" cy="628650"/>
           </a:xfrm>
         </p:spPr>
         <p:txBody>
@@ -6545,7 +6500,7 @@
           <a:lstStyle/>
           <a:p>
             <a:r>
-              <a:rPr lang="zh-CN" altLang="en-US" sz="4800" b="1" dirty="0" smtClean="0">
+              <a:rPr lang="zh-CN" altLang="en-US" b="1" dirty="0" smtClean="0">
                 <a:solidFill>
                   <a:srgbClr val="660033"/>
                 </a:solidFill>
@@ -6554,7 +6509,7 @@
               </a:rPr>
               <a:t>主的愛</a:t>
             </a:r>
-            <a:endParaRPr lang="zh-TW" altLang="en-US" sz="4800" b="1" dirty="0">
+            <a:endParaRPr lang="zh-TW" altLang="en-US" b="1" dirty="0">
               <a:solidFill>
                 <a:srgbClr val="660033"/>
               </a:solidFill>
@@ -6576,8 +6531,8 @@
         </p:nvSpPr>
         <p:spPr>
           <a:xfrm>
-            <a:off x="0" y="1447800"/>
-            <a:ext cx="9144000" cy="4800600"/>
+            <a:off x="0" y="1085850"/>
+            <a:ext cx="9144000" cy="3600450"/>
           </a:xfrm>
         </p:spPr>
         <p:txBody>
@@ -6590,7 +6545,7 @@
               <a:buNone/>
             </a:pPr>
             <a:r>
-              <a:rPr lang="zh-TW" altLang="en-US" sz="6000" b="1" dirty="0" smtClean="0">
+              <a:rPr lang="zh-TW" altLang="en-US" sz="5400" b="1" dirty="0" smtClean="0">
                 <a:solidFill>
                   <a:srgbClr val="660033"/>
                 </a:solidFill>
@@ -6606,7 +6561,7 @@
               </a:rPr>
               <a:t>願主的愛與你同在</a:t>
             </a:r>
-            <a:endParaRPr lang="en-US" altLang="zh-TW" sz="6000" b="1" dirty="0" smtClean="0">
+            <a:endParaRPr lang="en-US" altLang="zh-TW" sz="5400" b="1" dirty="0" smtClean="0">
               <a:solidFill>
                 <a:srgbClr val="660033"/>
               </a:solidFill>
@@ -6626,7 +6581,7 @@
               <a:buNone/>
             </a:pPr>
             <a:r>
-              <a:rPr lang="zh-TW" altLang="en-US" sz="6000" b="1" dirty="0" smtClean="0">
+              <a:rPr lang="zh-TW" altLang="en-US" sz="5400" b="1" dirty="0" smtClean="0">
                 <a:solidFill>
                   <a:srgbClr val="660033"/>
                 </a:solidFill>
@@ -6642,7 +6597,7 @@
               </a:rPr>
               <a:t>無論你在何方</a:t>
             </a:r>
-            <a:endParaRPr lang="en-US" altLang="zh-TW" sz="6000" b="1" dirty="0" smtClean="0">
+            <a:endParaRPr lang="en-US" altLang="zh-TW" sz="5400" b="1" dirty="0" smtClean="0">
               <a:solidFill>
                 <a:srgbClr val="660033"/>
               </a:solidFill>
@@ -6662,7 +6617,7 @@
               <a:buNone/>
             </a:pPr>
             <a:r>
-              <a:rPr lang="zh-TW" altLang="en-US" sz="6000" b="1" dirty="0" smtClean="0">
+              <a:rPr lang="zh-TW" altLang="en-US" sz="5400" b="1" dirty="0" smtClean="0">
                 <a:solidFill>
                   <a:srgbClr val="660033"/>
                 </a:solidFill>
@@ -6725,8 +6680,8 @@
         </p:nvSpPr>
         <p:spPr>
           <a:xfrm>
-            <a:off x="0" y="376223"/>
-            <a:ext cx="8991600" cy="838200"/>
+            <a:off x="0" y="282167"/>
+            <a:ext cx="8991600" cy="628650"/>
           </a:xfrm>
         </p:spPr>
         <p:txBody>
@@ -6736,7 +6691,7 @@
           <a:lstStyle/>
           <a:p>
             <a:r>
-              <a:rPr lang="zh-CN" altLang="en-US" sz="4800" b="1" dirty="0" smtClean="0">
+              <a:rPr lang="zh-CN" altLang="en-US" b="1" dirty="0" smtClean="0">
                 <a:solidFill>
                   <a:srgbClr val="660033"/>
                 </a:solidFill>
@@ -6745,7 +6700,7 @@
               </a:rPr>
               <a:t>主的愛</a:t>
             </a:r>
-            <a:endParaRPr lang="zh-TW" altLang="en-US" sz="4800" b="1" dirty="0">
+            <a:endParaRPr lang="zh-TW" altLang="en-US" b="1" dirty="0">
               <a:solidFill>
                 <a:srgbClr val="660033"/>
               </a:solidFill>
@@ -6767,8 +6722,8 @@
         </p:nvSpPr>
         <p:spPr>
           <a:xfrm>
-            <a:off x="0" y="1447800"/>
-            <a:ext cx="9144000" cy="4800600"/>
+            <a:off x="0" y="1085850"/>
+            <a:ext cx="9144000" cy="3600450"/>
           </a:xfrm>
         </p:spPr>
         <p:txBody>
@@ -6781,7 +6736,7 @@
               <a:buNone/>
             </a:pPr>
             <a:r>
-              <a:rPr lang="zh-TW" altLang="en-US" sz="6000" b="1" dirty="0" smtClean="0">
+              <a:rPr lang="zh-TW" altLang="en-US" sz="5400" b="1" dirty="0" smtClean="0">
                 <a:solidFill>
                   <a:srgbClr val="660033"/>
                 </a:solidFill>
@@ -6797,7 +6752,7 @@
               </a:rPr>
               <a:t>主的愛如流水淙淙</a:t>
             </a:r>
-            <a:endParaRPr lang="en-US" altLang="zh-TW" sz="6000" b="1" dirty="0" smtClean="0">
+            <a:endParaRPr lang="en-US" altLang="zh-TW" sz="5400" b="1" dirty="0" smtClean="0">
               <a:solidFill>
                 <a:srgbClr val="660033"/>
               </a:solidFill>
@@ -6817,7 +6772,7 @@
               <a:buNone/>
             </a:pPr>
             <a:r>
-              <a:rPr lang="zh-TW" altLang="en-US" sz="6000" b="1" dirty="0" smtClean="0">
+              <a:rPr lang="zh-TW" altLang="en-US" sz="5400" b="1" dirty="0" smtClean="0">
                 <a:solidFill>
                   <a:srgbClr val="660033"/>
                 </a:solidFill>
@@ -6833,7 +6788,7 @@
               </a:rPr>
               <a:t>願你分享祂這愛</a:t>
             </a:r>
-            <a:endParaRPr lang="en-US" altLang="zh-TW" sz="6000" b="1" dirty="0" smtClean="0">
+            <a:endParaRPr lang="en-US" altLang="zh-TW" sz="5400" b="1" dirty="0" smtClean="0">
               <a:solidFill>
                 <a:srgbClr val="660033"/>
               </a:solidFill>
@@ -6853,7 +6808,7 @@
               <a:buNone/>
             </a:pPr>
             <a:r>
-              <a:rPr lang="zh-TW" altLang="en-US" sz="6000" b="1" dirty="0" smtClean="0">
+              <a:rPr lang="zh-TW" altLang="en-US" sz="5400" b="1" dirty="0" smtClean="0">
                 <a:solidFill>
                   <a:srgbClr val="660033"/>
                 </a:solidFill>
@@ -6916,8 +6871,8 @@
         </p:nvSpPr>
         <p:spPr>
           <a:xfrm>
-            <a:off x="0" y="376223"/>
-            <a:ext cx="8991600" cy="838200"/>
+            <a:off x="0" y="282167"/>
+            <a:ext cx="8991600" cy="628650"/>
           </a:xfrm>
         </p:spPr>
         <p:txBody>
@@ -6927,7 +6882,7 @@
           <a:lstStyle/>
           <a:p>
             <a:r>
-              <a:rPr lang="zh-CN" altLang="en-US" sz="4800" b="1" dirty="0" smtClean="0">
+              <a:rPr lang="zh-CN" altLang="en-US" b="1" dirty="0" smtClean="0">
                 <a:solidFill>
                   <a:srgbClr val="660033"/>
                 </a:solidFill>
@@ -6936,7 +6891,7 @@
               </a:rPr>
               <a:t>主的愛</a:t>
             </a:r>
-            <a:endParaRPr lang="zh-TW" altLang="en-US" sz="4800" b="1" dirty="0">
+            <a:endParaRPr lang="zh-TW" altLang="en-US" b="1" dirty="0">
               <a:solidFill>
                 <a:srgbClr val="660033"/>
               </a:solidFill>
@@ -6958,8 +6913,8 @@
         </p:nvSpPr>
         <p:spPr>
           <a:xfrm>
-            <a:off x="0" y="1447800"/>
-            <a:ext cx="9144000" cy="4800600"/>
+            <a:off x="0" y="1085850"/>
+            <a:ext cx="9144000" cy="3600450"/>
           </a:xfrm>
         </p:spPr>
         <p:txBody>
@@ -6972,7 +6927,7 @@
               <a:buNone/>
             </a:pPr>
             <a:r>
-              <a:rPr lang="zh-TW" altLang="en-US" sz="6000" b="1" dirty="0" smtClean="0">
+              <a:rPr lang="zh-TW" altLang="en-US" sz="5400" b="1" dirty="0" smtClean="0">
                 <a:solidFill>
                   <a:srgbClr val="660033"/>
                 </a:solidFill>
@@ -6988,7 +6943,7 @@
               </a:rPr>
               <a:t>主的愛如流水淙淙</a:t>
             </a:r>
-            <a:endParaRPr lang="en-US" altLang="zh-TW" sz="6000" b="1" dirty="0" smtClean="0">
+            <a:endParaRPr lang="en-US" altLang="zh-TW" sz="5400" b="1" dirty="0" smtClean="0">
               <a:solidFill>
                 <a:srgbClr val="660033"/>
               </a:solidFill>
@@ -7008,7 +6963,7 @@
               <a:buNone/>
             </a:pPr>
             <a:r>
-              <a:rPr lang="zh-TW" altLang="en-US" sz="6000" b="1" dirty="0" smtClean="0">
+              <a:rPr lang="zh-TW" altLang="en-US" sz="5400" b="1" dirty="0" smtClean="0">
                 <a:solidFill>
                   <a:srgbClr val="660033"/>
                 </a:solidFill>
@@ -7024,7 +6979,7 @@
               </a:rPr>
               <a:t>願你分享祂這愛</a:t>
             </a:r>
-            <a:endParaRPr lang="en-US" altLang="zh-TW" sz="6000" b="1" dirty="0" smtClean="0">
+            <a:endParaRPr lang="en-US" altLang="zh-TW" sz="5400" b="1" dirty="0" smtClean="0">
               <a:solidFill>
                 <a:srgbClr val="660033"/>
               </a:solidFill>
@@ -7044,7 +6999,7 @@
               <a:buNone/>
             </a:pPr>
             <a:r>
-              <a:rPr lang="zh-TW" altLang="en-US" sz="6000" b="1" dirty="0" smtClean="0">
+              <a:rPr lang="zh-TW" altLang="en-US" sz="5400" b="1" dirty="0" smtClean="0">
                 <a:solidFill>
                   <a:srgbClr val="660033"/>
                 </a:solidFill>
@@ -7107,8 +7062,8 @@
         </p:nvSpPr>
         <p:spPr>
           <a:xfrm>
-            <a:off x="0" y="1928813"/>
-            <a:ext cx="9144000" cy="838200"/>
+            <a:off x="0" y="1446610"/>
+            <a:ext cx="9144000" cy="628650"/>
           </a:xfrm>
         </p:spPr>
         <p:txBody>
@@ -7118,7 +7073,7 @@
           <a:lstStyle/>
           <a:p>
             <a:r>
-              <a:rPr lang="zh-CN" altLang="en-US" sz="9600" b="1" dirty="0">
+              <a:rPr lang="zh-CN" altLang="en-US" sz="8800" b="1" dirty="0">
                 <a:solidFill>
                   <a:srgbClr val="000066"/>
                 </a:solidFill>
@@ -7134,7 +7089,7 @@
               </a:rPr>
               <a:t>敬拜讚美神</a:t>
             </a:r>
-            <a:endParaRPr lang="zh-TW" altLang="en-US" sz="9600" b="1" dirty="0">
+            <a:endParaRPr lang="zh-TW" altLang="en-US" sz="8800" b="1" dirty="0">
               <a:solidFill>
                 <a:srgbClr val="000066"/>
               </a:solidFill>
@@ -7195,8 +7150,8 @@
         </p:nvSpPr>
         <p:spPr>
           <a:xfrm>
-            <a:off x="0" y="1928813"/>
-            <a:ext cx="9144000" cy="838200"/>
+            <a:off x="0" y="1446610"/>
+            <a:ext cx="9144000" cy="628650"/>
           </a:xfrm>
         </p:spPr>
         <p:txBody>
@@ -7206,7 +7161,7 @@
           <a:lstStyle/>
           <a:p>
             <a:r>
-              <a:rPr lang="zh-CN" altLang="en-US" sz="9600" b="1" dirty="0">
+              <a:rPr lang="zh-CN" altLang="en-US" sz="8800" b="1" dirty="0">
                 <a:solidFill>
                   <a:srgbClr val="000066"/>
                 </a:solidFill>
@@ -7222,7 +7177,7 @@
               </a:rPr>
               <a:t>始禮禱告</a:t>
             </a:r>
-            <a:endParaRPr lang="zh-TW" altLang="en-US" sz="9600" b="1" dirty="0">
+            <a:endParaRPr lang="zh-TW" altLang="en-US" sz="8800" b="1" dirty="0">
               <a:solidFill>
                 <a:srgbClr val="000066"/>
               </a:solidFill>
@@ -7247,8 +7202,8 @@
         </p:nvSpPr>
         <p:spPr>
           <a:xfrm>
-            <a:off x="0" y="3214688"/>
-            <a:ext cx="9144000" cy="1200329"/>
+            <a:off x="0" y="2411016"/>
+            <a:ext cx="9144000" cy="1107996"/>
           </a:xfrm>
           <a:prstGeom prst="rect">
             <a:avLst/>
@@ -7262,7 +7217,7 @@
           <a:p>
             <a:pPr algn="ctr"/>
             <a:r>
-              <a:rPr lang="en-US" altLang="zh-CN" sz="7200" b="1" dirty="0" smtClean="0">
+              <a:rPr lang="en-US" altLang="zh-CN" sz="6600" b="1" dirty="0" smtClean="0">
                 <a:solidFill>
                   <a:srgbClr val="660033"/>
                 </a:solidFill>
@@ -7279,7 +7234,7 @@
               <a:t>(</a:t>
             </a:r>
             <a:r>
-              <a:rPr lang="zh-CN" altLang="en-US" sz="7200" b="1" dirty="0" smtClean="0">
+              <a:rPr lang="zh-CN" altLang="en-US" sz="6600" b="1" dirty="0" smtClean="0">
                 <a:solidFill>
                   <a:srgbClr val="660033"/>
                 </a:solidFill>
@@ -7296,7 +7251,7 @@
               <a:t>主禮牧師</a:t>
             </a:r>
             <a:r>
-              <a:rPr lang="en-US" altLang="zh-CN" sz="7200" b="1" dirty="0" smtClean="0">
+              <a:rPr lang="en-US" altLang="zh-CN" sz="6600" b="1" dirty="0" smtClean="0">
                 <a:solidFill>
                   <a:srgbClr val="660033"/>
                 </a:solidFill>
@@ -7312,7 +7267,7 @@
               </a:rPr>
               <a:t>)</a:t>
             </a:r>
-            <a:endParaRPr lang="zh-TW" altLang="en-US" sz="7200" b="1" dirty="0" smtClean="0">
+            <a:endParaRPr lang="zh-TW" altLang="en-US" sz="6600" b="1" dirty="0" smtClean="0">
               <a:solidFill>
                 <a:srgbClr val="660033"/>
               </a:solidFill>
@@ -7373,8 +7328,8 @@
         </p:nvSpPr>
         <p:spPr>
           <a:xfrm>
-            <a:off x="0" y="1928813"/>
-            <a:ext cx="9144000" cy="838200"/>
+            <a:off x="0" y="1446610"/>
+            <a:ext cx="9144000" cy="628650"/>
           </a:xfrm>
         </p:spPr>
         <p:txBody>
@@ -7385,7 +7340,7 @@
           <a:p>
             <a:pPr algn="ctr"/>
             <a:r>
-              <a:rPr lang="zh-CN" altLang="en-US" sz="9600" b="1" dirty="0" smtClean="0">
+              <a:rPr lang="zh-CN" altLang="en-US" sz="8800" b="1" dirty="0" smtClean="0">
                 <a:solidFill>
                   <a:srgbClr val="000066"/>
                 </a:solidFill>
@@ -7401,7 +7356,7 @@
               </a:rPr>
               <a:t>啟應經文</a:t>
             </a:r>
-            <a:endParaRPr lang="zh-TW" altLang="en-US" sz="9600" b="1" dirty="0">
+            <a:endParaRPr lang="zh-TW" altLang="en-US" sz="8800" b="1" dirty="0">
               <a:solidFill>
                 <a:srgbClr val="000066"/>
               </a:solidFill>
@@ -7428,8 +7383,8 @@
         </p:nvSpPr>
         <p:spPr>
           <a:xfrm>
-            <a:off x="0" y="3590932"/>
-            <a:ext cx="9144000" cy="838200"/>
+            <a:off x="0" y="2693199"/>
+            <a:ext cx="9144000" cy="628650"/>
           </a:xfrm>
           <a:prstGeom prst="rect">
             <a:avLst/>
@@ -7447,7 +7402,7 @@
               </a:spcBef>
             </a:pPr>
             <a:r>
-              <a:rPr lang="vi-VN" altLang="zh-TW" sz="4800" b="1" dirty="0" smtClean="0">
+              <a:rPr lang="vi-VN" altLang="zh-TW" sz="4400" b="1" dirty="0" smtClean="0">
                 <a:solidFill>
                   <a:srgbClr val="660033"/>
                 </a:solidFill>
@@ -7465,7 +7420,7 @@
               <a:t>5</a:t>
             </a:r>
             <a:r>
-              <a:rPr lang="en-US" altLang="zh-TW" sz="4800" b="1" dirty="0" smtClean="0">
+              <a:rPr lang="en-US" altLang="zh-TW" sz="4400" b="1" dirty="0" smtClean="0">
                 <a:solidFill>
                   <a:srgbClr val="660033"/>
                 </a:solidFill>
@@ -7483,7 +7438,7 @@
               <a:t> “</a:t>
             </a:r>
             <a:r>
-              <a:rPr lang="zh-TW" altLang="en-US" sz="4800" b="1" dirty="0" smtClean="0">
+              <a:rPr lang="zh-TW" altLang="en-US" sz="4400" b="1" dirty="0" smtClean="0">
                 <a:solidFill>
                   <a:srgbClr val="660033"/>
                 </a:solidFill>
@@ -7501,7 +7456,7 @@
               <a:t>獨一真神</a:t>
             </a:r>
             <a:r>
-              <a:rPr lang="en-US" altLang="zh-TW" sz="4800" b="1" dirty="0" smtClean="0">
+              <a:rPr lang="en-US" altLang="zh-TW" sz="4400" b="1" dirty="0" smtClean="0">
                 <a:solidFill>
                   <a:srgbClr val="660033"/>
                 </a:solidFill>
@@ -7518,7 +7473,7 @@
               </a:rPr>
               <a:t>”</a:t>
             </a:r>
-            <a:endParaRPr lang="zh-TW" altLang="en-US" sz="4800" b="1" dirty="0">
+            <a:endParaRPr lang="zh-TW" altLang="en-US" sz="4400" b="1" dirty="0">
               <a:solidFill>
                 <a:srgbClr val="660033"/>
               </a:solidFill>
@@ -7580,8 +7535,8 @@
         </p:nvSpPr>
         <p:spPr>
           <a:xfrm>
-            <a:off x="0" y="1928813"/>
-            <a:ext cx="9144000" cy="838200"/>
+            <a:off x="0" y="1446610"/>
+            <a:ext cx="9144000" cy="628650"/>
           </a:xfrm>
         </p:spPr>
         <p:txBody>
@@ -7592,7 +7547,7 @@
           <a:p>
             <a:pPr algn="ctr"/>
             <a:r>
-              <a:rPr lang="zh-CN" altLang="en-US" sz="9600" b="1" dirty="0" smtClean="0">
+              <a:rPr lang="zh-CN" altLang="en-US" sz="8800" b="1" dirty="0" smtClean="0">
                 <a:solidFill>
                   <a:srgbClr val="000066"/>
                 </a:solidFill>
@@ -7608,7 +7563,7 @@
               </a:rPr>
               <a:t>詩班歌頌</a:t>
             </a:r>
-            <a:endParaRPr lang="zh-TW" altLang="en-US" sz="9600" b="1" dirty="0">
+            <a:endParaRPr lang="zh-TW" altLang="en-US" sz="8800" b="1" dirty="0">
               <a:solidFill>
                 <a:srgbClr val="000066"/>
               </a:solidFill>
@@ -7669,8 +7624,8 @@
         </p:nvSpPr>
         <p:spPr>
           <a:xfrm>
-            <a:off x="0" y="2305049"/>
-            <a:ext cx="9144000" cy="838200"/>
+            <a:off x="0" y="1728786"/>
+            <a:ext cx="9144000" cy="628650"/>
           </a:xfrm>
         </p:spPr>
         <p:txBody>
@@ -7681,7 +7636,7 @@
           <a:p>
             <a:pPr algn="ctr"/>
             <a:r>
-              <a:rPr lang="zh-TW" altLang="en-US" sz="9600" b="1" dirty="0" smtClean="0">
+              <a:rPr lang="zh-TW" altLang="en-US" sz="8000" b="1" dirty="0" smtClean="0">
                 <a:solidFill>
                   <a:srgbClr val="000066"/>
                 </a:solidFill>
@@ -7697,7 +7652,7 @@
               </a:rPr>
               <a:t>使徒信經</a:t>
             </a:r>
-            <a:endParaRPr lang="zh-TW" altLang="en-US" sz="9600" b="1" dirty="0">
+            <a:endParaRPr lang="zh-TW" altLang="en-US" sz="8000" b="1" dirty="0">
               <a:solidFill>
                 <a:srgbClr val="000066"/>
               </a:solidFill>
@@ -7724,8 +7679,8 @@
         </p:nvSpPr>
         <p:spPr>
           <a:xfrm>
-            <a:off x="457200" y="2947991"/>
-            <a:ext cx="8686800" cy="838200"/>
+            <a:off x="457200" y="2210993"/>
+            <a:ext cx="8686800" cy="628650"/>
           </a:xfrm>
           <a:prstGeom prst="rect">
             <a:avLst/>
@@ -7742,7 +7697,7 @@
                 <a:spcPct val="0"/>
               </a:spcBef>
             </a:pPr>
-            <a:endParaRPr lang="zh-TW" altLang="en-US" sz="4800" b="1" dirty="0">
+            <a:endParaRPr lang="zh-TW" altLang="en-US" sz="4000" b="1" dirty="0">
               <a:solidFill>
                 <a:srgbClr val="000066"/>
               </a:solidFill>
@@ -7768,8 +7723,8 @@
         </p:nvSpPr>
         <p:spPr>
           <a:xfrm>
-            <a:off x="0" y="3583736"/>
-            <a:ext cx="9144000" cy="1569660"/>
+            <a:off x="0" y="2605633"/>
+            <a:ext cx="9144000" cy="1323439"/>
           </a:xfrm>
           <a:prstGeom prst="rect">
             <a:avLst/>
@@ -7783,7 +7738,7 @@
           <a:p>
             <a:pPr algn="ctr"/>
             <a:r>
-              <a:rPr lang="en-US" altLang="zh-CN" sz="9600" b="1" dirty="0" smtClean="0">
+              <a:rPr lang="en-US" altLang="zh-CN" sz="8000" b="1" dirty="0" smtClean="0">
                 <a:solidFill>
                   <a:srgbClr val="660033"/>
                 </a:solidFill>
@@ -7801,7 +7756,7 @@
               <a:t>(</a:t>
             </a:r>
             <a:r>
-              <a:rPr lang="zh-CN" altLang="en-US" sz="9600" b="1" dirty="0" smtClean="0">
+              <a:rPr lang="zh-CN" altLang="en-US" sz="8000" b="1" dirty="0" smtClean="0">
                 <a:solidFill>
                   <a:srgbClr val="660033"/>
                 </a:solidFill>
@@ -7819,7 +7774,7 @@
               <a:t>眾立</a:t>
             </a:r>
             <a:r>
-              <a:rPr lang="en-US" altLang="zh-CN" sz="9600" b="1" dirty="0" smtClean="0">
+              <a:rPr lang="en-US" altLang="zh-CN" sz="8000" b="1" dirty="0" smtClean="0">
                 <a:solidFill>
                   <a:srgbClr val="660033"/>
                 </a:solidFill>
@@ -7836,7 +7791,7 @@
               </a:rPr>
               <a:t>)</a:t>
             </a:r>
-            <a:endParaRPr lang="zh-TW" altLang="en-US" sz="9600" b="1" dirty="0" smtClean="0">
+            <a:endParaRPr lang="zh-TW" altLang="en-US" sz="8000" b="1" dirty="0" smtClean="0">
               <a:solidFill>
                 <a:srgbClr val="660033"/>
               </a:solidFill>
@@ -7864,8 +7819,8 @@
         </p:nvSpPr>
         <p:spPr>
           <a:xfrm>
-            <a:off x="0" y="804851"/>
-            <a:ext cx="9144000" cy="838200"/>
+            <a:off x="0" y="603638"/>
+            <a:ext cx="9144000" cy="628650"/>
           </a:xfrm>
           <a:prstGeom prst="rect">
             <a:avLst/>
@@ -7895,7 +7850,7 @@
               <a:defRPr/>
             </a:pPr>
             <a:r>
-              <a:rPr kumimoji="0" lang="zh-CN" altLang="en-US" sz="9600" b="1" i="0" u="none" strike="noStrike" kern="1200" cap="none" spc="0" normalizeH="0" baseline="0" noProof="0" dirty="0" smtClean="0">
+              <a:rPr kumimoji="0" lang="zh-CN" altLang="en-US" sz="8000" b="1" i="0" u="none" strike="noStrike" kern="1200" cap="none" spc="0" normalizeH="0" baseline="0" noProof="0" dirty="0" smtClean="0">
                 <a:ln>
                   <a:noFill/>
                 </a:ln>
@@ -7917,7 +7872,7 @@
               </a:rPr>
               <a:t>信仰宣告</a:t>
             </a:r>
-            <a:endParaRPr kumimoji="0" lang="zh-TW" altLang="en-US" sz="9600" b="1" i="0" u="none" strike="noStrike" kern="1200" cap="none" spc="0" normalizeH="0" baseline="0" noProof="0" dirty="0">
+            <a:endParaRPr kumimoji="0" lang="zh-TW" altLang="en-US" sz="8000" b="1" i="0" u="none" strike="noStrike" kern="1200" cap="none" spc="0" normalizeH="0" baseline="0" noProof="0" dirty="0">
               <a:ln>
                 <a:noFill/>
               </a:ln>
@@ -7985,7 +7940,7 @@
         <p:spPr>
           <a:xfrm>
             <a:off x="0" y="0"/>
-            <a:ext cx="9144000" cy="6858000"/>
+            <a:ext cx="9144000" cy="5143500"/>
           </a:xfrm>
         </p:spPr>
         <p:txBody>
@@ -7995,7 +7950,7 @@
           <a:lstStyle/>
           <a:p>
             <a:r>
-              <a:rPr lang="zh-TW" altLang="en-US" sz="5400" b="1" dirty="0">
+              <a:rPr lang="zh-TW" altLang="en-US" sz="4800" b="1" dirty="0">
                 <a:solidFill>
                   <a:srgbClr val="000066"/>
                 </a:solidFill>
@@ -8005,7 +7960,7 @@
               <a:t>我信神</a:t>
             </a:r>
             <a:r>
-              <a:rPr lang="en-US" altLang="zh-TW" sz="5400" b="1" dirty="0">
+              <a:rPr lang="en-US" altLang="zh-TW" sz="4800" b="1" dirty="0">
                 <a:solidFill>
                   <a:srgbClr val="000066"/>
                 </a:solidFill>
@@ -8015,7 +7970,7 @@
               <a:t>﹐</a:t>
             </a:r>
             <a:r>
-              <a:rPr lang="zh-TW" altLang="en-US" sz="5400" b="1" dirty="0">
+              <a:rPr lang="zh-TW" altLang="en-US" sz="4800" b="1" dirty="0">
                 <a:solidFill>
                   <a:srgbClr val="000066"/>
                 </a:solidFill>
@@ -8025,7 +7980,7 @@
               <a:t>全能的父</a:t>
             </a:r>
             <a:r>
-              <a:rPr lang="en-US" altLang="zh-TW" sz="5400" b="1" dirty="0">
+              <a:rPr lang="en-US" altLang="zh-TW" sz="4800" b="1" dirty="0">
                 <a:solidFill>
                   <a:srgbClr val="000066"/>
                 </a:solidFill>
@@ -8035,7 +7990,7 @@
               <a:t>﹐</a:t>
             </a:r>
             <a:r>
-              <a:rPr lang="zh-TW" altLang="en-US" sz="5400" b="1" dirty="0">
+              <a:rPr lang="zh-TW" altLang="en-US" sz="4800" b="1" dirty="0">
                 <a:solidFill>
                   <a:srgbClr val="000066"/>
                 </a:solidFill>
@@ -8045,7 +8000,7 @@
               <a:t>創造天地的主</a:t>
             </a:r>
             <a:r>
-              <a:rPr lang="en-US" altLang="zh-TW" sz="5400" b="1" dirty="0">
+              <a:rPr lang="en-US" altLang="zh-TW" sz="4800" b="1" dirty="0">
                 <a:solidFill>
                   <a:srgbClr val="000066"/>
                 </a:solidFill>
@@ -8055,7 +8010,7 @@
               <a:t>﹔</a:t>
             </a:r>
             <a:r>
-              <a:rPr lang="zh-TW" altLang="en-US" sz="5400" b="1" dirty="0">
+              <a:rPr lang="zh-TW" altLang="en-US" sz="4800" b="1" dirty="0">
                 <a:solidFill>
                   <a:srgbClr val="000066"/>
                 </a:solidFill>
@@ -8065,7 +8020,7 @@
               <a:t>我信我主耶穌基督</a:t>
             </a:r>
             <a:r>
-              <a:rPr lang="en-US" altLang="zh-TW" sz="5400" b="1" dirty="0" smtClean="0">
+              <a:rPr lang="en-US" altLang="zh-TW" sz="4800" b="1" dirty="0" smtClean="0">
                 <a:solidFill>
                   <a:srgbClr val="000066"/>
                 </a:solidFill>
@@ -8075,7 +8030,7 @@
               <a:t>﹐</a:t>
             </a:r>
             <a:r>
-              <a:rPr lang="zh-TW" altLang="en-US" sz="5400" b="1" dirty="0" smtClean="0">
+              <a:rPr lang="zh-TW" altLang="en-US" sz="4800" b="1" dirty="0" smtClean="0">
                 <a:solidFill>
                   <a:srgbClr val="000066"/>
                 </a:solidFill>
@@ -8085,7 +8040,7 @@
               <a:t>神</a:t>
             </a:r>
             <a:r>
-              <a:rPr lang="zh-TW" altLang="en-US" sz="5400" b="1" dirty="0">
+              <a:rPr lang="zh-TW" altLang="en-US" sz="4800" b="1" dirty="0">
                 <a:solidFill>
                   <a:srgbClr val="000066"/>
                 </a:solidFill>
@@ -8095,7 +8050,7 @@
               <a:t>的獨生子</a:t>
             </a:r>
             <a:r>
-              <a:rPr lang="en-US" altLang="zh-TW" sz="5400" b="1" dirty="0" smtClean="0">
+              <a:rPr lang="en-US" altLang="zh-TW" sz="4800" b="1" dirty="0" smtClean="0">
                 <a:solidFill>
                   <a:srgbClr val="000066"/>
                 </a:solidFill>
@@ -8105,7 +8060,7 @@
               <a:t>﹔</a:t>
             </a:r>
             <a:r>
-              <a:rPr lang="zh-TW" altLang="en-US" sz="5400" b="1" dirty="0" smtClean="0">
+              <a:rPr lang="zh-TW" altLang="en-US" sz="4800" b="1" dirty="0" smtClean="0">
                 <a:solidFill>
                   <a:srgbClr val="000066"/>
                 </a:solidFill>
@@ -8115,7 +8070,7 @@
               <a:t>因聖靈感孕</a:t>
             </a:r>
             <a:r>
-              <a:rPr lang="en-US" altLang="zh-TW" sz="5400" b="1" dirty="0" smtClean="0">
+              <a:rPr lang="en-US" altLang="zh-TW" sz="4800" b="1" dirty="0" smtClean="0">
                 <a:solidFill>
                   <a:srgbClr val="000066"/>
                 </a:solidFill>
@@ -8125,7 +8080,7 @@
               <a:t>﹐</a:t>
             </a:r>
             <a:r>
-              <a:rPr lang="zh-TW" altLang="en-US" sz="5400" b="1" dirty="0" smtClean="0">
+              <a:rPr lang="zh-TW" altLang="en-US" sz="4800" b="1" dirty="0" smtClean="0">
                 <a:solidFill>
                   <a:srgbClr val="000066"/>
                 </a:solidFill>
@@ -8135,7 +8090,7 @@
               <a:t>由童貞女馬利亞所生</a:t>
             </a:r>
             <a:r>
-              <a:rPr lang="en-US" altLang="zh-TW" sz="5400" b="1" dirty="0" smtClean="0">
+              <a:rPr lang="en-US" altLang="zh-TW" sz="4800" b="1" dirty="0" smtClean="0">
                 <a:solidFill>
                   <a:srgbClr val="000066"/>
                 </a:solidFill>
@@ -8145,7 +8100,7 @@
               <a:t>﹐</a:t>
             </a:r>
             <a:r>
-              <a:rPr lang="zh-TW" altLang="en-US" sz="5400" b="1" dirty="0" smtClean="0">
+              <a:rPr lang="zh-TW" altLang="en-US" sz="4800" b="1" dirty="0" smtClean="0">
                 <a:solidFill>
                   <a:srgbClr val="000066"/>
                 </a:solidFill>
@@ -8155,7 +8110,7 @@
               <a:t>在本丟彼拉多手下受難</a:t>
             </a:r>
             <a:r>
-              <a:rPr lang="en-US" altLang="zh-TW" sz="5400" b="1" dirty="0" smtClean="0">
+              <a:rPr lang="en-US" altLang="zh-TW" sz="4800" b="1" dirty="0" smtClean="0">
                 <a:solidFill>
                   <a:srgbClr val="000066"/>
                 </a:solidFill>
@@ -8165,7 +8120,7 @@
               <a:t>﹐</a:t>
             </a:r>
             <a:r>
-              <a:rPr lang="zh-TW" altLang="en-US" sz="5400" b="1" dirty="0" smtClean="0">
+              <a:rPr lang="zh-TW" altLang="en-US" sz="4800" b="1" dirty="0" smtClean="0">
                 <a:solidFill>
                   <a:srgbClr val="000066"/>
                 </a:solidFill>
@@ -8175,7 +8130,7 @@
               <a:t>被釘於十字架</a:t>
             </a:r>
             <a:r>
-              <a:rPr lang="en-US" altLang="zh-TW" sz="5400" b="1" dirty="0" smtClean="0">
+              <a:rPr lang="en-US" altLang="zh-TW" sz="4800" b="1" dirty="0" smtClean="0">
                 <a:solidFill>
                   <a:srgbClr val="000066"/>
                 </a:solidFill>
@@ -8185,7 +8140,7 @@
               <a:t>﹐</a:t>
             </a:r>
             <a:r>
-              <a:rPr lang="zh-TW" altLang="en-US" sz="5400" b="1" dirty="0" smtClean="0">
+              <a:rPr lang="zh-TW" altLang="en-US" sz="4800" b="1" dirty="0" smtClean="0">
                 <a:solidFill>
                   <a:srgbClr val="000066"/>
                 </a:solidFill>
@@ -8195,7 +8150,7 @@
               <a:t>受死</a:t>
             </a:r>
             <a:r>
-              <a:rPr lang="en-US" altLang="zh-TW" sz="5400" b="1" dirty="0" smtClean="0">
+              <a:rPr lang="en-US" altLang="zh-TW" sz="4800" b="1" dirty="0" smtClean="0">
                 <a:solidFill>
                   <a:srgbClr val="000066"/>
                 </a:solidFill>
@@ -8205,7 +8160,7 @@
               <a:t>﹐</a:t>
             </a:r>
             <a:r>
-              <a:rPr lang="zh-TW" altLang="en-US" sz="5400" b="1" dirty="0" smtClean="0">
+              <a:rPr lang="zh-TW" altLang="en-US" sz="4800" b="1" dirty="0" smtClean="0">
                 <a:solidFill>
                   <a:srgbClr val="000066"/>
                 </a:solidFill>
@@ -8215,7 +8170,7 @@
               <a:t>埋葬</a:t>
             </a:r>
             <a:r>
-              <a:rPr lang="en-US" altLang="zh-TW" sz="5400" b="1" dirty="0" smtClean="0">
+              <a:rPr lang="en-US" altLang="zh-TW" sz="4800" b="1" dirty="0" smtClean="0">
                 <a:solidFill>
                   <a:srgbClr val="000066"/>
                 </a:solidFill>
@@ -8225,7 +8180,7 @@
               <a:t>﹔</a:t>
             </a:r>
             <a:r>
-              <a:rPr lang="zh-TW" altLang="en-US" sz="5400" b="1" dirty="0" smtClean="0">
+              <a:rPr lang="zh-TW" altLang="en-US" sz="4800" b="1" dirty="0" smtClean="0">
                 <a:solidFill>
                   <a:srgbClr val="000066"/>
                 </a:solidFill>
@@ -8235,7 +8190,7 @@
               <a:t>降在陰間</a:t>
             </a:r>
             <a:r>
-              <a:rPr lang="en-US" altLang="zh-TW" sz="5400" b="1" dirty="0" smtClean="0">
+              <a:rPr lang="en-US" altLang="zh-TW" sz="4800" b="1" dirty="0" smtClean="0">
                 <a:solidFill>
                   <a:srgbClr val="000066"/>
                 </a:solidFill>
@@ -8244,7 +8199,7 @@
               </a:rPr>
               <a:t>﹔</a:t>
             </a:r>
-            <a:endParaRPr lang="en-US" sz="5400" b="1" dirty="0" smtClean="0">
+            <a:endParaRPr lang="en-US" sz="4800" b="1" dirty="0" smtClean="0">
               <a:solidFill>
                 <a:srgbClr val="000066"/>
               </a:solidFill>
@@ -8299,7 +8254,7 @@
         <p:spPr>
           <a:xfrm>
             <a:off x="0" y="0"/>
-            <a:ext cx="9144000" cy="6858000"/>
+            <a:ext cx="9144000" cy="5143500"/>
           </a:xfrm>
         </p:spPr>
         <p:txBody>
@@ -8309,7 +8264,7 @@
           <a:lstStyle/>
           <a:p>
             <a:r>
-              <a:rPr lang="zh-CN" altLang="en-US" sz="5400" b="1" dirty="0" smtClean="0">
+              <a:rPr lang="zh-CN" altLang="en-US" sz="4800" b="1" dirty="0" smtClean="0">
                 <a:solidFill>
                   <a:srgbClr val="000066"/>
                 </a:solidFill>
@@ -8319,7 +8274,7 @@
               <a:t>第三天從死人中復活，</a:t>
             </a:r>
             <a:r>
-              <a:rPr lang="zh-TW" altLang="en-US" sz="5400" b="1" dirty="0" smtClean="0">
+              <a:rPr lang="zh-TW" altLang="en-US" sz="4800" b="1" dirty="0" smtClean="0">
                 <a:solidFill>
                   <a:srgbClr val="000066"/>
                 </a:solidFill>
@@ -8329,7 +8284,7 @@
               <a:t>升天</a:t>
             </a:r>
             <a:r>
-              <a:rPr lang="en-US" altLang="zh-TW" sz="5400" b="1" dirty="0" smtClean="0">
+              <a:rPr lang="en-US" altLang="zh-TW" sz="4800" b="1" dirty="0" smtClean="0">
                 <a:solidFill>
                   <a:srgbClr val="000066"/>
                 </a:solidFill>
@@ -8339,7 +8294,7 @@
               <a:t>﹐</a:t>
             </a:r>
             <a:r>
-              <a:rPr lang="zh-TW" altLang="en-US" sz="5400" b="1" dirty="0" smtClean="0">
+              <a:rPr lang="zh-TW" altLang="en-US" sz="4800" b="1" dirty="0" smtClean="0">
                 <a:solidFill>
                   <a:srgbClr val="000066"/>
                 </a:solidFill>
@@ -8349,7 +8304,7 @@
               <a:t>坐在全能父神的右邊將來必從那裏降臨</a:t>
             </a:r>
             <a:r>
-              <a:rPr lang="en-US" altLang="zh-TW" sz="5400" b="1" dirty="0" smtClean="0">
+              <a:rPr lang="en-US" altLang="zh-TW" sz="4800" b="1" dirty="0" smtClean="0">
                 <a:solidFill>
                   <a:srgbClr val="000066"/>
                 </a:solidFill>
@@ -8359,7 +8314,7 @@
               <a:t>﹐</a:t>
             </a:r>
             <a:r>
-              <a:rPr lang="zh-TW" altLang="en-US" sz="5400" b="1" dirty="0" smtClean="0">
+              <a:rPr lang="zh-TW" altLang="en-US" sz="4800" b="1" dirty="0" smtClean="0">
                 <a:solidFill>
                   <a:srgbClr val="000066"/>
                 </a:solidFill>
@@ -8369,7 +8324,7 @@
               <a:t>審判活人死人。我信聖靈</a:t>
             </a:r>
             <a:r>
-              <a:rPr lang="en-US" altLang="zh-TW" sz="5400" b="1" dirty="0" smtClean="0">
+              <a:rPr lang="en-US" altLang="zh-TW" sz="4800" b="1" dirty="0" smtClean="0">
                 <a:solidFill>
                   <a:srgbClr val="000066"/>
                 </a:solidFill>
@@ -8379,7 +8334,7 @@
               <a:t>﹔</a:t>
             </a:r>
             <a:r>
-              <a:rPr lang="zh-TW" altLang="en-US" sz="5400" b="1" dirty="0" smtClean="0">
+              <a:rPr lang="zh-TW" altLang="en-US" sz="4800" b="1" dirty="0" smtClean="0">
                 <a:solidFill>
                   <a:srgbClr val="000066"/>
                 </a:solidFill>
@@ -8389,7 +8344,7 @@
               <a:t>我信聖而公之教會</a:t>
             </a:r>
             <a:r>
-              <a:rPr lang="en-US" altLang="zh-TW" sz="5400" b="1" dirty="0" smtClean="0">
+              <a:rPr lang="en-US" altLang="zh-TW" sz="4800" b="1" dirty="0" smtClean="0">
                 <a:solidFill>
                   <a:srgbClr val="000066"/>
                 </a:solidFill>
@@ -8399,7 +8354,7 @@
               <a:t>﹔</a:t>
             </a:r>
             <a:r>
-              <a:rPr lang="zh-TW" altLang="en-US" sz="5400" b="1" dirty="0" smtClean="0">
+              <a:rPr lang="zh-TW" altLang="en-US" sz="4800" b="1" dirty="0" smtClean="0">
                 <a:solidFill>
                   <a:srgbClr val="000066"/>
                 </a:solidFill>
@@ -8409,7 +8364,7 @@
               <a:t>我信聖徒相通</a:t>
             </a:r>
             <a:r>
-              <a:rPr lang="en-US" altLang="zh-TW" sz="5400" b="1" dirty="0" smtClean="0">
+              <a:rPr lang="en-US" altLang="zh-TW" sz="4800" b="1" dirty="0" smtClean="0">
                 <a:solidFill>
                   <a:srgbClr val="000066"/>
                 </a:solidFill>
@@ -8419,7 +8374,7 @@
               <a:t>﹔</a:t>
             </a:r>
             <a:r>
-              <a:rPr lang="zh-TW" altLang="en-US" sz="5400" b="1" dirty="0" smtClean="0">
+              <a:rPr lang="zh-TW" altLang="en-US" sz="4800" b="1" dirty="0" smtClean="0">
                 <a:solidFill>
                   <a:srgbClr val="000066"/>
                 </a:solidFill>
@@ -8429,7 +8384,7 @@
               <a:t>我信罪得赦免</a:t>
             </a:r>
             <a:r>
-              <a:rPr lang="en-US" altLang="zh-TW" sz="5400" b="1" dirty="0" smtClean="0">
+              <a:rPr lang="en-US" altLang="zh-TW" sz="4800" b="1" dirty="0" smtClean="0">
                 <a:solidFill>
                   <a:srgbClr val="000066"/>
                 </a:solidFill>
@@ -8439,7 +8394,7 @@
               <a:t>﹔</a:t>
             </a:r>
             <a:r>
-              <a:rPr lang="zh-TW" altLang="en-US" sz="5400" b="1" dirty="0" smtClean="0">
+              <a:rPr lang="zh-TW" altLang="en-US" sz="4800" b="1" dirty="0" smtClean="0">
                 <a:solidFill>
                   <a:srgbClr val="000066"/>
                 </a:solidFill>
@@ -8449,7 +8404,7 @@
               <a:t>我信身體復活</a:t>
             </a:r>
             <a:r>
-              <a:rPr lang="en-US" altLang="zh-TW" sz="5400" b="1" dirty="0" smtClean="0">
+              <a:rPr lang="en-US" altLang="zh-TW" sz="4800" b="1" dirty="0" smtClean="0">
                 <a:solidFill>
                   <a:srgbClr val="000066"/>
                 </a:solidFill>
@@ -8459,7 +8414,7 @@
               <a:t>﹔</a:t>
             </a:r>
             <a:r>
-              <a:rPr lang="zh-TW" altLang="en-US" sz="5400" b="1" dirty="0" smtClean="0">
+              <a:rPr lang="zh-TW" altLang="en-US" sz="4800" b="1" dirty="0" smtClean="0">
                 <a:solidFill>
                   <a:srgbClr val="000066"/>
                 </a:solidFill>

--- a/崇拜流程.pptx
+++ b/崇拜流程.pptx
@@ -133,7 +133,7 @@
   </p:defaultTextStyle>
   <p:extLst>
     <p:ext uri="{EFAFB233-063F-42B5-8137-9DF3F51BA10A}">
-      <p15:sldGuideLst xmlns="" xmlns:p15="http://schemas.microsoft.com/office/powerpoint/2012/main">
+      <p15:sldGuideLst xmlns:p15="http://schemas.microsoft.com/office/powerpoint/2012/main" xmlns="">
         <p15:guide id="1" orient="horz" pos="2160">
           <p15:clr>
             <a:srgbClr val="A4A3A4"/>
@@ -233,7 +233,7 @@
             <a:fld id="{2F30D4D0-EAC7-4980-A92D-C26C9148BA0F}" type="datetimeFigureOut">
               <a:rPr lang="zh-TW" altLang="en-US" smtClean="0"/>
               <a:pPr/>
-              <a:t>2019/7/2</a:t>
+              <a:t>2019/7/8</a:t>
             </a:fld>
             <a:endParaRPr lang="zh-TW" altLang="en-US"/>
           </a:p>
@@ -404,7 +404,7 @@
     </p:spTree>
     <p:extLst>
       <p:ext uri="{BB962C8B-B14F-4D97-AF65-F5344CB8AC3E}">
-        <p14:creationId xmlns:p14="http://schemas.microsoft.com/office/powerpoint/2010/main" xmlns="" val="2421614449"/>
+        <p14:creationId xmlns:p14="http://schemas.microsoft.com/office/powerpoint/2010/main" val="2421614449"/>
       </p:ext>
     </p:extLst>
   </p:cSld>
@@ -934,7 +934,7 @@
     </p:spTree>
     <p:extLst>
       <p:ext uri="{BB962C8B-B14F-4D97-AF65-F5344CB8AC3E}">
-        <p14:creationId xmlns:p14="http://schemas.microsoft.com/office/powerpoint/2010/main" xmlns="" val="3084450117"/>
+        <p14:creationId xmlns:p14="http://schemas.microsoft.com/office/powerpoint/2010/main" val="3084450117"/>
       </p:ext>
     </p:extLst>
   </p:cSld>
@@ -1126,7 +1126,7 @@
             <a:fld id="{5BBEAD13-0566-4C6C-97E7-55F17F24B09F}" type="datetimeFigureOut">
               <a:rPr lang="zh-TW" altLang="en-US" smtClean="0"/>
               <a:pPr/>
-              <a:t>2019/7/2</a:t>
+              <a:t>2019/7/8</a:t>
             </a:fld>
             <a:endParaRPr lang="zh-TW" altLang="en-US"/>
           </a:p>
@@ -1293,7 +1293,7 @@
             <a:fld id="{5BBEAD13-0566-4C6C-97E7-55F17F24B09F}" type="datetimeFigureOut">
               <a:rPr lang="zh-TW" altLang="en-US" smtClean="0"/>
               <a:pPr/>
-              <a:t>2019/7/2</a:t>
+              <a:t>2019/7/8</a:t>
             </a:fld>
             <a:endParaRPr lang="zh-TW" altLang="en-US"/>
           </a:p>
@@ -1470,7 +1470,7 @@
             <a:fld id="{5BBEAD13-0566-4C6C-97E7-55F17F24B09F}" type="datetimeFigureOut">
               <a:rPr lang="zh-TW" altLang="en-US" smtClean="0"/>
               <a:pPr/>
-              <a:t>2019/7/2</a:t>
+              <a:t>2019/7/8</a:t>
             </a:fld>
             <a:endParaRPr lang="zh-TW" altLang="en-US"/>
           </a:p>
@@ -1637,7 +1637,7 @@
             <a:fld id="{5BBEAD13-0566-4C6C-97E7-55F17F24B09F}" type="datetimeFigureOut">
               <a:rPr lang="zh-TW" altLang="en-US" smtClean="0"/>
               <a:pPr/>
-              <a:t>2019/7/2</a:t>
+              <a:t>2019/7/8</a:t>
             </a:fld>
             <a:endParaRPr lang="zh-TW" altLang="en-US"/>
           </a:p>
@@ -1880,7 +1880,7 @@
             <a:fld id="{5BBEAD13-0566-4C6C-97E7-55F17F24B09F}" type="datetimeFigureOut">
               <a:rPr lang="zh-TW" altLang="en-US" smtClean="0"/>
               <a:pPr/>
-              <a:t>2019/7/2</a:t>
+              <a:t>2019/7/8</a:t>
             </a:fld>
             <a:endParaRPr lang="zh-TW" altLang="en-US"/>
           </a:p>
@@ -2165,7 +2165,7 @@
             <a:fld id="{5BBEAD13-0566-4C6C-97E7-55F17F24B09F}" type="datetimeFigureOut">
               <a:rPr lang="zh-TW" altLang="en-US" smtClean="0"/>
               <a:pPr/>
-              <a:t>2019/7/2</a:t>
+              <a:t>2019/7/8</a:t>
             </a:fld>
             <a:endParaRPr lang="zh-TW" altLang="en-US"/>
           </a:p>
@@ -2584,7 +2584,7 @@
             <a:fld id="{5BBEAD13-0566-4C6C-97E7-55F17F24B09F}" type="datetimeFigureOut">
               <a:rPr lang="zh-TW" altLang="en-US" smtClean="0"/>
               <a:pPr/>
-              <a:t>2019/7/2</a:t>
+              <a:t>2019/7/8</a:t>
             </a:fld>
             <a:endParaRPr lang="zh-TW" altLang="en-US"/>
           </a:p>
@@ -2699,7 +2699,7 @@
             <a:fld id="{5BBEAD13-0566-4C6C-97E7-55F17F24B09F}" type="datetimeFigureOut">
               <a:rPr lang="zh-TW" altLang="en-US" smtClean="0"/>
               <a:pPr/>
-              <a:t>2019/7/2</a:t>
+              <a:t>2019/7/8</a:t>
             </a:fld>
             <a:endParaRPr lang="zh-TW" altLang="en-US"/>
           </a:p>
@@ -2791,7 +2791,7 @@
             <a:fld id="{5BBEAD13-0566-4C6C-97E7-55F17F24B09F}" type="datetimeFigureOut">
               <a:rPr lang="zh-TW" altLang="en-US" smtClean="0"/>
               <a:pPr/>
-              <a:t>2019/7/2</a:t>
+              <a:t>2019/7/8</a:t>
             </a:fld>
             <a:endParaRPr lang="zh-TW" altLang="en-US"/>
           </a:p>
@@ -3065,7 +3065,7 @@
             <a:fld id="{5BBEAD13-0566-4C6C-97E7-55F17F24B09F}" type="datetimeFigureOut">
               <a:rPr lang="zh-TW" altLang="en-US" smtClean="0"/>
               <a:pPr/>
-              <a:t>2019/7/2</a:t>
+              <a:t>2019/7/8</a:t>
             </a:fld>
             <a:endParaRPr lang="zh-TW" altLang="en-US"/>
           </a:p>
@@ -3319,7 +3319,7 @@
             <a:fld id="{5BBEAD13-0566-4C6C-97E7-55F17F24B09F}" type="datetimeFigureOut">
               <a:rPr lang="zh-TW" altLang="en-US" smtClean="0"/>
               <a:pPr/>
-              <a:t>2019/7/2</a:t>
+              <a:t>2019/7/8</a:t>
             </a:fld>
             <a:endParaRPr lang="zh-TW" altLang="en-US"/>
           </a:p>
@@ -3534,7 +3534,7 @@
             <a:fld id="{5BBEAD13-0566-4C6C-97E7-55F17F24B09F}" type="datetimeFigureOut">
               <a:rPr lang="zh-TW" altLang="en-US" smtClean="0"/>
               <a:pPr/>
-              <a:t>2019/7/2</a:t>
+              <a:t>2019/7/8</a:t>
             </a:fld>
             <a:endParaRPr lang="zh-TW" altLang="en-US"/>
           </a:p>
@@ -3917,7 +3917,7 @@
         </p:nvSpPr>
         <p:spPr>
           <a:xfrm>
-            <a:off x="0" y="1446610"/>
+            <a:off x="0" y="2067694"/>
             <a:ext cx="9144000" cy="964406"/>
           </a:xfrm>
         </p:spPr>
@@ -4006,7 +4006,7 @@
         </p:nvSpPr>
         <p:spPr>
           <a:xfrm>
-            <a:off x="0" y="1446610"/>
+            <a:off x="0" y="1851670"/>
             <a:ext cx="9144000" cy="628650"/>
           </a:xfrm>
         </p:spPr>
@@ -4061,7 +4061,7 @@
         </p:nvSpPr>
         <p:spPr>
           <a:xfrm>
-            <a:off x="0" y="2746778"/>
+            <a:off x="0" y="2859782"/>
             <a:ext cx="9144000" cy="628650"/>
           </a:xfrm>
           <a:prstGeom prst="rect">
@@ -4499,7 +4499,7 @@
         </p:nvSpPr>
         <p:spPr>
           <a:xfrm>
-            <a:off x="0" y="1446610"/>
+            <a:off x="0" y="2257425"/>
             <a:ext cx="9144000" cy="628650"/>
           </a:xfrm>
         </p:spPr>
@@ -4588,7 +4588,7 @@
         </p:nvSpPr>
         <p:spPr>
           <a:xfrm>
-            <a:off x="0" y="1446610"/>
+            <a:off x="0" y="2257425"/>
             <a:ext cx="9144000" cy="628650"/>
           </a:xfrm>
         </p:spPr>
@@ -4677,7 +4677,7 @@
         </p:nvSpPr>
         <p:spPr>
           <a:xfrm>
-            <a:off x="0" y="1446610"/>
+            <a:off x="0" y="2211710"/>
             <a:ext cx="9144000" cy="628650"/>
           </a:xfrm>
         </p:spPr>
@@ -4766,7 +4766,7 @@
         </p:nvSpPr>
         <p:spPr>
           <a:xfrm>
-            <a:off x="0" y="1446610"/>
+            <a:off x="-20171" y="2246710"/>
             <a:ext cx="9144000" cy="628650"/>
           </a:xfrm>
         </p:spPr>
@@ -5671,7 +5671,7 @@
         </p:nvSpPr>
         <p:spPr>
           <a:xfrm>
-            <a:off x="0" y="1446610"/>
+            <a:off x="0" y="2067694"/>
             <a:ext cx="9144000" cy="964406"/>
           </a:xfrm>
         </p:spPr>
@@ -6247,7 +6247,7 @@
         </p:nvSpPr>
         <p:spPr>
           <a:xfrm>
-            <a:off x="0" y="214297"/>
+            <a:off x="0" y="933715"/>
             <a:ext cx="9144000" cy="1323439"/>
           </a:xfrm>
           <a:prstGeom prst="rect">
@@ -6307,7 +6307,7 @@
         </p:nvSpPr>
         <p:spPr>
           <a:xfrm>
-            <a:off x="0" y="2143122"/>
+            <a:off x="-6724" y="2787774"/>
             <a:ext cx="9144000" cy="964405"/>
           </a:xfrm>
           <a:prstGeom prst="rect">
@@ -7062,7 +7062,7 @@
         </p:nvSpPr>
         <p:spPr>
           <a:xfrm>
-            <a:off x="0" y="1446610"/>
+            <a:off x="-6485" y="2166457"/>
             <a:ext cx="9144000" cy="628650"/>
           </a:xfrm>
         </p:spPr>
@@ -7150,7 +7150,7 @@
         </p:nvSpPr>
         <p:spPr>
           <a:xfrm>
-            <a:off x="0" y="1446610"/>
+            <a:off x="-6485" y="1634974"/>
             <a:ext cx="9144000" cy="628650"/>
           </a:xfrm>
         </p:spPr>
@@ -7202,7 +7202,7 @@
         </p:nvSpPr>
         <p:spPr>
           <a:xfrm>
-            <a:off x="0" y="2411016"/>
+            <a:off x="0" y="2599084"/>
             <a:ext cx="9144000" cy="1107996"/>
           </a:xfrm>
           <a:prstGeom prst="rect">
@@ -7328,7 +7328,7 @@
         </p:nvSpPr>
         <p:spPr>
           <a:xfrm>
-            <a:off x="0" y="1446610"/>
+            <a:off x="0" y="1779662"/>
             <a:ext cx="9144000" cy="628650"/>
           </a:xfrm>
         </p:spPr>
@@ -7383,7 +7383,7 @@
         </p:nvSpPr>
         <p:spPr>
           <a:xfrm>
-            <a:off x="0" y="2693199"/>
+            <a:off x="0" y="2787774"/>
             <a:ext cx="9144000" cy="628650"/>
           </a:xfrm>
           <a:prstGeom prst="rect">
@@ -7535,7 +7535,7 @@
         </p:nvSpPr>
         <p:spPr>
           <a:xfrm>
-            <a:off x="0" y="1446610"/>
+            <a:off x="0" y="2139702"/>
             <a:ext cx="9144000" cy="628650"/>
           </a:xfrm>
         </p:spPr>
@@ -7624,7 +7624,7 @@
         </p:nvSpPr>
         <p:spPr>
           <a:xfrm>
-            <a:off x="0" y="1728786"/>
+            <a:off x="22330" y="2257425"/>
             <a:ext cx="9144000" cy="628650"/>
           </a:xfrm>
         </p:spPr>
@@ -7723,7 +7723,7 @@
         </p:nvSpPr>
         <p:spPr>
           <a:xfrm>
-            <a:off x="0" y="2605633"/>
+            <a:off x="0" y="3147814"/>
             <a:ext cx="9144000" cy="1323439"/>
           </a:xfrm>
           <a:prstGeom prst="rect">
@@ -7819,7 +7819,7 @@
         </p:nvSpPr>
         <p:spPr>
           <a:xfrm>
-            <a:off x="0" y="603638"/>
+            <a:off x="0" y="1059582"/>
             <a:ext cx="9144000" cy="628650"/>
           </a:xfrm>
           <a:prstGeom prst="rect">

--- a/崇拜流程.pptx
+++ b/崇拜流程.pptx
@@ -233,7 +233,7 @@
             <a:fld id="{2F30D4D0-EAC7-4980-A92D-C26C9148BA0F}" type="datetimeFigureOut">
               <a:rPr lang="zh-TW" altLang="en-US" smtClean="0"/>
               <a:pPr/>
-              <a:t>2019/7/8</a:t>
+              <a:t>2019/7/9</a:t>
             </a:fld>
             <a:endParaRPr lang="zh-TW" altLang="en-US"/>
           </a:p>
@@ -1126,7 +1126,7 @@
             <a:fld id="{5BBEAD13-0566-4C6C-97E7-55F17F24B09F}" type="datetimeFigureOut">
               <a:rPr lang="zh-TW" altLang="en-US" smtClean="0"/>
               <a:pPr/>
-              <a:t>2019/7/8</a:t>
+              <a:t>2019/7/9</a:t>
             </a:fld>
             <a:endParaRPr lang="zh-TW" altLang="en-US"/>
           </a:p>
@@ -1293,7 +1293,7 @@
             <a:fld id="{5BBEAD13-0566-4C6C-97E7-55F17F24B09F}" type="datetimeFigureOut">
               <a:rPr lang="zh-TW" altLang="en-US" smtClean="0"/>
               <a:pPr/>
-              <a:t>2019/7/8</a:t>
+              <a:t>2019/7/9</a:t>
             </a:fld>
             <a:endParaRPr lang="zh-TW" altLang="en-US"/>
           </a:p>
@@ -1470,7 +1470,7 @@
             <a:fld id="{5BBEAD13-0566-4C6C-97E7-55F17F24B09F}" type="datetimeFigureOut">
               <a:rPr lang="zh-TW" altLang="en-US" smtClean="0"/>
               <a:pPr/>
-              <a:t>2019/7/8</a:t>
+              <a:t>2019/7/9</a:t>
             </a:fld>
             <a:endParaRPr lang="zh-TW" altLang="en-US"/>
           </a:p>
@@ -1637,7 +1637,7 @@
             <a:fld id="{5BBEAD13-0566-4C6C-97E7-55F17F24B09F}" type="datetimeFigureOut">
               <a:rPr lang="zh-TW" altLang="en-US" smtClean="0"/>
               <a:pPr/>
-              <a:t>2019/7/8</a:t>
+              <a:t>2019/7/9</a:t>
             </a:fld>
             <a:endParaRPr lang="zh-TW" altLang="en-US"/>
           </a:p>
@@ -1880,7 +1880,7 @@
             <a:fld id="{5BBEAD13-0566-4C6C-97E7-55F17F24B09F}" type="datetimeFigureOut">
               <a:rPr lang="zh-TW" altLang="en-US" smtClean="0"/>
               <a:pPr/>
-              <a:t>2019/7/8</a:t>
+              <a:t>2019/7/9</a:t>
             </a:fld>
             <a:endParaRPr lang="zh-TW" altLang="en-US"/>
           </a:p>
@@ -2165,7 +2165,7 @@
             <a:fld id="{5BBEAD13-0566-4C6C-97E7-55F17F24B09F}" type="datetimeFigureOut">
               <a:rPr lang="zh-TW" altLang="en-US" smtClean="0"/>
               <a:pPr/>
-              <a:t>2019/7/8</a:t>
+              <a:t>2019/7/9</a:t>
             </a:fld>
             <a:endParaRPr lang="zh-TW" altLang="en-US"/>
           </a:p>
@@ -2584,7 +2584,7 @@
             <a:fld id="{5BBEAD13-0566-4C6C-97E7-55F17F24B09F}" type="datetimeFigureOut">
               <a:rPr lang="zh-TW" altLang="en-US" smtClean="0"/>
               <a:pPr/>
-              <a:t>2019/7/8</a:t>
+              <a:t>2019/7/9</a:t>
             </a:fld>
             <a:endParaRPr lang="zh-TW" altLang="en-US"/>
           </a:p>
@@ -2699,7 +2699,7 @@
             <a:fld id="{5BBEAD13-0566-4C6C-97E7-55F17F24B09F}" type="datetimeFigureOut">
               <a:rPr lang="zh-TW" altLang="en-US" smtClean="0"/>
               <a:pPr/>
-              <a:t>2019/7/8</a:t>
+              <a:t>2019/7/9</a:t>
             </a:fld>
             <a:endParaRPr lang="zh-TW" altLang="en-US"/>
           </a:p>
@@ -2791,7 +2791,7 @@
             <a:fld id="{5BBEAD13-0566-4C6C-97E7-55F17F24B09F}" type="datetimeFigureOut">
               <a:rPr lang="zh-TW" altLang="en-US" smtClean="0"/>
               <a:pPr/>
-              <a:t>2019/7/8</a:t>
+              <a:t>2019/7/9</a:t>
             </a:fld>
             <a:endParaRPr lang="zh-TW" altLang="en-US"/>
           </a:p>
@@ -3065,7 +3065,7 @@
             <a:fld id="{5BBEAD13-0566-4C6C-97E7-55F17F24B09F}" type="datetimeFigureOut">
               <a:rPr lang="zh-TW" altLang="en-US" smtClean="0"/>
               <a:pPr/>
-              <a:t>2019/7/8</a:t>
+              <a:t>2019/7/9</a:t>
             </a:fld>
             <a:endParaRPr lang="zh-TW" altLang="en-US"/>
           </a:p>
@@ -3319,7 +3319,7 @@
             <a:fld id="{5BBEAD13-0566-4C6C-97E7-55F17F24B09F}" type="datetimeFigureOut">
               <a:rPr lang="zh-TW" altLang="en-US" smtClean="0"/>
               <a:pPr/>
-              <a:t>2019/7/8</a:t>
+              <a:t>2019/7/9</a:t>
             </a:fld>
             <a:endParaRPr lang="zh-TW" altLang="en-US"/>
           </a:p>
@@ -3534,7 +3534,7 @@
             <a:fld id="{5BBEAD13-0566-4C6C-97E7-55F17F24B09F}" type="datetimeFigureOut">
               <a:rPr lang="zh-TW" altLang="en-US" smtClean="0"/>
               <a:pPr/>
-              <a:t>2019/7/8</a:t>
+              <a:t>2019/7/9</a:t>
             </a:fld>
             <a:endParaRPr lang="zh-TW" altLang="en-US"/>
           </a:p>

--- a/崇拜流程.pptx
+++ b/崇拜流程.pptx
@@ -133,7 +133,7 @@
   </p:defaultTextStyle>
   <p:extLst>
     <p:ext uri="{EFAFB233-063F-42B5-8137-9DF3F51BA10A}">
-      <p15:sldGuideLst xmlns:p15="http://schemas.microsoft.com/office/powerpoint/2012/main" xmlns="">
+      <p15:sldGuideLst xmlns="" xmlns:p15="http://schemas.microsoft.com/office/powerpoint/2012/main">
         <p15:guide id="1" orient="horz" pos="2160">
           <p15:clr>
             <a:srgbClr val="A4A3A4"/>
@@ -233,7 +233,7 @@
             <a:fld id="{2F30D4D0-EAC7-4980-A92D-C26C9148BA0F}" type="datetimeFigureOut">
               <a:rPr lang="zh-TW" altLang="en-US" smtClean="0"/>
               <a:pPr/>
-              <a:t>2019/7/9</a:t>
+              <a:t>2019/9/20</a:t>
             </a:fld>
             <a:endParaRPr lang="zh-TW" altLang="en-US"/>
           </a:p>
@@ -1126,7 +1126,7 @@
             <a:fld id="{5BBEAD13-0566-4C6C-97E7-55F17F24B09F}" type="datetimeFigureOut">
               <a:rPr lang="zh-TW" altLang="en-US" smtClean="0"/>
               <a:pPr/>
-              <a:t>2019/7/9</a:t>
+              <a:t>2019/9/20</a:t>
             </a:fld>
             <a:endParaRPr lang="zh-TW" altLang="en-US"/>
           </a:p>
@@ -1293,7 +1293,7 @@
             <a:fld id="{5BBEAD13-0566-4C6C-97E7-55F17F24B09F}" type="datetimeFigureOut">
               <a:rPr lang="zh-TW" altLang="en-US" smtClean="0"/>
               <a:pPr/>
-              <a:t>2019/7/9</a:t>
+              <a:t>2019/9/20</a:t>
             </a:fld>
             <a:endParaRPr lang="zh-TW" altLang="en-US"/>
           </a:p>
@@ -1470,7 +1470,7 @@
             <a:fld id="{5BBEAD13-0566-4C6C-97E7-55F17F24B09F}" type="datetimeFigureOut">
               <a:rPr lang="zh-TW" altLang="en-US" smtClean="0"/>
               <a:pPr/>
-              <a:t>2019/7/9</a:t>
+              <a:t>2019/9/20</a:t>
             </a:fld>
             <a:endParaRPr lang="zh-TW" altLang="en-US"/>
           </a:p>
@@ -1637,7 +1637,7 @@
             <a:fld id="{5BBEAD13-0566-4C6C-97E7-55F17F24B09F}" type="datetimeFigureOut">
               <a:rPr lang="zh-TW" altLang="en-US" smtClean="0"/>
               <a:pPr/>
-              <a:t>2019/7/9</a:t>
+              <a:t>2019/9/20</a:t>
             </a:fld>
             <a:endParaRPr lang="zh-TW" altLang="en-US"/>
           </a:p>
@@ -1880,7 +1880,7 @@
             <a:fld id="{5BBEAD13-0566-4C6C-97E7-55F17F24B09F}" type="datetimeFigureOut">
               <a:rPr lang="zh-TW" altLang="en-US" smtClean="0"/>
               <a:pPr/>
-              <a:t>2019/7/9</a:t>
+              <a:t>2019/9/20</a:t>
             </a:fld>
             <a:endParaRPr lang="zh-TW" altLang="en-US"/>
           </a:p>
@@ -2165,7 +2165,7 @@
             <a:fld id="{5BBEAD13-0566-4C6C-97E7-55F17F24B09F}" type="datetimeFigureOut">
               <a:rPr lang="zh-TW" altLang="en-US" smtClean="0"/>
               <a:pPr/>
-              <a:t>2019/7/9</a:t>
+              <a:t>2019/9/20</a:t>
             </a:fld>
             <a:endParaRPr lang="zh-TW" altLang="en-US"/>
           </a:p>
@@ -2584,7 +2584,7 @@
             <a:fld id="{5BBEAD13-0566-4C6C-97E7-55F17F24B09F}" type="datetimeFigureOut">
               <a:rPr lang="zh-TW" altLang="en-US" smtClean="0"/>
               <a:pPr/>
-              <a:t>2019/7/9</a:t>
+              <a:t>2019/9/20</a:t>
             </a:fld>
             <a:endParaRPr lang="zh-TW" altLang="en-US"/>
           </a:p>
@@ -2699,7 +2699,7 @@
             <a:fld id="{5BBEAD13-0566-4C6C-97E7-55F17F24B09F}" type="datetimeFigureOut">
               <a:rPr lang="zh-TW" altLang="en-US" smtClean="0"/>
               <a:pPr/>
-              <a:t>2019/7/9</a:t>
+              <a:t>2019/9/20</a:t>
             </a:fld>
             <a:endParaRPr lang="zh-TW" altLang="en-US"/>
           </a:p>
@@ -2791,7 +2791,7 @@
             <a:fld id="{5BBEAD13-0566-4C6C-97E7-55F17F24B09F}" type="datetimeFigureOut">
               <a:rPr lang="zh-TW" altLang="en-US" smtClean="0"/>
               <a:pPr/>
-              <a:t>2019/7/9</a:t>
+              <a:t>2019/9/20</a:t>
             </a:fld>
             <a:endParaRPr lang="zh-TW" altLang="en-US"/>
           </a:p>
@@ -3065,7 +3065,7 @@
             <a:fld id="{5BBEAD13-0566-4C6C-97E7-55F17F24B09F}" type="datetimeFigureOut">
               <a:rPr lang="zh-TW" altLang="en-US" smtClean="0"/>
               <a:pPr/>
-              <a:t>2019/7/9</a:t>
+              <a:t>2019/9/20</a:t>
             </a:fld>
             <a:endParaRPr lang="zh-TW" altLang="en-US"/>
           </a:p>
@@ -3319,7 +3319,7 @@
             <a:fld id="{5BBEAD13-0566-4C6C-97E7-55F17F24B09F}" type="datetimeFigureOut">
               <a:rPr lang="zh-TW" altLang="en-US" smtClean="0"/>
               <a:pPr/>
-              <a:t>2019/7/9</a:t>
+              <a:t>2019/9/20</a:t>
             </a:fld>
             <a:endParaRPr lang="zh-TW" altLang="en-US"/>
           </a:p>
@@ -3534,7 +3534,7 @@
             <a:fld id="{5BBEAD13-0566-4C6C-97E7-55F17F24B09F}" type="datetimeFigureOut">
               <a:rPr lang="zh-TW" altLang="en-US" smtClean="0"/>
               <a:pPr/>
-              <a:t>2019/7/9</a:t>
+              <a:t>2019/9/20</a:t>
             </a:fld>
             <a:endParaRPr lang="zh-TW" altLang="en-US"/>
           </a:p>
@@ -4188,7 +4188,7 @@
           <a:lstStyle/>
           <a:p>
             <a:r>
-              <a:rPr lang="en-US" altLang="zh-TW" sz="5400" b="1" dirty="0" smtClean="0">
+              <a:rPr lang="en-US" altLang="zh-TW" sz="4800" b="1" dirty="0" smtClean="0">
                 <a:solidFill>
                   <a:srgbClr val="000066"/>
                 </a:solidFill>
@@ -4198,7 +4198,7 @@
               <a:t>Act 1:8  </a:t>
             </a:r>
             <a:r>
-              <a:rPr lang="zh-TW" altLang="en-US" sz="5400" b="1" dirty="0" smtClean="0">
+              <a:rPr lang="zh-TW" altLang="en-US" sz="4800" b="1" dirty="0" smtClean="0">
                 <a:solidFill>
                   <a:srgbClr val="000066"/>
                 </a:solidFill>
@@ -4208,7 +4208,7 @@
               <a:t>但聖靈降臨在你們身上，你們就必得著能力，並要在耶路撒冷、猶太全地，和撒瑪利亞，直到地極，作我的見證。」</a:t>
             </a:r>
             <a:r>
-              <a:rPr lang="en-US" altLang="zh-TW" sz="5400" b="1" dirty="0" smtClean="0">
+              <a:rPr lang="en-US" altLang="zh-TW" sz="4800" b="1" dirty="0" smtClean="0">
                 <a:solidFill>
                   <a:srgbClr val="000066"/>
                 </a:solidFill>

--- a/崇拜流程.pptx
+++ b/崇拜流程.pptx
@@ -133,13 +133,18 @@
   </p:defaultTextStyle>
   <p:extLst>
     <p:ext uri="{EFAFB233-063F-42B5-8137-9DF3F51BA10A}">
-      <p15:sldGuideLst xmlns="" xmlns:p15="http://schemas.microsoft.com/office/powerpoint/2012/main">
+      <p15:sldGuideLst xmlns:p15="http://schemas.microsoft.com/office/powerpoint/2012/main">
         <p15:guide id="1" orient="horz" pos="2160">
           <p15:clr>
             <a:srgbClr val="A4A3A4"/>
           </p15:clr>
         </p15:guide>
         <p15:guide id="2" pos="2880">
+          <p15:clr>
+            <a:srgbClr val="A4A3A4"/>
+          </p15:clr>
+        </p15:guide>
+        <p15:guide id="3" orient="horz" pos="1620">
           <p15:clr>
             <a:srgbClr val="A4A3A4"/>
           </p15:clr>
@@ -233,7 +238,7 @@
             <a:fld id="{2F30D4D0-EAC7-4980-A92D-C26C9148BA0F}" type="datetimeFigureOut">
               <a:rPr lang="zh-TW" altLang="en-US" smtClean="0"/>
               <a:pPr/>
-              <a:t>2019/9/20</a:t>
+              <a:t>2020/1/18</a:t>
             </a:fld>
             <a:endParaRPr lang="zh-TW" altLang="en-US"/>
           </a:p>
@@ -1126,7 +1131,7 @@
             <a:fld id="{5BBEAD13-0566-4C6C-97E7-55F17F24B09F}" type="datetimeFigureOut">
               <a:rPr lang="zh-TW" altLang="en-US" smtClean="0"/>
               <a:pPr/>
-              <a:t>2019/9/20</a:t>
+              <a:t>2020/1/18</a:t>
             </a:fld>
             <a:endParaRPr lang="zh-TW" altLang="en-US"/>
           </a:p>
@@ -1293,7 +1298,7 @@
             <a:fld id="{5BBEAD13-0566-4C6C-97E7-55F17F24B09F}" type="datetimeFigureOut">
               <a:rPr lang="zh-TW" altLang="en-US" smtClean="0"/>
               <a:pPr/>
-              <a:t>2019/9/20</a:t>
+              <a:t>2020/1/18</a:t>
             </a:fld>
             <a:endParaRPr lang="zh-TW" altLang="en-US"/>
           </a:p>
@@ -1470,7 +1475,7 @@
             <a:fld id="{5BBEAD13-0566-4C6C-97E7-55F17F24B09F}" type="datetimeFigureOut">
               <a:rPr lang="zh-TW" altLang="en-US" smtClean="0"/>
               <a:pPr/>
-              <a:t>2019/9/20</a:t>
+              <a:t>2020/1/18</a:t>
             </a:fld>
             <a:endParaRPr lang="zh-TW" altLang="en-US"/>
           </a:p>
@@ -1637,7 +1642,7 @@
             <a:fld id="{5BBEAD13-0566-4C6C-97E7-55F17F24B09F}" type="datetimeFigureOut">
               <a:rPr lang="zh-TW" altLang="en-US" smtClean="0"/>
               <a:pPr/>
-              <a:t>2019/9/20</a:t>
+              <a:t>2020/1/18</a:t>
             </a:fld>
             <a:endParaRPr lang="zh-TW" altLang="en-US"/>
           </a:p>
@@ -1880,7 +1885,7 @@
             <a:fld id="{5BBEAD13-0566-4C6C-97E7-55F17F24B09F}" type="datetimeFigureOut">
               <a:rPr lang="zh-TW" altLang="en-US" smtClean="0"/>
               <a:pPr/>
-              <a:t>2019/9/20</a:t>
+              <a:t>2020/1/18</a:t>
             </a:fld>
             <a:endParaRPr lang="zh-TW" altLang="en-US"/>
           </a:p>
@@ -2165,7 +2170,7 @@
             <a:fld id="{5BBEAD13-0566-4C6C-97E7-55F17F24B09F}" type="datetimeFigureOut">
               <a:rPr lang="zh-TW" altLang="en-US" smtClean="0"/>
               <a:pPr/>
-              <a:t>2019/9/20</a:t>
+              <a:t>2020/1/18</a:t>
             </a:fld>
             <a:endParaRPr lang="zh-TW" altLang="en-US"/>
           </a:p>
@@ -2584,7 +2589,7 @@
             <a:fld id="{5BBEAD13-0566-4C6C-97E7-55F17F24B09F}" type="datetimeFigureOut">
               <a:rPr lang="zh-TW" altLang="en-US" smtClean="0"/>
               <a:pPr/>
-              <a:t>2019/9/20</a:t>
+              <a:t>2020/1/18</a:t>
             </a:fld>
             <a:endParaRPr lang="zh-TW" altLang="en-US"/>
           </a:p>
@@ -2699,7 +2704,7 @@
             <a:fld id="{5BBEAD13-0566-4C6C-97E7-55F17F24B09F}" type="datetimeFigureOut">
               <a:rPr lang="zh-TW" altLang="en-US" smtClean="0"/>
               <a:pPr/>
-              <a:t>2019/9/20</a:t>
+              <a:t>2020/1/18</a:t>
             </a:fld>
             <a:endParaRPr lang="zh-TW" altLang="en-US"/>
           </a:p>
@@ -2791,7 +2796,7 @@
             <a:fld id="{5BBEAD13-0566-4C6C-97E7-55F17F24B09F}" type="datetimeFigureOut">
               <a:rPr lang="zh-TW" altLang="en-US" smtClean="0"/>
               <a:pPr/>
-              <a:t>2019/9/20</a:t>
+              <a:t>2020/1/18</a:t>
             </a:fld>
             <a:endParaRPr lang="zh-TW" altLang="en-US"/>
           </a:p>
@@ -3065,7 +3070,7 @@
             <a:fld id="{5BBEAD13-0566-4C6C-97E7-55F17F24B09F}" type="datetimeFigureOut">
               <a:rPr lang="zh-TW" altLang="en-US" smtClean="0"/>
               <a:pPr/>
-              <a:t>2019/9/20</a:t>
+              <a:t>2020/1/18</a:t>
             </a:fld>
             <a:endParaRPr lang="zh-TW" altLang="en-US"/>
           </a:p>
@@ -3319,7 +3324,7 @@
             <a:fld id="{5BBEAD13-0566-4C6C-97E7-55F17F24B09F}" type="datetimeFigureOut">
               <a:rPr lang="zh-TW" altLang="en-US" smtClean="0"/>
               <a:pPr/>
-              <a:t>2019/9/20</a:t>
+              <a:t>2020/1/18</a:t>
             </a:fld>
             <a:endParaRPr lang="zh-TW" altLang="en-US"/>
           </a:p>
@@ -3534,7 +3539,7 @@
             <a:fld id="{5BBEAD13-0566-4C6C-97E7-55F17F24B09F}" type="datetimeFigureOut">
               <a:rPr lang="zh-TW" altLang="en-US" smtClean="0"/>
               <a:pPr/>
-              <a:t>2019/9/20</a:t>
+              <a:t>2020/1/18</a:t>
             </a:fld>
             <a:endParaRPr lang="zh-TW" altLang="en-US"/>
           </a:p>
@@ -5259,7 +5264,41 @@
                 <a:latin typeface="微軟正黑體" pitchFamily="34" charset="-120"/>
                 <a:ea typeface="微軟正黑體" pitchFamily="34" charset="-120"/>
               </a:rPr>
-              <a:t>願人都尊袮的名為聖</a:t>
+              <a:t>願人都</a:t>
+            </a:r>
+            <a:r>
+              <a:rPr lang="zh-CN" altLang="en-US" sz="4800" b="1" dirty="0">
+                <a:solidFill>
+                  <a:srgbClr val="000066"/>
+                </a:solidFill>
+                <a:effectLst>
+                  <a:outerShdw blurRad="50000" dist="30000" dir="5400000" algn="tl" rotWithShape="0">
+                    <a:srgbClr val="000000">
+                      <a:alpha val="30000"/>
+                    </a:srgbClr>
+                  </a:outerShdw>
+                </a:effectLst>
+                <a:latin typeface="微軟正黑體" pitchFamily="34" charset="-120"/>
+                <a:ea typeface="微軟正黑體" pitchFamily="34" charset="-120"/>
+              </a:rPr>
+              <a:t>尊父的</a:t>
+            </a:r>
+            <a:r>
+              <a:rPr lang="zh-CN" altLang="en-US" sz="4800" b="1" dirty="0" smtClean="0">
+                <a:solidFill>
+                  <a:srgbClr val="000066"/>
+                </a:solidFill>
+                <a:effectLst>
+                  <a:outerShdw blurRad="50000" dist="30000" dir="5400000" algn="tl" rotWithShape="0">
+                    <a:srgbClr val="000000">
+                      <a:alpha val="30000"/>
+                    </a:srgbClr>
+                  </a:outerShdw>
+                </a:effectLst>
+                <a:latin typeface="微軟正黑體" pitchFamily="34" charset="-120"/>
+                <a:ea typeface="微軟正黑體" pitchFamily="34" charset="-120"/>
+              </a:rPr>
+              <a:t>名為聖</a:t>
             </a:r>
             <a:endParaRPr lang="en-US" altLang="zh-CN" sz="4800" b="1" dirty="0" smtClean="0">
               <a:solidFill>

--- a/崇拜流程.pptx
+++ b/崇拜流程.pptx
@@ -238,7 +238,7 @@
             <a:fld id="{2F30D4D0-EAC7-4980-A92D-C26C9148BA0F}" type="datetimeFigureOut">
               <a:rPr lang="zh-TW" altLang="en-US" smtClean="0"/>
               <a:pPr/>
-              <a:t>2020/1/18</a:t>
+              <a:t>2020/5/1</a:t>
             </a:fld>
             <a:endParaRPr lang="zh-TW" altLang="en-US"/>
           </a:p>
@@ -1131,7 +1131,7 @@
             <a:fld id="{5BBEAD13-0566-4C6C-97E7-55F17F24B09F}" type="datetimeFigureOut">
               <a:rPr lang="zh-TW" altLang="en-US" smtClean="0"/>
               <a:pPr/>
-              <a:t>2020/1/18</a:t>
+              <a:t>2020/5/1</a:t>
             </a:fld>
             <a:endParaRPr lang="zh-TW" altLang="en-US"/>
           </a:p>
@@ -1298,7 +1298,7 @@
             <a:fld id="{5BBEAD13-0566-4C6C-97E7-55F17F24B09F}" type="datetimeFigureOut">
               <a:rPr lang="zh-TW" altLang="en-US" smtClean="0"/>
               <a:pPr/>
-              <a:t>2020/1/18</a:t>
+              <a:t>2020/5/1</a:t>
             </a:fld>
             <a:endParaRPr lang="zh-TW" altLang="en-US"/>
           </a:p>
@@ -1475,7 +1475,7 @@
             <a:fld id="{5BBEAD13-0566-4C6C-97E7-55F17F24B09F}" type="datetimeFigureOut">
               <a:rPr lang="zh-TW" altLang="en-US" smtClean="0"/>
               <a:pPr/>
-              <a:t>2020/1/18</a:t>
+              <a:t>2020/5/1</a:t>
             </a:fld>
             <a:endParaRPr lang="zh-TW" altLang="en-US"/>
           </a:p>
@@ -1642,7 +1642,7 @@
             <a:fld id="{5BBEAD13-0566-4C6C-97E7-55F17F24B09F}" type="datetimeFigureOut">
               <a:rPr lang="zh-TW" altLang="en-US" smtClean="0"/>
               <a:pPr/>
-              <a:t>2020/1/18</a:t>
+              <a:t>2020/5/1</a:t>
             </a:fld>
             <a:endParaRPr lang="zh-TW" altLang="en-US"/>
           </a:p>
@@ -1885,7 +1885,7 @@
             <a:fld id="{5BBEAD13-0566-4C6C-97E7-55F17F24B09F}" type="datetimeFigureOut">
               <a:rPr lang="zh-TW" altLang="en-US" smtClean="0"/>
               <a:pPr/>
-              <a:t>2020/1/18</a:t>
+              <a:t>2020/5/1</a:t>
             </a:fld>
             <a:endParaRPr lang="zh-TW" altLang="en-US"/>
           </a:p>
@@ -2170,7 +2170,7 @@
             <a:fld id="{5BBEAD13-0566-4C6C-97E7-55F17F24B09F}" type="datetimeFigureOut">
               <a:rPr lang="zh-TW" altLang="en-US" smtClean="0"/>
               <a:pPr/>
-              <a:t>2020/1/18</a:t>
+              <a:t>2020/5/1</a:t>
             </a:fld>
             <a:endParaRPr lang="zh-TW" altLang="en-US"/>
           </a:p>
@@ -2589,7 +2589,7 @@
             <a:fld id="{5BBEAD13-0566-4C6C-97E7-55F17F24B09F}" type="datetimeFigureOut">
               <a:rPr lang="zh-TW" altLang="en-US" smtClean="0"/>
               <a:pPr/>
-              <a:t>2020/1/18</a:t>
+              <a:t>2020/5/1</a:t>
             </a:fld>
             <a:endParaRPr lang="zh-TW" altLang="en-US"/>
           </a:p>
@@ -2704,7 +2704,7 @@
             <a:fld id="{5BBEAD13-0566-4C6C-97E7-55F17F24B09F}" type="datetimeFigureOut">
               <a:rPr lang="zh-TW" altLang="en-US" smtClean="0"/>
               <a:pPr/>
-              <a:t>2020/1/18</a:t>
+              <a:t>2020/5/1</a:t>
             </a:fld>
             <a:endParaRPr lang="zh-TW" altLang="en-US"/>
           </a:p>
@@ -2796,7 +2796,7 @@
             <a:fld id="{5BBEAD13-0566-4C6C-97E7-55F17F24B09F}" type="datetimeFigureOut">
               <a:rPr lang="zh-TW" altLang="en-US" smtClean="0"/>
               <a:pPr/>
-              <a:t>2020/1/18</a:t>
+              <a:t>2020/5/1</a:t>
             </a:fld>
             <a:endParaRPr lang="zh-TW" altLang="en-US"/>
           </a:p>
@@ -3070,7 +3070,7 @@
             <a:fld id="{5BBEAD13-0566-4C6C-97E7-55F17F24B09F}" type="datetimeFigureOut">
               <a:rPr lang="zh-TW" altLang="en-US" smtClean="0"/>
               <a:pPr/>
-              <a:t>2020/1/18</a:t>
+              <a:t>2020/5/1</a:t>
             </a:fld>
             <a:endParaRPr lang="zh-TW" altLang="en-US"/>
           </a:p>
@@ -3324,7 +3324,7 @@
             <a:fld id="{5BBEAD13-0566-4C6C-97E7-55F17F24B09F}" type="datetimeFigureOut">
               <a:rPr lang="zh-TW" altLang="en-US" smtClean="0"/>
               <a:pPr/>
-              <a:t>2020/1/18</a:t>
+              <a:t>2020/5/1</a:t>
             </a:fld>
             <a:endParaRPr lang="zh-TW" altLang="en-US"/>
           </a:p>
@@ -3539,7 +3539,7 @@
             <a:fld id="{5BBEAD13-0566-4C6C-97E7-55F17F24B09F}" type="datetimeFigureOut">
               <a:rPr lang="zh-TW" altLang="en-US" smtClean="0"/>
               <a:pPr/>
-              <a:t>2020/1/18</a:t>
+              <a:t>2020/5/1</a:t>
             </a:fld>
             <a:endParaRPr lang="zh-TW" altLang="en-US"/>
           </a:p>
@@ -4343,7 +4343,7 @@
               </a:spcBef>
             </a:pPr>
             <a:r>
-              <a:rPr lang="zh-TW" altLang="en-US" sz="4800" b="1" dirty="0" smtClean="0">
+              <a:rPr lang="zh-TW" altLang="en-US" sz="4800" b="1" i="1" dirty="0" smtClean="0">
                 <a:solidFill>
                   <a:srgbClr val="000066"/>
                 </a:solidFill>
@@ -4358,9 +4358,81 @@
                 <a:ea typeface="微軟正黑體" pitchFamily="34" charset="-120"/>
                 <a:cs typeface="+mj-cs"/>
               </a:rPr>
-              <a:t>主任牧師</a:t>
-            </a:r>
-            <a:endParaRPr lang="zh-TW" altLang="en-US" sz="4800" b="1" dirty="0">
+              <a:t>主</a:t>
+            </a:r>
+            <a:r>
+              <a:rPr lang="zh-TW" altLang="en-US" sz="4800" b="1" i="1" dirty="0" smtClean="0">
+                <a:solidFill>
+                  <a:srgbClr val="000066"/>
+                </a:solidFill>
+                <a:effectLst>
+                  <a:outerShdw blurRad="38100" dist="38100" dir="2700000" algn="tl">
+                    <a:srgbClr val="000000">
+                      <a:alpha val="43137"/>
+                    </a:srgbClr>
+                  </a:outerShdw>
+                </a:effectLst>
+                <a:latin typeface="微軟正黑體" pitchFamily="34" charset="-120"/>
+                <a:ea typeface="微軟正黑體" pitchFamily="34" charset="-120"/>
+                <a:cs typeface="+mj-cs"/>
+              </a:rPr>
+              <a:t>任</a:t>
+            </a:r>
+            <a:r>
+              <a:rPr lang="zh-TW" altLang="en-US" sz="4800" b="1" dirty="0" smtClean="0">
+                <a:solidFill>
+                  <a:srgbClr val="000066"/>
+                </a:solidFill>
+                <a:effectLst>
+                  <a:outerShdw blurRad="38100" dist="38100" dir="2700000" algn="tl">
+                    <a:srgbClr val="000000">
+                      <a:alpha val="43137"/>
+                    </a:srgbClr>
+                  </a:outerShdw>
+                </a:effectLst>
+                <a:latin typeface="微軟正黑體" pitchFamily="34" charset="-120"/>
+                <a:ea typeface="微軟正黑體" pitchFamily="34" charset="-120"/>
+                <a:cs typeface="+mj-cs"/>
+              </a:rPr>
+              <a:t> </a:t>
+            </a:r>
+            <a:r>
+              <a:rPr lang="zh-TW" altLang="en-US" sz="4000" b="1" dirty="0" smtClean="0">
+                <a:solidFill>
+                  <a:srgbClr val="000066"/>
+                </a:solidFill>
+                <a:effectLst>
+                  <a:outerShdw blurRad="38100" dist="38100" dir="2700000" algn="tl">
+                    <a:srgbClr val="000000">
+                      <a:alpha val="43137"/>
+                    </a:srgbClr>
+                  </a:outerShdw>
+                </a:effectLst>
+                <a:latin typeface="微軟正黑體" pitchFamily="34" charset="-120"/>
+                <a:ea typeface="微軟正黑體" pitchFamily="34" charset="-120"/>
+                <a:cs typeface="+mj-cs"/>
+              </a:rPr>
+              <a:t>牧</a:t>
+            </a:r>
+            <a:r>
+              <a:rPr lang="zh-TW" altLang="en-US" sz="4000" b="1" dirty="0" smtClean="0">
+                <a:solidFill>
+                  <a:srgbClr val="000066"/>
+                </a:solidFill>
+                <a:effectLst>
+                  <a:outerShdw blurRad="38100" dist="38100" dir="2700000" algn="tl">
+                    <a:srgbClr val="000000">
+                      <a:alpha val="43137"/>
+                    </a:srgbClr>
+                  </a:outerShdw>
+                </a:effectLst>
+                <a:latin typeface="微軟正黑體" pitchFamily="34" charset="-120"/>
+                <a:ea typeface="微軟正黑體" pitchFamily="34" charset="-120"/>
+                <a:cs typeface="+mj-cs"/>
+              </a:rPr>
+              <a:t>師</a:t>
+            </a:r>
+            <a:endParaRPr lang="zh-TW" altLang="en-US" sz="4000" b="1" dirty="0">
               <a:solidFill>
                 <a:srgbClr val="000066"/>
               </a:solidFill>

--- a/崇拜流程.pptx
+++ b/崇拜流程.pptx
@@ -238,7 +238,7 @@
             <a:fld id="{2F30D4D0-EAC7-4980-A92D-C26C9148BA0F}" type="datetimeFigureOut">
               <a:rPr lang="zh-TW" altLang="en-US" smtClean="0"/>
               <a:pPr/>
-              <a:t>2020/5/1</a:t>
+              <a:t>2020/6/6</a:t>
             </a:fld>
             <a:endParaRPr lang="zh-TW" altLang="en-US"/>
           </a:p>
@@ -1131,7 +1131,7 @@
             <a:fld id="{5BBEAD13-0566-4C6C-97E7-55F17F24B09F}" type="datetimeFigureOut">
               <a:rPr lang="zh-TW" altLang="en-US" smtClean="0"/>
               <a:pPr/>
-              <a:t>2020/5/1</a:t>
+              <a:t>2020/6/6</a:t>
             </a:fld>
             <a:endParaRPr lang="zh-TW" altLang="en-US"/>
           </a:p>
@@ -1298,7 +1298,7 @@
             <a:fld id="{5BBEAD13-0566-4C6C-97E7-55F17F24B09F}" type="datetimeFigureOut">
               <a:rPr lang="zh-TW" altLang="en-US" smtClean="0"/>
               <a:pPr/>
-              <a:t>2020/5/1</a:t>
+              <a:t>2020/6/6</a:t>
             </a:fld>
             <a:endParaRPr lang="zh-TW" altLang="en-US"/>
           </a:p>
@@ -1475,7 +1475,7 @@
             <a:fld id="{5BBEAD13-0566-4C6C-97E7-55F17F24B09F}" type="datetimeFigureOut">
               <a:rPr lang="zh-TW" altLang="en-US" smtClean="0"/>
               <a:pPr/>
-              <a:t>2020/5/1</a:t>
+              <a:t>2020/6/6</a:t>
             </a:fld>
             <a:endParaRPr lang="zh-TW" altLang="en-US"/>
           </a:p>
@@ -1642,7 +1642,7 @@
             <a:fld id="{5BBEAD13-0566-4C6C-97E7-55F17F24B09F}" type="datetimeFigureOut">
               <a:rPr lang="zh-TW" altLang="en-US" smtClean="0"/>
               <a:pPr/>
-              <a:t>2020/5/1</a:t>
+              <a:t>2020/6/6</a:t>
             </a:fld>
             <a:endParaRPr lang="zh-TW" altLang="en-US"/>
           </a:p>
@@ -1885,7 +1885,7 @@
             <a:fld id="{5BBEAD13-0566-4C6C-97E7-55F17F24B09F}" type="datetimeFigureOut">
               <a:rPr lang="zh-TW" altLang="en-US" smtClean="0"/>
               <a:pPr/>
-              <a:t>2020/5/1</a:t>
+              <a:t>2020/6/6</a:t>
             </a:fld>
             <a:endParaRPr lang="zh-TW" altLang="en-US"/>
           </a:p>
@@ -2170,7 +2170,7 @@
             <a:fld id="{5BBEAD13-0566-4C6C-97E7-55F17F24B09F}" type="datetimeFigureOut">
               <a:rPr lang="zh-TW" altLang="en-US" smtClean="0"/>
               <a:pPr/>
-              <a:t>2020/5/1</a:t>
+              <a:t>2020/6/6</a:t>
             </a:fld>
             <a:endParaRPr lang="zh-TW" altLang="en-US"/>
           </a:p>
@@ -2589,7 +2589,7 @@
             <a:fld id="{5BBEAD13-0566-4C6C-97E7-55F17F24B09F}" type="datetimeFigureOut">
               <a:rPr lang="zh-TW" altLang="en-US" smtClean="0"/>
               <a:pPr/>
-              <a:t>2020/5/1</a:t>
+              <a:t>2020/6/6</a:t>
             </a:fld>
             <a:endParaRPr lang="zh-TW" altLang="en-US"/>
           </a:p>
@@ -2704,7 +2704,7 @@
             <a:fld id="{5BBEAD13-0566-4C6C-97E7-55F17F24B09F}" type="datetimeFigureOut">
               <a:rPr lang="zh-TW" altLang="en-US" smtClean="0"/>
               <a:pPr/>
-              <a:t>2020/5/1</a:t>
+              <a:t>2020/6/6</a:t>
             </a:fld>
             <a:endParaRPr lang="zh-TW" altLang="en-US"/>
           </a:p>
@@ -2796,7 +2796,7 @@
             <a:fld id="{5BBEAD13-0566-4C6C-97E7-55F17F24B09F}" type="datetimeFigureOut">
               <a:rPr lang="zh-TW" altLang="en-US" smtClean="0"/>
               <a:pPr/>
-              <a:t>2020/5/1</a:t>
+              <a:t>2020/6/6</a:t>
             </a:fld>
             <a:endParaRPr lang="zh-TW" altLang="en-US"/>
           </a:p>
@@ -3070,7 +3070,7 @@
             <a:fld id="{5BBEAD13-0566-4C6C-97E7-55F17F24B09F}" type="datetimeFigureOut">
               <a:rPr lang="zh-TW" altLang="en-US" smtClean="0"/>
               <a:pPr/>
-              <a:t>2020/5/1</a:t>
+              <a:t>2020/6/6</a:t>
             </a:fld>
             <a:endParaRPr lang="zh-TW" altLang="en-US"/>
           </a:p>
@@ -3324,7 +3324,7 @@
             <a:fld id="{5BBEAD13-0566-4C6C-97E7-55F17F24B09F}" type="datetimeFigureOut">
               <a:rPr lang="zh-TW" altLang="en-US" smtClean="0"/>
               <a:pPr/>
-              <a:t>2020/5/1</a:t>
+              <a:t>2020/6/6</a:t>
             </a:fld>
             <a:endParaRPr lang="zh-TW" altLang="en-US"/>
           </a:p>
@@ -3539,7 +3539,7 @@
             <a:fld id="{5BBEAD13-0566-4C6C-97E7-55F17F24B09F}" type="datetimeFigureOut">
               <a:rPr lang="zh-TW" altLang="en-US" smtClean="0"/>
               <a:pPr/>
-              <a:t>2020/5/1</a:t>
+              <a:t>2020/6/6</a:t>
             </a:fld>
             <a:endParaRPr lang="zh-TW" altLang="en-US"/>
           </a:p>
@@ -4187,7 +4187,7 @@
           </a:xfrm>
         </p:spPr>
         <p:txBody>
-          <a:bodyPr>
+          <a:bodyPr anchor="ctr">
             <a:noAutofit/>
           </a:bodyPr>
           <a:lstStyle/>
@@ -4358,10 +4358,10 @@
                 <a:ea typeface="微軟正黑體" pitchFamily="34" charset="-120"/>
                 <a:cs typeface="+mj-cs"/>
               </a:rPr>
-              <a:t>主</a:t>
-            </a:r>
-            <a:r>
-              <a:rPr lang="zh-TW" altLang="en-US" sz="4800" b="1" i="1" dirty="0" smtClean="0">
+              <a:t>主任</a:t>
+            </a:r>
+            <a:r>
+              <a:rPr lang="zh-TW" altLang="en-US" sz="4800" b="1" dirty="0" smtClean="0">
                 <a:solidFill>
                   <a:srgbClr val="000066"/>
                 </a:solidFill>
@@ -4376,10 +4376,10 @@
                 <a:ea typeface="微軟正黑體" pitchFamily="34" charset="-120"/>
                 <a:cs typeface="+mj-cs"/>
               </a:rPr>
-              <a:t>任</a:t>
-            </a:r>
-            <a:r>
-              <a:rPr lang="zh-TW" altLang="en-US" sz="4800" b="1" dirty="0" smtClean="0">
+              <a:t> </a:t>
+            </a:r>
+            <a:r>
+              <a:rPr lang="zh-TW" altLang="en-US" sz="4000" b="1" dirty="0" smtClean="0">
                 <a:solidFill>
                   <a:srgbClr val="000066"/>
                 </a:solidFill>
@@ -4394,43 +4394,7 @@
                 <a:ea typeface="微軟正黑體" pitchFamily="34" charset="-120"/>
                 <a:cs typeface="+mj-cs"/>
               </a:rPr>
-              <a:t> </a:t>
-            </a:r>
-            <a:r>
-              <a:rPr lang="zh-TW" altLang="en-US" sz="4000" b="1" dirty="0" smtClean="0">
-                <a:solidFill>
-                  <a:srgbClr val="000066"/>
-                </a:solidFill>
-                <a:effectLst>
-                  <a:outerShdw blurRad="38100" dist="38100" dir="2700000" algn="tl">
-                    <a:srgbClr val="000000">
-                      <a:alpha val="43137"/>
-                    </a:srgbClr>
-                  </a:outerShdw>
-                </a:effectLst>
-                <a:latin typeface="微軟正黑體" pitchFamily="34" charset="-120"/>
-                <a:ea typeface="微軟正黑體" pitchFamily="34" charset="-120"/>
-                <a:cs typeface="+mj-cs"/>
-              </a:rPr>
-              <a:t>牧</a:t>
-            </a:r>
-            <a:r>
-              <a:rPr lang="zh-TW" altLang="en-US" sz="4000" b="1" dirty="0" smtClean="0">
-                <a:solidFill>
-                  <a:srgbClr val="000066"/>
-                </a:solidFill>
-                <a:effectLst>
-                  <a:outerShdw blurRad="38100" dist="38100" dir="2700000" algn="tl">
-                    <a:srgbClr val="000000">
-                      <a:alpha val="43137"/>
-                    </a:srgbClr>
-                  </a:outerShdw>
-                </a:effectLst>
-                <a:latin typeface="微軟正黑體" pitchFamily="34" charset="-120"/>
-                <a:ea typeface="微軟正黑體" pitchFamily="34" charset="-120"/>
-                <a:cs typeface="+mj-cs"/>
-              </a:rPr>
-              <a:t>師</a:t>
+              <a:t>牧師</a:t>
             </a:r>
             <a:endParaRPr lang="zh-TW" altLang="en-US" sz="4000" b="1" dirty="0">
               <a:solidFill>
@@ -8055,7 +8019,7 @@
           </a:xfrm>
         </p:spPr>
         <p:txBody>
-          <a:bodyPr>
+          <a:bodyPr anchor="ctr">
             <a:noAutofit/>
           </a:bodyPr>
           <a:lstStyle/>
@@ -8369,7 +8333,7 @@
           </a:xfrm>
         </p:spPr>
         <p:txBody>
-          <a:bodyPr>
+          <a:bodyPr anchor="ctr">
             <a:noAutofit/>
           </a:bodyPr>
           <a:lstStyle/>

--- a/崇拜流程.pptx
+++ b/崇拜流程.pptx
@@ -238,7 +238,7 @@
             <a:fld id="{2F30D4D0-EAC7-4980-A92D-C26C9148BA0F}" type="datetimeFigureOut">
               <a:rPr lang="zh-TW" altLang="en-US" smtClean="0"/>
               <a:pPr/>
-              <a:t>2020/6/6</a:t>
+              <a:t>2020/9/12</a:t>
             </a:fld>
             <a:endParaRPr lang="zh-TW" altLang="en-US"/>
           </a:p>
@@ -1131,7 +1131,7 @@
             <a:fld id="{5BBEAD13-0566-4C6C-97E7-55F17F24B09F}" type="datetimeFigureOut">
               <a:rPr lang="zh-TW" altLang="en-US" smtClean="0"/>
               <a:pPr/>
-              <a:t>2020/6/6</a:t>
+              <a:t>2020/9/12</a:t>
             </a:fld>
             <a:endParaRPr lang="zh-TW" altLang="en-US"/>
           </a:p>
@@ -1298,7 +1298,7 @@
             <a:fld id="{5BBEAD13-0566-4C6C-97E7-55F17F24B09F}" type="datetimeFigureOut">
               <a:rPr lang="zh-TW" altLang="en-US" smtClean="0"/>
               <a:pPr/>
-              <a:t>2020/6/6</a:t>
+              <a:t>2020/9/12</a:t>
             </a:fld>
             <a:endParaRPr lang="zh-TW" altLang="en-US"/>
           </a:p>
@@ -1475,7 +1475,7 @@
             <a:fld id="{5BBEAD13-0566-4C6C-97E7-55F17F24B09F}" type="datetimeFigureOut">
               <a:rPr lang="zh-TW" altLang="en-US" smtClean="0"/>
               <a:pPr/>
-              <a:t>2020/6/6</a:t>
+              <a:t>2020/9/12</a:t>
             </a:fld>
             <a:endParaRPr lang="zh-TW" altLang="en-US"/>
           </a:p>
@@ -1642,7 +1642,7 @@
             <a:fld id="{5BBEAD13-0566-4C6C-97E7-55F17F24B09F}" type="datetimeFigureOut">
               <a:rPr lang="zh-TW" altLang="en-US" smtClean="0"/>
               <a:pPr/>
-              <a:t>2020/6/6</a:t>
+              <a:t>2020/9/12</a:t>
             </a:fld>
             <a:endParaRPr lang="zh-TW" altLang="en-US"/>
           </a:p>
@@ -1885,7 +1885,7 @@
             <a:fld id="{5BBEAD13-0566-4C6C-97E7-55F17F24B09F}" type="datetimeFigureOut">
               <a:rPr lang="zh-TW" altLang="en-US" smtClean="0"/>
               <a:pPr/>
-              <a:t>2020/6/6</a:t>
+              <a:t>2020/9/12</a:t>
             </a:fld>
             <a:endParaRPr lang="zh-TW" altLang="en-US"/>
           </a:p>
@@ -2170,7 +2170,7 @@
             <a:fld id="{5BBEAD13-0566-4C6C-97E7-55F17F24B09F}" type="datetimeFigureOut">
               <a:rPr lang="zh-TW" altLang="en-US" smtClean="0"/>
               <a:pPr/>
-              <a:t>2020/6/6</a:t>
+              <a:t>2020/9/12</a:t>
             </a:fld>
             <a:endParaRPr lang="zh-TW" altLang="en-US"/>
           </a:p>
@@ -2589,7 +2589,7 @@
             <a:fld id="{5BBEAD13-0566-4C6C-97E7-55F17F24B09F}" type="datetimeFigureOut">
               <a:rPr lang="zh-TW" altLang="en-US" smtClean="0"/>
               <a:pPr/>
-              <a:t>2020/6/6</a:t>
+              <a:t>2020/9/12</a:t>
             </a:fld>
             <a:endParaRPr lang="zh-TW" altLang="en-US"/>
           </a:p>
@@ -2704,7 +2704,7 @@
             <a:fld id="{5BBEAD13-0566-4C6C-97E7-55F17F24B09F}" type="datetimeFigureOut">
               <a:rPr lang="zh-TW" altLang="en-US" smtClean="0"/>
               <a:pPr/>
-              <a:t>2020/6/6</a:t>
+              <a:t>2020/9/12</a:t>
             </a:fld>
             <a:endParaRPr lang="zh-TW" altLang="en-US"/>
           </a:p>
@@ -2796,7 +2796,7 @@
             <a:fld id="{5BBEAD13-0566-4C6C-97E7-55F17F24B09F}" type="datetimeFigureOut">
               <a:rPr lang="zh-TW" altLang="en-US" smtClean="0"/>
               <a:pPr/>
-              <a:t>2020/6/6</a:t>
+              <a:t>2020/9/12</a:t>
             </a:fld>
             <a:endParaRPr lang="zh-TW" altLang="en-US"/>
           </a:p>
@@ -3070,7 +3070,7 @@
             <a:fld id="{5BBEAD13-0566-4C6C-97E7-55F17F24B09F}" type="datetimeFigureOut">
               <a:rPr lang="zh-TW" altLang="en-US" smtClean="0"/>
               <a:pPr/>
-              <a:t>2020/6/6</a:t>
+              <a:t>2020/9/12</a:t>
             </a:fld>
             <a:endParaRPr lang="zh-TW" altLang="en-US"/>
           </a:p>
@@ -3324,7 +3324,7 @@
             <a:fld id="{5BBEAD13-0566-4C6C-97E7-55F17F24B09F}" type="datetimeFigureOut">
               <a:rPr lang="zh-TW" altLang="en-US" smtClean="0"/>
               <a:pPr/>
-              <a:t>2020/6/6</a:t>
+              <a:t>2020/9/12</a:t>
             </a:fld>
             <a:endParaRPr lang="zh-TW" altLang="en-US"/>
           </a:p>
@@ -3539,7 +3539,7 @@
             <a:fld id="{5BBEAD13-0566-4C6C-97E7-55F17F24B09F}" type="datetimeFigureOut">
               <a:rPr lang="zh-TW" altLang="en-US" smtClean="0"/>
               <a:pPr/>
-              <a:t>2020/6/6</a:t>
+              <a:t>2020/9/12</a:t>
             </a:fld>
             <a:endParaRPr lang="zh-TW" altLang="en-US"/>
           </a:p>
@@ -4343,7 +4343,7 @@
               </a:spcBef>
             </a:pPr>
             <a:r>
-              <a:rPr lang="zh-TW" altLang="en-US" sz="4800" b="1" i="1" dirty="0" smtClean="0">
+              <a:rPr lang="zh-TW" altLang="en-US" sz="4800" b="1" dirty="0" smtClean="0">
                 <a:solidFill>
                   <a:srgbClr val="000066"/>
                 </a:solidFill>
@@ -4358,7 +4358,7 @@
                 <a:ea typeface="微軟正黑體" pitchFamily="34" charset="-120"/>
                 <a:cs typeface="+mj-cs"/>
               </a:rPr>
-              <a:t>主任</a:t>
+              <a:t>主</a:t>
             </a:r>
             <a:r>
               <a:rPr lang="zh-TW" altLang="en-US" sz="4800" b="1" dirty="0" smtClean="0">
@@ -4376,10 +4376,10 @@
                 <a:ea typeface="微軟正黑體" pitchFamily="34" charset="-120"/>
                 <a:cs typeface="+mj-cs"/>
               </a:rPr>
-              <a:t> </a:t>
-            </a:r>
-            <a:r>
-              <a:rPr lang="zh-TW" altLang="en-US" sz="4000" b="1" dirty="0" smtClean="0">
+              <a:t>任牧</a:t>
+            </a:r>
+            <a:r>
+              <a:rPr lang="zh-TW" altLang="en-US" sz="4800" b="1" dirty="0">
                 <a:solidFill>
                   <a:srgbClr val="000066"/>
                 </a:solidFill>
@@ -4394,9 +4394,9 @@
                 <a:ea typeface="微軟正黑體" pitchFamily="34" charset="-120"/>
                 <a:cs typeface="+mj-cs"/>
               </a:rPr>
-              <a:t>牧師</a:t>
-            </a:r>
-            <a:endParaRPr lang="zh-TW" altLang="en-US" sz="4000" b="1" dirty="0">
+              <a:t>師</a:t>
+            </a:r>
+            <a:endParaRPr lang="zh-TW" altLang="en-US" sz="4800" b="1" dirty="0">
               <a:solidFill>
                 <a:srgbClr val="000066"/>
               </a:solidFill>
